--- a/Rock TestV3.pptx
+++ b/Rock TestV3.pptx
@@ -9,10 +9,10 @@
     <p:sldMasterId id="2147483874" r:id="rId8"/>
   </p:sldMasterIdLst>
   <p:notesMasterIdLst>
-    <p:notesMasterId r:id="rId25"/>
+    <p:notesMasterId r:id="rId26"/>
   </p:notesMasterIdLst>
   <p:handoutMasterIdLst>
-    <p:handoutMasterId r:id="rId26"/>
+    <p:handoutMasterId r:id="rId27"/>
   </p:handoutMasterIdLst>
   <p:sldIdLst>
     <p:sldId id="335" r:id="rId9"/>
@@ -27,10 +27,11 @@
     <p:sldId id="346" r:id="rId18"/>
     <p:sldId id="347" r:id="rId19"/>
     <p:sldId id="348" r:id="rId20"/>
-    <p:sldId id="349" r:id="rId21"/>
-    <p:sldId id="340" r:id="rId22"/>
-    <p:sldId id="341" r:id="rId23"/>
-    <p:sldId id="307" r:id="rId24"/>
+    <p:sldId id="351" r:id="rId21"/>
+    <p:sldId id="349" r:id="rId22"/>
+    <p:sldId id="340" r:id="rId23"/>
+    <p:sldId id="341" r:id="rId24"/>
+    <p:sldId id="307" r:id="rId25"/>
   </p:sldIdLst>
   <p:sldSz cx="12192000" cy="6858000"/>
   <p:notesSz cx="6858000" cy="9144000"/>
@@ -1600,7 +1601,7 @@
           <a:p>
             <a:fld id="{BD163FA7-301C-4E65-B0E1-63045FA8C413}" type="datetimeFigureOut">
               <a:rPr lang="en-US" smtClean="0"/>
-              <a:t>5/7/2021</a:t>
+              <a:t>6/16/2021</a:t>
             </a:fld>
             <a:endParaRPr lang="en-US"/>
           </a:p>
@@ -1777,7 +1778,7 @@
           <a:p>
             <a:fld id="{3389243F-B1BB-4202-BD78-416ACA555174}" type="datetimeFigureOut">
               <a:rPr lang="en-US" smtClean="0"/>
-              <a:t>5/7/2021</a:t>
+              <a:t>6/16/2021</a:t>
             </a:fld>
             <a:endParaRPr lang="en-US"/>
           </a:p>
@@ -2529,6 +2530,325 @@
               <a:tabLst/>
               <a:defRPr/>
             </a:pPr>
+            <a:r>
+              <a:rPr lang="en-US" dirty="0"/>
+              <a:t>$ </a:t>
+            </a:r>
+            <a:r>
+              <a:rPr lang="en-US" dirty="0" err="1"/>
+              <a:t>rocktest</a:t>
+            </a:r>
+            <a:r>
+              <a:rPr lang="en-US" dirty="0"/>
+              <a:t> </a:t>
+            </a:r>
+            <a:r>
+              <a:rPr lang="en-US" dirty="0" err="1"/>
+              <a:t>testbackend.yaml</a:t>
+            </a:r>
+            <a:endParaRPr lang="en-US" dirty="0"/>
+          </a:p>
+          <a:p>
+            <a:pPr marL="0" marR="0" indent="0" algn="l" defTabSz="914400" rtl="0" eaLnBrk="1" fontAlgn="auto" latinLnBrk="0" hangingPunct="1">
+              <a:lnSpc>
+                <a:spcPct val="100000"/>
+              </a:lnSpc>
+              <a:spcBef>
+                <a:spcPts val="0"/>
+              </a:spcBef>
+              <a:spcAft>
+                <a:spcPts val="0"/>
+              </a:spcAft>
+              <a:buClrTx/>
+              <a:buSzTx/>
+              <a:buFontTx/>
+              <a:buNone/>
+              <a:tabLst/>
+              <a:defRPr/>
+            </a:pPr>
+            <a:endParaRPr lang="en-US" dirty="0"/>
+          </a:p>
+          <a:p>
+            <a:pPr marL="0" marR="0" indent="0" algn="l" defTabSz="914400" rtl="0" eaLnBrk="1" fontAlgn="auto" latinLnBrk="0" hangingPunct="1">
+              <a:lnSpc>
+                <a:spcPct val="100000"/>
+              </a:lnSpc>
+              <a:spcBef>
+                <a:spcPts val="0"/>
+              </a:spcBef>
+              <a:spcAft>
+                <a:spcPts val="0"/>
+              </a:spcAft>
+              <a:buClrTx/>
+              <a:buSzTx/>
+              <a:buFontTx/>
+              <a:buNone/>
+              <a:tabLst/>
+              <a:defRPr/>
+            </a:pPr>
+            <a:r>
+              <a:rPr lang="en-US" dirty="0"/>
+              <a:t>Lancer le scenario </a:t>
+            </a:r>
+            <a:r>
+              <a:rPr lang="en-US" dirty="0" err="1"/>
+              <a:t>testbackend-fail.yaml</a:t>
+            </a:r>
+            <a:endParaRPr lang="en-US" dirty="0"/>
+          </a:p>
+          <a:p>
+            <a:pPr marL="0" marR="0" indent="0" algn="l" defTabSz="914400" rtl="0" eaLnBrk="1" fontAlgn="auto" latinLnBrk="0" hangingPunct="1">
+              <a:lnSpc>
+                <a:spcPct val="100000"/>
+              </a:lnSpc>
+              <a:spcBef>
+                <a:spcPts val="0"/>
+              </a:spcBef>
+              <a:spcAft>
+                <a:spcPts val="0"/>
+              </a:spcAft>
+              <a:buClrTx/>
+              <a:buSzTx/>
+              <a:buFontTx/>
+              <a:buNone/>
+              <a:tabLst/>
+              <a:defRPr/>
+            </a:pPr>
+            <a:r>
+              <a:rPr lang="en-US" dirty="0"/>
+              <a:t>$ </a:t>
+            </a:r>
+            <a:r>
+              <a:rPr lang="en-US" dirty="0" err="1"/>
+              <a:t>rocktest</a:t>
+            </a:r>
+            <a:r>
+              <a:rPr lang="en-US" dirty="0"/>
+              <a:t> </a:t>
+            </a:r>
+            <a:r>
+              <a:rPr lang="en-US" dirty="0" err="1"/>
+              <a:t>testbackend-fail.yaml</a:t>
+            </a:r>
+            <a:endParaRPr lang="en-US" dirty="0"/>
+          </a:p>
+          <a:p>
+            <a:pPr marL="0" marR="0" indent="0" algn="l" defTabSz="914400" rtl="0" eaLnBrk="1" fontAlgn="auto" latinLnBrk="0" hangingPunct="1">
+              <a:lnSpc>
+                <a:spcPct val="100000"/>
+              </a:lnSpc>
+              <a:spcBef>
+                <a:spcPts val="0"/>
+              </a:spcBef>
+              <a:spcAft>
+                <a:spcPts val="0"/>
+              </a:spcAft>
+              <a:buClrTx/>
+              <a:buSzTx/>
+              <a:buFontTx/>
+              <a:buNone/>
+              <a:tabLst/>
+              <a:defRPr/>
+            </a:pPr>
+            <a:endParaRPr lang="en-US" dirty="0"/>
+          </a:p>
+          <a:p>
+            <a:pPr marL="0" marR="0" indent="0" algn="l" defTabSz="914400" rtl="0" eaLnBrk="1" fontAlgn="auto" latinLnBrk="0" hangingPunct="1">
+              <a:lnSpc>
+                <a:spcPct val="100000"/>
+              </a:lnSpc>
+              <a:spcBef>
+                <a:spcPts val="0"/>
+              </a:spcBef>
+              <a:spcAft>
+                <a:spcPts val="0"/>
+              </a:spcAft>
+              <a:buClrTx/>
+              <a:buSzTx/>
+              <a:buFontTx/>
+              <a:buNone/>
+              <a:tabLst/>
+              <a:defRPr/>
+            </a:pPr>
+            <a:r>
+              <a:rPr lang="en-US" dirty="0" err="1"/>
+              <a:t>Regarder</a:t>
+            </a:r>
+            <a:r>
+              <a:rPr lang="en-US" dirty="0"/>
+              <a:t> le </a:t>
+            </a:r>
+            <a:r>
+              <a:rPr lang="en-US" dirty="0" err="1"/>
+              <a:t>résultat</a:t>
+            </a:r>
+            <a:r>
+              <a:rPr lang="en-US" dirty="0"/>
+              <a:t> de </a:t>
+            </a:r>
+            <a:r>
+              <a:rPr lang="en-US" dirty="0" err="1"/>
+              <a:t>l’API</a:t>
+            </a:r>
+            <a:r>
+              <a:rPr lang="en-US" dirty="0"/>
+              <a:t>:</a:t>
+            </a:r>
+          </a:p>
+          <a:p>
+            <a:pPr marL="0" marR="0" lvl="0" indent="0" algn="l" defTabSz="914400" rtl="0" eaLnBrk="1" fontAlgn="auto" latinLnBrk="0" hangingPunct="1">
+              <a:lnSpc>
+                <a:spcPct val="100000"/>
+              </a:lnSpc>
+              <a:spcBef>
+                <a:spcPts val="0"/>
+              </a:spcBef>
+              <a:spcAft>
+                <a:spcPts val="0"/>
+              </a:spcAft>
+              <a:buClrTx/>
+              <a:buSzTx/>
+              <a:buFontTx/>
+              <a:buNone/>
+              <a:tabLst/>
+              <a:defRPr/>
+            </a:pPr>
+            <a:r>
+              <a:rPr lang="fr-FR" sz="1200" kern="1200" dirty="0">
+                <a:solidFill>
+                  <a:schemeClr val="tx1"/>
+                </a:solidFill>
+                <a:effectLst/>
+                <a:latin typeface="+mn-lt"/>
+                <a:ea typeface="+mn-ea"/>
+                <a:cs typeface="+mn-cs"/>
+              </a:rPr>
+              <a:t>$ </a:t>
+            </a:r>
+            <a:r>
+              <a:rPr lang="fr-FR" sz="1200" kern="1200" dirty="0" err="1">
+                <a:solidFill>
+                  <a:schemeClr val="tx1"/>
+                </a:solidFill>
+                <a:effectLst/>
+                <a:latin typeface="+mn-lt"/>
+                <a:ea typeface="+mn-ea"/>
+                <a:cs typeface="+mn-cs"/>
+              </a:rPr>
+              <a:t>curl</a:t>
+            </a:r>
+            <a:r>
+              <a:rPr lang="fr-FR" sz="1200" kern="1200" dirty="0">
+                <a:solidFill>
+                  <a:schemeClr val="tx1"/>
+                </a:solidFill>
+                <a:effectLst/>
+                <a:latin typeface="+mn-lt"/>
+                <a:ea typeface="+mn-ea"/>
+                <a:cs typeface="+mn-cs"/>
+              </a:rPr>
+              <a:t> -s http://localhost:8080/api/heroes?name=GunsNRoses | </a:t>
+            </a:r>
+            <a:r>
+              <a:rPr lang="fr-FR" sz="1200" kern="1200" dirty="0" err="1">
+                <a:solidFill>
+                  <a:schemeClr val="tx1"/>
+                </a:solidFill>
+                <a:effectLst/>
+                <a:latin typeface="+mn-lt"/>
+                <a:ea typeface="+mn-ea"/>
+                <a:cs typeface="+mn-cs"/>
+              </a:rPr>
+              <a:t>jq</a:t>
+            </a:r>
+            <a:endParaRPr lang="fr-FR" sz="1200" kern="1200" dirty="0">
+              <a:solidFill>
+                <a:schemeClr val="tx1"/>
+              </a:solidFill>
+              <a:effectLst/>
+              <a:latin typeface="+mn-lt"/>
+              <a:ea typeface="+mn-ea"/>
+              <a:cs typeface="+mn-cs"/>
+            </a:endParaRPr>
+          </a:p>
+          <a:p>
+            <a:pPr marL="0" marR="0" indent="0" algn="l" defTabSz="914400" rtl="0" eaLnBrk="1" fontAlgn="auto" latinLnBrk="0" hangingPunct="1">
+              <a:lnSpc>
+                <a:spcPct val="100000"/>
+              </a:lnSpc>
+              <a:spcBef>
+                <a:spcPts val="0"/>
+              </a:spcBef>
+              <a:spcAft>
+                <a:spcPts val="0"/>
+              </a:spcAft>
+              <a:buClrTx/>
+              <a:buSzTx/>
+              <a:buFontTx/>
+              <a:buNone/>
+              <a:tabLst/>
+              <a:defRPr/>
+            </a:pPr>
+            <a:endParaRPr lang="en-US" dirty="0"/>
+          </a:p>
+          <a:p>
+            <a:pPr marL="0" marR="0" indent="0" algn="l" defTabSz="914400" rtl="0" eaLnBrk="1" fontAlgn="auto" latinLnBrk="0" hangingPunct="1">
+              <a:lnSpc>
+                <a:spcPct val="100000"/>
+              </a:lnSpc>
+              <a:spcBef>
+                <a:spcPts val="0"/>
+              </a:spcBef>
+              <a:spcAft>
+                <a:spcPts val="0"/>
+              </a:spcAft>
+              <a:buClrTx/>
+              <a:buSzTx/>
+              <a:buFontTx/>
+              <a:buNone/>
+              <a:tabLst/>
+              <a:defRPr/>
+            </a:pPr>
+            <a:endParaRPr lang="en-US" dirty="0"/>
+          </a:p>
+          <a:p>
+            <a:pPr marL="0" marR="0" indent="0" algn="l" defTabSz="914400" rtl="0" eaLnBrk="1" fontAlgn="auto" latinLnBrk="0" hangingPunct="1">
+              <a:lnSpc>
+                <a:spcPct val="100000"/>
+              </a:lnSpc>
+              <a:spcBef>
+                <a:spcPts val="0"/>
+              </a:spcBef>
+              <a:spcAft>
+                <a:spcPts val="0"/>
+              </a:spcAft>
+              <a:buClrTx/>
+              <a:buSzTx/>
+              <a:buFontTx/>
+              <a:buNone/>
+              <a:tabLst/>
+              <a:defRPr/>
+            </a:pPr>
+            <a:endParaRPr lang="en-US" dirty="0"/>
+          </a:p>
+          <a:p>
+            <a:pPr marL="0" marR="0" indent="0" algn="l" defTabSz="914400" rtl="0" eaLnBrk="1" fontAlgn="auto" latinLnBrk="0" hangingPunct="1">
+              <a:lnSpc>
+                <a:spcPct val="100000"/>
+              </a:lnSpc>
+              <a:spcBef>
+                <a:spcPts val="0"/>
+              </a:spcBef>
+              <a:spcAft>
+                <a:spcPts val="0"/>
+              </a:spcAft>
+              <a:buClrTx/>
+              <a:buSzTx/>
+              <a:buFontTx/>
+              <a:buNone/>
+              <a:tabLst/>
+              <a:defRPr/>
+            </a:pPr>
             <a:endParaRPr lang="en-US" dirty="0"/>
           </a:p>
         </p:txBody>
@@ -2675,18 +2995,21 @@
               <a:defRPr/>
             </a:pPr>
             <a:r>
-              <a:rPr lang="en-US" dirty="0" err="1"/>
-              <a:t>Ouvrir</a:t>
+              <a:rPr lang="en-US" u="sng" dirty="0"/>
+              <a:t>Se connecter </a:t>
+            </a:r>
+            <a:r>
+              <a:rPr lang="en-US" u="sng" dirty="0" err="1"/>
+              <a:t>automatiquement</a:t>
+            </a:r>
+            <a:r>
+              <a:rPr lang="en-US" u="sng" dirty="0"/>
+              <a:t> à la base</a:t>
             </a:r>
             <a:r>
               <a:rPr lang="en-US" dirty="0"/>
-              <a:t> </a:t>
-            </a:r>
-            <a:r>
-              <a:rPr lang="en-US" dirty="0" err="1"/>
-              <a:t>setup.yaml</a:t>
-            </a:r>
-            <a:endParaRPr lang="en-US" dirty="0"/>
+              <a:t>:</a:t>
+            </a:r>
           </a:p>
           <a:p>
             <a:pPr marL="0" marR="0" indent="0" algn="l" defTabSz="914400" rtl="0" eaLnBrk="1" fontAlgn="auto" latinLnBrk="0" hangingPunct="1">
@@ -2706,6 +3029,130 @@
               <a:tabLst/>
               <a:defRPr/>
             </a:pPr>
+            <a:r>
+              <a:rPr lang="en-US" dirty="0" err="1"/>
+              <a:t>Ouvrir</a:t>
+            </a:r>
+            <a:r>
+              <a:rPr lang="en-US" dirty="0"/>
+              <a:t> </a:t>
+            </a:r>
+            <a:r>
+              <a:rPr lang="en-US" dirty="0" err="1"/>
+              <a:t>testee</a:t>
+            </a:r>
+            <a:r>
+              <a:rPr lang="en-US" dirty="0"/>
+              <a:t>/</a:t>
+            </a:r>
+            <a:r>
+              <a:rPr lang="en-US" dirty="0" err="1"/>
+              <a:t>setup.yaml</a:t>
+            </a:r>
+            <a:endParaRPr lang="en-US" dirty="0"/>
+          </a:p>
+          <a:p>
+            <a:pPr marL="0" marR="0" indent="0" algn="l" defTabSz="914400" rtl="0" eaLnBrk="1" fontAlgn="auto" latinLnBrk="0" hangingPunct="1">
+              <a:lnSpc>
+                <a:spcPct val="100000"/>
+              </a:lnSpc>
+              <a:spcBef>
+                <a:spcPts val="0"/>
+              </a:spcBef>
+              <a:spcAft>
+                <a:spcPts val="0"/>
+              </a:spcAft>
+              <a:buClrTx/>
+              <a:buSzTx/>
+              <a:buFontTx/>
+              <a:buNone/>
+              <a:tabLst/>
+              <a:defRPr/>
+            </a:pPr>
+            <a:endParaRPr lang="en-US" dirty="0"/>
+          </a:p>
+          <a:p>
+            <a:pPr marL="0" marR="0" indent="0" algn="l" defTabSz="914400" rtl="0" eaLnBrk="1" fontAlgn="auto" latinLnBrk="0" hangingPunct="1">
+              <a:lnSpc>
+                <a:spcPct val="100000"/>
+              </a:lnSpc>
+              <a:spcBef>
+                <a:spcPts val="0"/>
+              </a:spcBef>
+              <a:spcAft>
+                <a:spcPts val="0"/>
+              </a:spcAft>
+              <a:buClrTx/>
+              <a:buSzTx/>
+              <a:buFontTx/>
+              <a:buNone/>
+              <a:tabLst/>
+              <a:defRPr/>
+            </a:pPr>
+            <a:endParaRPr lang="en-US" dirty="0"/>
+          </a:p>
+          <a:p>
+            <a:pPr marL="0" marR="0" indent="0" algn="l" defTabSz="914400" rtl="0" eaLnBrk="1" fontAlgn="auto" latinLnBrk="0" hangingPunct="1">
+              <a:lnSpc>
+                <a:spcPct val="100000"/>
+              </a:lnSpc>
+              <a:spcBef>
+                <a:spcPts val="0"/>
+              </a:spcBef>
+              <a:spcAft>
+                <a:spcPts val="0"/>
+              </a:spcAft>
+              <a:buClrTx/>
+              <a:buSzTx/>
+              <a:buFontTx/>
+              <a:buNone/>
+              <a:tabLst/>
+              <a:defRPr/>
+            </a:pPr>
+            <a:r>
+              <a:rPr lang="en-US" u="sng" dirty="0"/>
+              <a:t>2 primitives : </a:t>
+            </a:r>
+            <a:r>
+              <a:rPr lang="en-US" u="sng" dirty="0" err="1"/>
+              <a:t>createSingerInSQL</a:t>
+            </a:r>
+            <a:r>
+              <a:rPr lang="en-US" u="sng" dirty="0"/>
+              <a:t> et </a:t>
+            </a:r>
+            <a:r>
+              <a:rPr lang="en-US" u="sng" dirty="0" err="1"/>
+              <a:t>checkSingerWithAPI</a:t>
+            </a:r>
+            <a:endParaRPr lang="en-US" u="sng" dirty="0"/>
+          </a:p>
+          <a:p>
+            <a:pPr marL="0" marR="0" indent="0" algn="l" defTabSz="914400" rtl="0" eaLnBrk="1" fontAlgn="auto" latinLnBrk="0" hangingPunct="1">
+              <a:lnSpc>
+                <a:spcPct val="100000"/>
+              </a:lnSpc>
+              <a:spcBef>
+                <a:spcPts val="0"/>
+              </a:spcBef>
+              <a:spcAft>
+                <a:spcPts val="0"/>
+              </a:spcAft>
+              <a:buClrTx/>
+              <a:buSzTx/>
+              <a:buFontTx/>
+              <a:buNone/>
+              <a:tabLst/>
+              <a:defRPr/>
+            </a:pPr>
+            <a:r>
+              <a:rPr lang="en-US" dirty="0" err="1"/>
+              <a:t>testee</a:t>
+            </a:r>
+            <a:r>
+              <a:rPr lang="en-US" dirty="0"/>
+              <a:t>/</a:t>
+            </a:r>
             <a:r>
               <a:rPr lang="en-US" dirty="0" err="1"/>
               <a:t>lib.yaml</a:t>
@@ -2880,7 +3327,51 @@
             </a:pPr>
             <a:r>
               <a:rPr lang="en-US" dirty="0"/>
-              <a:t>Run </a:t>
+              <a:t>&gt; Run </a:t>
+            </a:r>
+            <a:r>
+              <a:rPr lang="en-US" dirty="0" err="1"/>
+              <a:t>angular.yaml</a:t>
+            </a:r>
+            <a:endParaRPr lang="en-US" dirty="0"/>
+          </a:p>
+          <a:p>
+            <a:pPr marL="0" marR="0" indent="0" algn="l" defTabSz="914400" rtl="0" eaLnBrk="1" fontAlgn="auto" latinLnBrk="0" hangingPunct="1">
+              <a:lnSpc>
+                <a:spcPct val="100000"/>
+              </a:lnSpc>
+              <a:spcBef>
+                <a:spcPts val="0"/>
+              </a:spcBef>
+              <a:spcAft>
+                <a:spcPts val="0"/>
+              </a:spcAft>
+              <a:buClrTx/>
+              <a:buSzTx/>
+              <a:buFontTx/>
+              <a:buNone/>
+              <a:tabLst/>
+              <a:defRPr/>
+            </a:pPr>
+            <a:r>
+              <a:rPr lang="en-US" dirty="0"/>
+              <a:t>$ </a:t>
+            </a:r>
+            <a:r>
+              <a:rPr lang="en-US" dirty="0" err="1"/>
+              <a:t>rocktest</a:t>
+            </a:r>
+            <a:r>
+              <a:rPr lang="en-US" dirty="0"/>
+              <a:t> </a:t>
+            </a:r>
+            <a:r>
+              <a:rPr lang="en-US" dirty="0" err="1"/>
+              <a:t>cheffie</a:t>
+            </a:r>
+            <a:r>
+              <a:rPr lang="en-US" dirty="0"/>
+              <a:t>/</a:t>
             </a:r>
             <a:r>
               <a:rPr lang="en-US" dirty="0" err="1"/>
@@ -2926,15 +3417,317 @@
               <a:tabLst/>
               <a:defRPr/>
             </a:pPr>
+            <a:endParaRPr lang="en-US" dirty="0"/>
+          </a:p>
+          <a:p>
+            <a:pPr marL="0" marR="0" indent="0" algn="l" defTabSz="914400" rtl="0" eaLnBrk="1" fontAlgn="auto" latinLnBrk="0" hangingPunct="1">
+              <a:lnSpc>
+                <a:spcPct val="100000"/>
+              </a:lnSpc>
+              <a:spcBef>
+                <a:spcPts val="0"/>
+              </a:spcBef>
+              <a:spcAft>
+                <a:spcPts val="0"/>
+              </a:spcAft>
+              <a:buClrTx/>
+              <a:buSzTx/>
+              <a:buFontTx/>
+              <a:buNone/>
+              <a:tabLst/>
+              <a:defRPr/>
+            </a:pPr>
+            <a:r>
+              <a:rPr lang="en-US" dirty="0"/>
+              <a:t>&gt; Run </a:t>
+            </a:r>
+            <a:r>
+              <a:rPr lang="en-US" dirty="0" err="1"/>
+              <a:t>submit.yaml</a:t>
+            </a:r>
+            <a:endParaRPr lang="en-US" dirty="0"/>
+          </a:p>
+          <a:p>
+            <a:pPr marL="0" marR="0" lvl="0" indent="0" algn="l" defTabSz="914400" rtl="0" eaLnBrk="1" fontAlgn="auto" latinLnBrk="0" hangingPunct="1">
+              <a:lnSpc>
+                <a:spcPct val="100000"/>
+              </a:lnSpc>
+              <a:spcBef>
+                <a:spcPts val="0"/>
+              </a:spcBef>
+              <a:spcAft>
+                <a:spcPts val="0"/>
+              </a:spcAft>
+              <a:buClrTx/>
+              <a:buSzTx/>
+              <a:buFontTx/>
+              <a:buNone/>
+              <a:tabLst/>
+              <a:defRPr/>
+            </a:pPr>
+            <a:r>
+              <a:rPr lang="en-US" dirty="0"/>
+              <a:t>$ </a:t>
+            </a:r>
+            <a:r>
+              <a:rPr lang="en-US" dirty="0" err="1"/>
+              <a:t>rocktest</a:t>
+            </a:r>
+            <a:r>
+              <a:rPr lang="en-US" dirty="0"/>
+              <a:t> </a:t>
+            </a:r>
+            <a:r>
+              <a:rPr lang="en-US" dirty="0" err="1"/>
+              <a:t>cheffie</a:t>
+            </a:r>
+            <a:r>
+              <a:rPr lang="en-US" dirty="0"/>
+              <a:t>/</a:t>
+            </a:r>
+            <a:r>
+              <a:rPr lang="en-US" dirty="0" err="1"/>
+              <a:t>submit.yaml</a:t>
+            </a:r>
+            <a:endParaRPr lang="en-US" dirty="0"/>
+          </a:p>
+          <a:p>
+            <a:pPr marL="0" marR="0" indent="0" algn="l" defTabSz="914400" rtl="0" eaLnBrk="1" fontAlgn="auto" latinLnBrk="0" hangingPunct="1">
+              <a:lnSpc>
+                <a:spcPct val="100000"/>
+              </a:lnSpc>
+              <a:spcBef>
+                <a:spcPts val="0"/>
+              </a:spcBef>
+              <a:spcAft>
+                <a:spcPts val="0"/>
+              </a:spcAft>
+              <a:buClrTx/>
+              <a:buSzTx/>
+              <a:buFontTx/>
+              <a:buNone/>
+              <a:tabLst/>
+              <a:defRPr/>
+            </a:pPr>
+            <a:endParaRPr lang="en-US" dirty="0"/>
+          </a:p>
+          <a:p>
+            <a:pPr marL="0" marR="0" indent="0" algn="l" defTabSz="914400" rtl="0" eaLnBrk="1" fontAlgn="auto" latinLnBrk="0" hangingPunct="1">
+              <a:lnSpc>
+                <a:spcPct val="100000"/>
+              </a:lnSpc>
+              <a:spcBef>
+                <a:spcPts val="0"/>
+              </a:spcBef>
+              <a:spcAft>
+                <a:spcPts val="0"/>
+              </a:spcAft>
+              <a:buClrTx/>
+              <a:buSzTx/>
+              <a:buFontTx/>
+              <a:buNone/>
+              <a:tabLst/>
+              <a:defRPr/>
+            </a:pPr>
+            <a:endParaRPr lang="en-US" dirty="0"/>
+          </a:p>
+          <a:p>
+            <a:pPr marL="0" marR="0" indent="0" algn="l" defTabSz="914400" rtl="0" eaLnBrk="1" fontAlgn="auto" latinLnBrk="0" hangingPunct="1">
+              <a:lnSpc>
+                <a:spcPct val="100000"/>
+              </a:lnSpc>
+              <a:spcBef>
+                <a:spcPts val="0"/>
+              </a:spcBef>
+              <a:spcAft>
+                <a:spcPts val="0"/>
+              </a:spcAft>
+              <a:buClrTx/>
+              <a:buSzTx/>
+              <a:buFontTx/>
+              <a:buNone/>
+              <a:tabLst/>
+              <a:defRPr/>
+            </a:pPr>
+            <a:r>
+              <a:rPr lang="en-US" u="sng" dirty="0"/>
+              <a:t>Test of the front app</a:t>
+            </a:r>
+          </a:p>
+          <a:p>
+            <a:pPr marL="0" marR="0" indent="0" algn="l" defTabSz="914400" rtl="0" eaLnBrk="1" fontAlgn="auto" latinLnBrk="0" hangingPunct="1">
+              <a:lnSpc>
+                <a:spcPct val="100000"/>
+              </a:lnSpc>
+              <a:spcBef>
+                <a:spcPts val="0"/>
+              </a:spcBef>
+              <a:spcAft>
+                <a:spcPts val="0"/>
+              </a:spcAft>
+              <a:buClrTx/>
+              <a:buSzTx/>
+              <a:buFontTx/>
+              <a:buNone/>
+              <a:tabLst/>
+              <a:defRPr/>
+            </a:pPr>
+            <a:endParaRPr lang="en-US" dirty="0"/>
+          </a:p>
+          <a:p>
+            <a:pPr marL="171450" marR="0" indent="-171450" algn="l" defTabSz="914400" rtl="0" eaLnBrk="1" fontAlgn="auto" latinLnBrk="0" hangingPunct="1">
+              <a:lnSpc>
+                <a:spcPct val="100000"/>
+              </a:lnSpc>
+              <a:spcBef>
+                <a:spcPts val="0"/>
+              </a:spcBef>
+              <a:spcAft>
+                <a:spcPts val="0"/>
+              </a:spcAft>
+              <a:buClrTx/>
+              <a:buSzTx/>
+              <a:buFont typeface="Wingdings" panose="05000000000000000000" pitchFamily="2" charset="2"/>
+              <a:buChar char="Ø"/>
+              <a:tabLst/>
+              <a:defRPr/>
+            </a:pPr>
             <a:r>
               <a:rPr lang="en-US" dirty="0"/>
               <a:t>Run </a:t>
             </a:r>
             <a:r>
               <a:rPr lang="en-US" dirty="0" err="1"/>
-              <a:t>submit.yaml</a:t>
-            </a:r>
-            <a:endParaRPr lang="en-US"/>
+              <a:t>testfront.yaml</a:t>
+            </a:r>
+            <a:endParaRPr lang="en-US" dirty="0"/>
+          </a:p>
+          <a:p>
+            <a:pPr marL="171450" marR="0" indent="-171450" algn="l" defTabSz="914400" rtl="0" eaLnBrk="1" fontAlgn="auto" latinLnBrk="0" hangingPunct="1">
+              <a:lnSpc>
+                <a:spcPct val="100000"/>
+              </a:lnSpc>
+              <a:spcBef>
+                <a:spcPts val="0"/>
+              </a:spcBef>
+              <a:spcAft>
+                <a:spcPts val="0"/>
+              </a:spcAft>
+              <a:buClrTx/>
+              <a:buSzTx/>
+              <a:buFont typeface="Wingdings" panose="05000000000000000000" pitchFamily="2" charset="2"/>
+              <a:buChar char="Ø"/>
+              <a:tabLst/>
+              <a:defRPr/>
+            </a:pPr>
+            <a:endParaRPr lang="en-US" dirty="0"/>
+          </a:p>
+          <a:p>
+            <a:pPr marL="171450" marR="0" indent="-171450" algn="l" defTabSz="914400" rtl="0" eaLnBrk="1" fontAlgn="auto" latinLnBrk="0" hangingPunct="1">
+              <a:lnSpc>
+                <a:spcPct val="100000"/>
+              </a:lnSpc>
+              <a:spcBef>
+                <a:spcPts val="0"/>
+              </a:spcBef>
+              <a:spcAft>
+                <a:spcPts val="0"/>
+              </a:spcAft>
+              <a:buClrTx/>
+              <a:buSzTx/>
+              <a:buFont typeface="Wingdings" panose="05000000000000000000" pitchFamily="2" charset="2"/>
+              <a:buChar char="Ø"/>
+              <a:tabLst/>
+              <a:defRPr/>
+            </a:pPr>
+            <a:endParaRPr lang="en-US" dirty="0"/>
+          </a:p>
+          <a:p>
+            <a:pPr marL="0" marR="0" indent="0" algn="l" defTabSz="914400" rtl="0" eaLnBrk="1" fontAlgn="auto" latinLnBrk="0" hangingPunct="1">
+              <a:lnSpc>
+                <a:spcPct val="100000"/>
+              </a:lnSpc>
+              <a:spcBef>
+                <a:spcPts val="0"/>
+              </a:spcBef>
+              <a:spcAft>
+                <a:spcPts val="0"/>
+              </a:spcAft>
+              <a:buClrTx/>
+              <a:buSzTx/>
+              <a:buFont typeface="Wingdings" panose="05000000000000000000" pitchFamily="2" charset="2"/>
+              <a:buNone/>
+              <a:tabLst/>
+              <a:defRPr/>
+            </a:pPr>
+            <a:r>
+              <a:rPr lang="en-US" u="sng" dirty="0"/>
+              <a:t>Spec of a feature in Gherkin</a:t>
+            </a:r>
+            <a:r>
+              <a:rPr lang="en-US" dirty="0"/>
+              <a:t>:</a:t>
+            </a:r>
+          </a:p>
+          <a:p>
+            <a:pPr marL="0" marR="0" indent="0" algn="l" defTabSz="914400" rtl="0" eaLnBrk="1" fontAlgn="auto" latinLnBrk="0" hangingPunct="1">
+              <a:lnSpc>
+                <a:spcPct val="100000"/>
+              </a:lnSpc>
+              <a:spcBef>
+                <a:spcPts val="0"/>
+              </a:spcBef>
+              <a:spcAft>
+                <a:spcPts val="0"/>
+              </a:spcAft>
+              <a:buClrTx/>
+              <a:buSzTx/>
+              <a:buFont typeface="Wingdings" panose="05000000000000000000" pitchFamily="2" charset="2"/>
+              <a:buNone/>
+              <a:tabLst/>
+              <a:defRPr/>
+            </a:pPr>
+            <a:endParaRPr lang="en-US" dirty="0"/>
+          </a:p>
+          <a:p>
+            <a:pPr marL="0" marR="0" indent="0" algn="l" defTabSz="914400" rtl="0" eaLnBrk="1" fontAlgn="auto" latinLnBrk="0" hangingPunct="1">
+              <a:lnSpc>
+                <a:spcPct val="100000"/>
+              </a:lnSpc>
+              <a:spcBef>
+                <a:spcPts val="0"/>
+              </a:spcBef>
+              <a:spcAft>
+                <a:spcPts val="0"/>
+              </a:spcAft>
+              <a:buClrTx/>
+              <a:buSzTx/>
+              <a:buFont typeface="Wingdings" panose="05000000000000000000" pitchFamily="2" charset="2"/>
+              <a:buNone/>
+              <a:tabLst/>
+              <a:defRPr/>
+            </a:pPr>
+            <a:endParaRPr lang="en-US" dirty="0"/>
+          </a:p>
+          <a:p>
+            <a:pPr marL="0" marR="0" indent="0" algn="l" defTabSz="914400" rtl="0" eaLnBrk="1" fontAlgn="auto" latinLnBrk="0" hangingPunct="1">
+              <a:lnSpc>
+                <a:spcPct val="100000"/>
+              </a:lnSpc>
+              <a:spcBef>
+                <a:spcPts val="0"/>
+              </a:spcBef>
+              <a:spcAft>
+                <a:spcPts val="0"/>
+              </a:spcAft>
+              <a:buClrTx/>
+              <a:buSzTx/>
+              <a:buFont typeface="Wingdings" panose="05000000000000000000" pitchFamily="2" charset="2"/>
+              <a:buNone/>
+              <a:tabLst/>
+              <a:defRPr/>
+            </a:pPr>
+            <a:endParaRPr lang="en-US" dirty="0"/>
           </a:p>
           <a:p>
             <a:pPr marL="0" marR="0" indent="0" algn="l" defTabSz="914400" rtl="0" eaLnBrk="1" fontAlgn="auto" latinLnBrk="0" hangingPunct="1">
@@ -3055,6 +3848,475 @@
               <a:tabLst/>
               <a:defRPr/>
             </a:pPr>
+            <a:r>
+              <a:rPr lang="en-US" b="1" dirty="0" err="1"/>
+              <a:t>Chieffie</a:t>
+            </a:r>
+            <a:r>
+              <a:rPr lang="en-US" dirty="0"/>
+              <a:t>:</a:t>
+            </a:r>
+          </a:p>
+          <a:p>
+            <a:pPr marL="0" marR="0" indent="0" algn="l" defTabSz="914400" rtl="0" eaLnBrk="1" fontAlgn="auto" latinLnBrk="0" hangingPunct="1">
+              <a:lnSpc>
+                <a:spcPct val="100000"/>
+              </a:lnSpc>
+              <a:spcBef>
+                <a:spcPts val="0"/>
+              </a:spcBef>
+              <a:spcAft>
+                <a:spcPts val="0"/>
+              </a:spcAft>
+              <a:buClrTx/>
+              <a:buSzTx/>
+              <a:buFontTx/>
+              <a:buNone/>
+              <a:tabLst/>
+              <a:defRPr/>
+            </a:pPr>
+            <a:endParaRPr lang="en-US" dirty="0"/>
+          </a:p>
+          <a:p>
+            <a:pPr marL="0" marR="0" indent="0" algn="l" defTabSz="914400" rtl="0" eaLnBrk="1" fontAlgn="auto" latinLnBrk="0" hangingPunct="1">
+              <a:lnSpc>
+                <a:spcPct val="100000"/>
+              </a:lnSpc>
+              <a:spcBef>
+                <a:spcPts val="0"/>
+              </a:spcBef>
+              <a:spcAft>
+                <a:spcPts val="0"/>
+              </a:spcAft>
+              <a:buClrTx/>
+              <a:buSzTx/>
+              <a:buFontTx/>
+              <a:buNone/>
+              <a:tabLst/>
+              <a:defRPr/>
+            </a:pPr>
+            <a:r>
+              <a:rPr lang="en-US" dirty="0"/>
+              <a:t>&gt; Run </a:t>
+            </a:r>
+            <a:r>
+              <a:rPr lang="en-US" dirty="0" err="1"/>
+              <a:t>angular.yaml</a:t>
+            </a:r>
+            <a:endParaRPr lang="en-US" dirty="0"/>
+          </a:p>
+          <a:p>
+            <a:pPr marL="0" marR="0" indent="0" algn="l" defTabSz="914400" rtl="0" eaLnBrk="1" fontAlgn="auto" latinLnBrk="0" hangingPunct="1">
+              <a:lnSpc>
+                <a:spcPct val="100000"/>
+              </a:lnSpc>
+              <a:spcBef>
+                <a:spcPts val="0"/>
+              </a:spcBef>
+              <a:spcAft>
+                <a:spcPts val="0"/>
+              </a:spcAft>
+              <a:buClrTx/>
+              <a:buSzTx/>
+              <a:buFontTx/>
+              <a:buNone/>
+              <a:tabLst/>
+              <a:defRPr/>
+            </a:pPr>
+            <a:r>
+              <a:rPr lang="en-US" dirty="0"/>
+              <a:t>$ </a:t>
+            </a:r>
+            <a:r>
+              <a:rPr lang="en-US" dirty="0" err="1"/>
+              <a:t>rocktest</a:t>
+            </a:r>
+            <a:r>
+              <a:rPr lang="en-US" dirty="0"/>
+              <a:t> </a:t>
+            </a:r>
+            <a:r>
+              <a:rPr lang="en-US" dirty="0" err="1"/>
+              <a:t>cheffie</a:t>
+            </a:r>
+            <a:r>
+              <a:rPr lang="en-US" dirty="0"/>
+              <a:t>/</a:t>
+            </a:r>
+            <a:r>
+              <a:rPr lang="en-US" dirty="0" err="1"/>
+              <a:t>angular.yaml</a:t>
+            </a:r>
+            <a:endParaRPr lang="en-US" dirty="0"/>
+          </a:p>
+          <a:p>
+            <a:pPr marL="0" marR="0" indent="0" algn="l" defTabSz="914400" rtl="0" eaLnBrk="1" fontAlgn="auto" latinLnBrk="0" hangingPunct="1">
+              <a:lnSpc>
+                <a:spcPct val="100000"/>
+              </a:lnSpc>
+              <a:spcBef>
+                <a:spcPts val="0"/>
+              </a:spcBef>
+              <a:spcAft>
+                <a:spcPts val="0"/>
+              </a:spcAft>
+              <a:buClrTx/>
+              <a:buSzTx/>
+              <a:buFontTx/>
+              <a:buNone/>
+              <a:tabLst/>
+              <a:defRPr/>
+            </a:pPr>
+            <a:endParaRPr lang="en-US" dirty="0"/>
+          </a:p>
+          <a:p>
+            <a:pPr marL="0" marR="0" indent="0" algn="l" defTabSz="914400" rtl="0" eaLnBrk="1" fontAlgn="auto" latinLnBrk="0" hangingPunct="1">
+              <a:lnSpc>
+                <a:spcPct val="100000"/>
+              </a:lnSpc>
+              <a:spcBef>
+                <a:spcPts val="0"/>
+              </a:spcBef>
+              <a:spcAft>
+                <a:spcPts val="0"/>
+              </a:spcAft>
+              <a:buClrTx/>
+              <a:buSzTx/>
+              <a:buFontTx/>
+              <a:buNone/>
+              <a:tabLst/>
+              <a:defRPr/>
+            </a:pPr>
+            <a:endParaRPr lang="en-US" dirty="0"/>
+          </a:p>
+          <a:p>
+            <a:pPr marL="0" marR="0" indent="0" algn="l" defTabSz="914400" rtl="0" eaLnBrk="1" fontAlgn="auto" latinLnBrk="0" hangingPunct="1">
+              <a:lnSpc>
+                <a:spcPct val="100000"/>
+              </a:lnSpc>
+              <a:spcBef>
+                <a:spcPts val="0"/>
+              </a:spcBef>
+              <a:spcAft>
+                <a:spcPts val="0"/>
+              </a:spcAft>
+              <a:buClrTx/>
+              <a:buSzTx/>
+              <a:buFontTx/>
+              <a:buNone/>
+              <a:tabLst/>
+              <a:defRPr/>
+            </a:pPr>
+            <a:r>
+              <a:rPr lang="en-US" dirty="0"/>
+              <a:t>&gt; Run </a:t>
+            </a:r>
+            <a:r>
+              <a:rPr lang="en-US" dirty="0" err="1"/>
+              <a:t>submit.yaml</a:t>
+            </a:r>
+            <a:endParaRPr lang="en-US" dirty="0"/>
+          </a:p>
+          <a:p>
+            <a:pPr marL="0" marR="0" lvl="0" indent="0" algn="l" defTabSz="914400" rtl="0" eaLnBrk="1" fontAlgn="auto" latinLnBrk="0" hangingPunct="1">
+              <a:lnSpc>
+                <a:spcPct val="100000"/>
+              </a:lnSpc>
+              <a:spcBef>
+                <a:spcPts val="0"/>
+              </a:spcBef>
+              <a:spcAft>
+                <a:spcPts val="0"/>
+              </a:spcAft>
+              <a:buClrTx/>
+              <a:buSzTx/>
+              <a:buFontTx/>
+              <a:buNone/>
+              <a:tabLst/>
+              <a:defRPr/>
+            </a:pPr>
+            <a:r>
+              <a:rPr lang="en-US" dirty="0"/>
+              <a:t>$ </a:t>
+            </a:r>
+            <a:r>
+              <a:rPr lang="en-US" dirty="0" err="1"/>
+              <a:t>rocktest</a:t>
+            </a:r>
+            <a:r>
+              <a:rPr lang="en-US" dirty="0"/>
+              <a:t> </a:t>
+            </a:r>
+            <a:r>
+              <a:rPr lang="en-US" dirty="0" err="1"/>
+              <a:t>cheffie</a:t>
+            </a:r>
+            <a:r>
+              <a:rPr lang="en-US" dirty="0"/>
+              <a:t>/</a:t>
+            </a:r>
+            <a:r>
+              <a:rPr lang="en-US" dirty="0" err="1"/>
+              <a:t>submit.yaml</a:t>
+            </a:r>
+            <a:endParaRPr lang="en-US" dirty="0"/>
+          </a:p>
+          <a:p>
+            <a:pPr marL="0" marR="0" indent="0" algn="l" defTabSz="914400" rtl="0" eaLnBrk="1" fontAlgn="auto" latinLnBrk="0" hangingPunct="1">
+              <a:lnSpc>
+                <a:spcPct val="100000"/>
+              </a:lnSpc>
+              <a:spcBef>
+                <a:spcPts val="0"/>
+              </a:spcBef>
+              <a:spcAft>
+                <a:spcPts val="0"/>
+              </a:spcAft>
+              <a:buClrTx/>
+              <a:buSzTx/>
+              <a:buFontTx/>
+              <a:buNone/>
+              <a:tabLst/>
+              <a:defRPr/>
+            </a:pPr>
+            <a:endParaRPr lang="en-US" dirty="0"/>
+          </a:p>
+          <a:p>
+            <a:pPr marL="0" marR="0" indent="0" algn="l" defTabSz="914400" rtl="0" eaLnBrk="1" fontAlgn="auto" latinLnBrk="0" hangingPunct="1">
+              <a:lnSpc>
+                <a:spcPct val="100000"/>
+              </a:lnSpc>
+              <a:spcBef>
+                <a:spcPts val="0"/>
+              </a:spcBef>
+              <a:spcAft>
+                <a:spcPts val="0"/>
+              </a:spcAft>
+              <a:buClrTx/>
+              <a:buSzTx/>
+              <a:buFontTx/>
+              <a:buNone/>
+              <a:tabLst/>
+              <a:defRPr/>
+            </a:pPr>
+            <a:endParaRPr lang="en-US" dirty="0"/>
+          </a:p>
+          <a:p>
+            <a:pPr marL="0" marR="0" indent="0" algn="l" defTabSz="914400" rtl="0" eaLnBrk="1" fontAlgn="auto" latinLnBrk="0" hangingPunct="1">
+              <a:lnSpc>
+                <a:spcPct val="100000"/>
+              </a:lnSpc>
+              <a:spcBef>
+                <a:spcPts val="0"/>
+              </a:spcBef>
+              <a:spcAft>
+                <a:spcPts val="0"/>
+              </a:spcAft>
+              <a:buClrTx/>
+              <a:buSzTx/>
+              <a:buFontTx/>
+              <a:buNone/>
+              <a:tabLst/>
+              <a:defRPr/>
+            </a:pPr>
+            <a:r>
+              <a:rPr lang="en-US" u="sng" dirty="0"/>
+              <a:t>Test of the front app</a:t>
+            </a:r>
+          </a:p>
+          <a:p>
+            <a:pPr marL="0" marR="0" indent="0" algn="l" defTabSz="914400" rtl="0" eaLnBrk="1" fontAlgn="auto" latinLnBrk="0" hangingPunct="1">
+              <a:lnSpc>
+                <a:spcPct val="100000"/>
+              </a:lnSpc>
+              <a:spcBef>
+                <a:spcPts val="0"/>
+              </a:spcBef>
+              <a:spcAft>
+                <a:spcPts val="0"/>
+              </a:spcAft>
+              <a:buClrTx/>
+              <a:buSzTx/>
+              <a:buFontTx/>
+              <a:buNone/>
+              <a:tabLst/>
+              <a:defRPr/>
+            </a:pPr>
+            <a:endParaRPr lang="en-US" dirty="0"/>
+          </a:p>
+          <a:p>
+            <a:pPr marL="171450" marR="0" indent="-171450" algn="l" defTabSz="914400" rtl="0" eaLnBrk="1" fontAlgn="auto" latinLnBrk="0" hangingPunct="1">
+              <a:lnSpc>
+                <a:spcPct val="100000"/>
+              </a:lnSpc>
+              <a:spcBef>
+                <a:spcPts val="0"/>
+              </a:spcBef>
+              <a:spcAft>
+                <a:spcPts val="0"/>
+              </a:spcAft>
+              <a:buClrTx/>
+              <a:buSzTx/>
+              <a:buFont typeface="Wingdings" panose="05000000000000000000" pitchFamily="2" charset="2"/>
+              <a:buChar char="Ø"/>
+              <a:tabLst/>
+              <a:defRPr/>
+            </a:pPr>
+            <a:r>
+              <a:rPr lang="en-US" dirty="0"/>
+              <a:t>Run </a:t>
+            </a:r>
+            <a:r>
+              <a:rPr lang="en-US" dirty="0" err="1"/>
+              <a:t>testfront.yaml</a:t>
+            </a:r>
+            <a:endParaRPr lang="en-US" dirty="0"/>
+          </a:p>
+          <a:p>
+            <a:pPr marL="171450" marR="0" indent="-171450" algn="l" defTabSz="914400" rtl="0" eaLnBrk="1" fontAlgn="auto" latinLnBrk="0" hangingPunct="1">
+              <a:lnSpc>
+                <a:spcPct val="100000"/>
+              </a:lnSpc>
+              <a:spcBef>
+                <a:spcPts val="0"/>
+              </a:spcBef>
+              <a:spcAft>
+                <a:spcPts val="0"/>
+              </a:spcAft>
+              <a:buClrTx/>
+              <a:buSzTx/>
+              <a:buFont typeface="Wingdings" panose="05000000000000000000" pitchFamily="2" charset="2"/>
+              <a:buChar char="Ø"/>
+              <a:tabLst/>
+              <a:defRPr/>
+            </a:pPr>
+            <a:endParaRPr lang="en-US" dirty="0"/>
+          </a:p>
+          <a:p>
+            <a:pPr marL="171450" marR="0" indent="-171450" algn="l" defTabSz="914400" rtl="0" eaLnBrk="1" fontAlgn="auto" latinLnBrk="0" hangingPunct="1">
+              <a:lnSpc>
+                <a:spcPct val="100000"/>
+              </a:lnSpc>
+              <a:spcBef>
+                <a:spcPts val="0"/>
+              </a:spcBef>
+              <a:spcAft>
+                <a:spcPts val="0"/>
+              </a:spcAft>
+              <a:buClrTx/>
+              <a:buSzTx/>
+              <a:buFont typeface="Wingdings" panose="05000000000000000000" pitchFamily="2" charset="2"/>
+              <a:buChar char="Ø"/>
+              <a:tabLst/>
+              <a:defRPr/>
+            </a:pPr>
+            <a:endParaRPr lang="en-US" dirty="0"/>
+          </a:p>
+          <a:p>
+            <a:pPr marL="0" marR="0" indent="0" algn="l" defTabSz="914400" rtl="0" eaLnBrk="1" fontAlgn="auto" latinLnBrk="0" hangingPunct="1">
+              <a:lnSpc>
+                <a:spcPct val="100000"/>
+              </a:lnSpc>
+              <a:spcBef>
+                <a:spcPts val="0"/>
+              </a:spcBef>
+              <a:spcAft>
+                <a:spcPts val="0"/>
+              </a:spcAft>
+              <a:buClrTx/>
+              <a:buSzTx/>
+              <a:buFont typeface="Wingdings" panose="05000000000000000000" pitchFamily="2" charset="2"/>
+              <a:buNone/>
+              <a:tabLst/>
+              <a:defRPr/>
+            </a:pPr>
+            <a:r>
+              <a:rPr lang="en-US" u="sng" dirty="0"/>
+              <a:t>Spec of a feature in Gherkin</a:t>
+            </a:r>
+            <a:r>
+              <a:rPr lang="en-US" dirty="0"/>
+              <a:t>:</a:t>
+            </a:r>
+          </a:p>
+          <a:p>
+            <a:pPr marL="0" marR="0" indent="0" algn="l" defTabSz="914400" rtl="0" eaLnBrk="1" fontAlgn="auto" latinLnBrk="0" hangingPunct="1">
+              <a:lnSpc>
+                <a:spcPct val="100000"/>
+              </a:lnSpc>
+              <a:spcBef>
+                <a:spcPts val="0"/>
+              </a:spcBef>
+              <a:spcAft>
+                <a:spcPts val="0"/>
+              </a:spcAft>
+              <a:buClrTx/>
+              <a:buSzTx/>
+              <a:buFont typeface="Wingdings" panose="05000000000000000000" pitchFamily="2" charset="2"/>
+              <a:buNone/>
+              <a:tabLst/>
+              <a:defRPr/>
+            </a:pPr>
+            <a:endParaRPr lang="en-US" dirty="0"/>
+          </a:p>
+          <a:p>
+            <a:pPr marL="0" marR="0" indent="0" algn="l" defTabSz="914400" rtl="0" eaLnBrk="1" fontAlgn="auto" latinLnBrk="0" hangingPunct="1">
+              <a:lnSpc>
+                <a:spcPct val="100000"/>
+              </a:lnSpc>
+              <a:spcBef>
+                <a:spcPts val="0"/>
+              </a:spcBef>
+              <a:spcAft>
+                <a:spcPts val="0"/>
+              </a:spcAft>
+              <a:buClrTx/>
+              <a:buSzTx/>
+              <a:buFont typeface="Wingdings" panose="05000000000000000000" pitchFamily="2" charset="2"/>
+              <a:buNone/>
+              <a:tabLst/>
+              <a:defRPr/>
+            </a:pPr>
+            <a:endParaRPr lang="en-US" dirty="0"/>
+          </a:p>
+          <a:p>
+            <a:pPr marL="0" marR="0" indent="0" algn="l" defTabSz="914400" rtl="0" eaLnBrk="1" fontAlgn="auto" latinLnBrk="0" hangingPunct="1">
+              <a:lnSpc>
+                <a:spcPct val="100000"/>
+              </a:lnSpc>
+              <a:spcBef>
+                <a:spcPts val="0"/>
+              </a:spcBef>
+              <a:spcAft>
+                <a:spcPts val="0"/>
+              </a:spcAft>
+              <a:buClrTx/>
+              <a:buSzTx/>
+              <a:buFont typeface="Wingdings" panose="05000000000000000000" pitchFamily="2" charset="2"/>
+              <a:buNone/>
+              <a:tabLst/>
+              <a:defRPr/>
+            </a:pPr>
+            <a:endParaRPr lang="en-US" dirty="0"/>
+          </a:p>
+          <a:p>
+            <a:pPr marL="0" marR="0" indent="0" algn="l" defTabSz="914400" rtl="0" eaLnBrk="1" fontAlgn="auto" latinLnBrk="0" hangingPunct="1">
+              <a:lnSpc>
+                <a:spcPct val="100000"/>
+              </a:lnSpc>
+              <a:spcBef>
+                <a:spcPts val="0"/>
+              </a:spcBef>
+              <a:spcAft>
+                <a:spcPts val="0"/>
+              </a:spcAft>
+              <a:buClrTx/>
+              <a:buSzTx/>
+              <a:buFontTx/>
+              <a:buNone/>
+              <a:tabLst/>
+              <a:defRPr/>
+            </a:pPr>
             <a:endParaRPr lang="en-US" dirty="0"/>
           </a:p>
         </p:txBody>
@@ -3085,7 +4347,7 @@
     </p:spTree>
     <p:extLst>
       <p:ext uri="{BB962C8B-B14F-4D97-AF65-F5344CB8AC3E}">
-        <p14:creationId xmlns:p14="http://schemas.microsoft.com/office/powerpoint/2010/main" val="4172410792"/>
+        <p14:creationId xmlns:p14="http://schemas.microsoft.com/office/powerpoint/2010/main" val="3514072664"/>
       </p:ext>
     </p:extLst>
   </p:cSld>
@@ -3114,7 +4376,7 @@
       </p:grpSpPr>
       <p:sp>
         <p:nvSpPr>
-          <p:cNvPr id="2" name="Espace réservé de l'image des diapositives 1"/>
+          <p:cNvPr id="2" name="Slide Image Placeholder 1"/>
           <p:cNvSpPr>
             <a:spLocks noGrp="1" noRot="1" noChangeAspect="1"/>
           </p:cNvSpPr>
@@ -3126,7 +4388,7 @@
       </p:sp>
       <p:sp>
         <p:nvSpPr>
-          <p:cNvPr id="3" name="Espace réservé des notes 2"/>
+          <p:cNvPr id="3" name="Notes Placeholder 2"/>
           <p:cNvSpPr>
             <a:spLocks noGrp="1"/>
           </p:cNvSpPr>
@@ -3139,13 +4401,108 @@
           <a:bodyPr/>
           <a:lstStyle/>
           <a:p>
-            <a:endParaRPr lang="en-GB" dirty="0"/>
-          </a:p>
-        </p:txBody>
-      </p:sp>
-      <p:sp>
-        <p:nvSpPr>
-          <p:cNvPr id="4" name="Espace réservé du numéro de diapositive 3"/>
+            <a:pPr marL="0" marR="0" indent="0" algn="l" defTabSz="914400" rtl="0" eaLnBrk="1" fontAlgn="auto" latinLnBrk="0" hangingPunct="1">
+              <a:lnSpc>
+                <a:spcPct val="100000"/>
+              </a:lnSpc>
+              <a:spcBef>
+                <a:spcPts val="0"/>
+              </a:spcBef>
+              <a:spcAft>
+                <a:spcPts val="0"/>
+              </a:spcAft>
+              <a:buClrTx/>
+              <a:buSzTx/>
+              <a:buFontTx/>
+              <a:buNone/>
+              <a:tabLst/>
+              <a:defRPr/>
+            </a:pPr>
+            <a:r>
+              <a:rPr lang="en-US" dirty="0" err="1"/>
+              <a:t>Arrêter</a:t>
+            </a:r>
+            <a:r>
+              <a:rPr lang="en-US" dirty="0"/>
+              <a:t> le mock</a:t>
+            </a:r>
+          </a:p>
+          <a:p>
+            <a:pPr marL="0" marR="0" indent="0" algn="l" defTabSz="914400" rtl="0" eaLnBrk="1" fontAlgn="auto" latinLnBrk="0" hangingPunct="1">
+              <a:lnSpc>
+                <a:spcPct val="100000"/>
+              </a:lnSpc>
+              <a:spcBef>
+                <a:spcPts val="0"/>
+              </a:spcBef>
+              <a:spcAft>
+                <a:spcPts val="0"/>
+              </a:spcAft>
+              <a:buClrTx/>
+              <a:buSzTx/>
+              <a:buFontTx/>
+              <a:buNone/>
+              <a:tabLst/>
+              <a:defRPr/>
+            </a:pPr>
+            <a:endParaRPr lang="en-US" dirty="0"/>
+          </a:p>
+          <a:p>
+            <a:pPr marL="0" marR="0" indent="0" algn="l" defTabSz="914400" rtl="0" eaLnBrk="1" fontAlgn="auto" latinLnBrk="0" hangingPunct="1">
+              <a:lnSpc>
+                <a:spcPct val="100000"/>
+              </a:lnSpc>
+              <a:spcBef>
+                <a:spcPts val="0"/>
+              </a:spcBef>
+              <a:spcAft>
+                <a:spcPts val="0"/>
+              </a:spcAft>
+              <a:buClrTx/>
+              <a:buSzTx/>
+              <a:buFontTx/>
+              <a:buNone/>
+              <a:tabLst/>
+              <a:defRPr/>
+            </a:pPr>
+            <a:r>
+              <a:rPr lang="en-US" dirty="0"/>
+              <a:t>Lancer le </a:t>
+            </a:r>
+            <a:r>
+              <a:rPr lang="en-US" dirty="0" err="1"/>
+              <a:t>serveur</a:t>
+            </a:r>
+            <a:r>
+              <a:rPr lang="en-US" dirty="0"/>
+              <a:t> ESS</a:t>
+            </a:r>
+          </a:p>
+          <a:p>
+            <a:pPr marL="0" marR="0" indent="0" algn="l" defTabSz="914400" rtl="0" eaLnBrk="1" fontAlgn="auto" latinLnBrk="0" hangingPunct="1">
+              <a:lnSpc>
+                <a:spcPct val="100000"/>
+              </a:lnSpc>
+              <a:spcBef>
+                <a:spcPts val="0"/>
+              </a:spcBef>
+              <a:spcAft>
+                <a:spcPts val="0"/>
+              </a:spcAft>
+              <a:buClrTx/>
+              <a:buSzTx/>
+              <a:buFontTx/>
+              <a:buNone/>
+              <a:tabLst/>
+              <a:defRPr/>
+            </a:pPr>
+            <a:endParaRPr lang="en-US" dirty="0"/>
+          </a:p>
+        </p:txBody>
+      </p:sp>
+      <p:sp>
+        <p:nvSpPr>
+          <p:cNvPr id="4" name="Slide Number Placeholder 3"/>
           <p:cNvSpPr>
             <a:spLocks noGrp="1"/>
           </p:cNvSpPr>
@@ -3169,7 +4526,7 @@
     </p:spTree>
     <p:extLst>
       <p:ext uri="{BB962C8B-B14F-4D97-AF65-F5344CB8AC3E}">
-        <p14:creationId xmlns:p14="http://schemas.microsoft.com/office/powerpoint/2010/main" val="2278763875"/>
+        <p14:creationId xmlns:p14="http://schemas.microsoft.com/office/powerpoint/2010/main" val="4172410792"/>
       </p:ext>
     </p:extLst>
   </p:cSld>
@@ -3198,6 +4555,90 @@
       </p:grpSpPr>
       <p:sp>
         <p:nvSpPr>
+          <p:cNvPr id="2" name="Espace réservé de l'image des diapositives 1"/>
+          <p:cNvSpPr>
+            <a:spLocks noGrp="1" noRot="1" noChangeAspect="1"/>
+          </p:cNvSpPr>
+          <p:nvPr>
+            <p:ph type="sldImg"/>
+          </p:nvPr>
+        </p:nvSpPr>
+        <p:spPr/>
+      </p:sp>
+      <p:sp>
+        <p:nvSpPr>
+          <p:cNvPr id="3" name="Espace réservé des notes 2"/>
+          <p:cNvSpPr>
+            <a:spLocks noGrp="1"/>
+          </p:cNvSpPr>
+          <p:nvPr>
+            <p:ph type="body" idx="1"/>
+          </p:nvPr>
+        </p:nvSpPr>
+        <p:spPr/>
+        <p:txBody>
+          <a:bodyPr/>
+          <a:lstStyle/>
+          <a:p>
+            <a:endParaRPr lang="en-GB" dirty="0"/>
+          </a:p>
+        </p:txBody>
+      </p:sp>
+      <p:sp>
+        <p:nvSpPr>
+          <p:cNvPr id="4" name="Espace réservé du numéro de diapositive 3"/>
+          <p:cNvSpPr>
+            <a:spLocks noGrp="1"/>
+          </p:cNvSpPr>
+          <p:nvPr>
+            <p:ph type="sldNum" sz="quarter" idx="5"/>
+          </p:nvPr>
+        </p:nvSpPr>
+        <p:spPr/>
+        <p:txBody>
+          <a:bodyPr/>
+          <a:lstStyle/>
+          <a:p>
+            <a:fld id="{B68D2766-C49B-4C1A-9FEE-6F146754B02B}" type="slidenum">
+              <a:rPr lang="en-US" smtClean="0"/>
+              <a:t>15</a:t>
+            </a:fld>
+            <a:endParaRPr lang="en-US"/>
+          </a:p>
+        </p:txBody>
+      </p:sp>
+    </p:spTree>
+    <p:extLst>
+      <p:ext uri="{BB962C8B-B14F-4D97-AF65-F5344CB8AC3E}">
+        <p14:creationId xmlns:p14="http://schemas.microsoft.com/office/powerpoint/2010/main" val="2278763875"/>
+      </p:ext>
+    </p:extLst>
+  </p:cSld>
+  <p:clrMapOvr>
+    <a:masterClrMapping/>
+  </p:clrMapOvr>
+</p:notes>
+</file>
+
+<file path=ppt/notesSlides/notesSlide16.xml><?xml version="1.0" encoding="utf-8"?>
+<p:notes xmlns:a="http://schemas.openxmlformats.org/drawingml/2006/main" xmlns:r="http://schemas.openxmlformats.org/officeDocument/2006/relationships" xmlns:p="http://schemas.openxmlformats.org/presentationml/2006/main">
+  <p:cSld>
+    <p:spTree>
+      <p:nvGrpSpPr>
+        <p:cNvPr id="1" name=""/>
+        <p:cNvGrpSpPr/>
+        <p:nvPr/>
+      </p:nvGrpSpPr>
+      <p:grpSpPr>
+        <a:xfrm>
+          <a:off x="0" y="0"/>
+          <a:ext cx="0" cy="0"/>
+          <a:chOff x="0" y="0"/>
+          <a:chExt cx="0" cy="0"/>
+        </a:xfrm>
+      </p:grpSpPr>
+      <p:sp>
+        <p:nvSpPr>
           <p:cNvPr id="2" name="Slide Image Placeholder 1"/>
           <p:cNvSpPr>
             <a:spLocks noGrp="1" noRot="1" noChangeAspect="1"/>
@@ -3324,7 +4765,7 @@
                 <a:tabLst/>
                 <a:defRPr/>
               </a:pPr>
-              <a:t>16</a:t>
+              <a:t>17</a:t>
             </a:fld>
             <a:endParaRPr kumimoji="0" lang="en-US" sz="1200" b="0" i="0" u="none" strike="noStrike" kern="1200" cap="none" spc="0" normalizeH="0" baseline="0" noProof="0">
               <a:ln>
@@ -4142,6 +5583,85 @@
               <a:tabLst/>
               <a:defRPr/>
             </a:pPr>
+            <a:endParaRPr lang="en-US" b="0" u="none" dirty="0"/>
+          </a:p>
+          <a:p>
+            <a:pPr marL="0" marR="0" indent="0" algn="l" defTabSz="914400" rtl="0" eaLnBrk="1" fontAlgn="auto" latinLnBrk="0" hangingPunct="1">
+              <a:lnSpc>
+                <a:spcPct val="100000"/>
+              </a:lnSpc>
+              <a:spcBef>
+                <a:spcPts val="0"/>
+              </a:spcBef>
+              <a:spcAft>
+                <a:spcPts val="0"/>
+              </a:spcAft>
+              <a:buClrTx/>
+              <a:buSzTx/>
+              <a:buFontTx/>
+              <a:buNone/>
+              <a:tabLst/>
+              <a:defRPr/>
+            </a:pPr>
+            <a:r>
+              <a:rPr lang="en-US" b="0" u="none" dirty="0"/>
+              <a:t>Lancer le back :</a:t>
+            </a:r>
+          </a:p>
+          <a:p>
+            <a:pPr marL="0" marR="0" indent="0" algn="l" defTabSz="914400" rtl="0" eaLnBrk="1" fontAlgn="auto" latinLnBrk="0" hangingPunct="1">
+              <a:lnSpc>
+                <a:spcPct val="100000"/>
+              </a:lnSpc>
+              <a:spcBef>
+                <a:spcPts val="0"/>
+              </a:spcBef>
+              <a:spcAft>
+                <a:spcPts val="0"/>
+              </a:spcAft>
+              <a:buClrTx/>
+              <a:buSzTx/>
+              <a:buFontTx/>
+              <a:buNone/>
+              <a:tabLst/>
+              <a:defRPr/>
+            </a:pPr>
+            <a:r>
+              <a:rPr lang="en-US" b="0" u="none" dirty="0"/>
+              <a:t>$ </a:t>
+            </a:r>
+            <a:r>
+              <a:rPr lang="en-US" b="0" u="none" dirty="0" err="1"/>
+              <a:t>rocktest</a:t>
+            </a:r>
+            <a:r>
+              <a:rPr lang="en-US" b="0" u="none" dirty="0"/>
+              <a:t> </a:t>
+            </a:r>
+            <a:r>
+              <a:rPr lang="en-US" b="0" u="none" dirty="0" err="1"/>
+              <a:t>backend.yaml</a:t>
+            </a:r>
+            <a:endParaRPr lang="en-US" b="0" u="none" dirty="0"/>
+          </a:p>
+          <a:p>
+            <a:pPr marL="0" marR="0" indent="0" algn="l" defTabSz="914400" rtl="0" eaLnBrk="1" fontAlgn="auto" latinLnBrk="0" hangingPunct="1">
+              <a:lnSpc>
+                <a:spcPct val="100000"/>
+              </a:lnSpc>
+              <a:spcBef>
+                <a:spcPts val="0"/>
+              </a:spcBef>
+              <a:spcAft>
+                <a:spcPts val="0"/>
+              </a:spcAft>
+              <a:buClrTx/>
+              <a:buSzTx/>
+              <a:buFontTx/>
+              <a:buNone/>
+              <a:tabLst/>
+              <a:defRPr/>
+            </a:pPr>
             <a:endParaRPr lang="en-US" b="1" u="sng" dirty="0"/>
           </a:p>
           <a:p>
@@ -4261,6 +5781,80 @@
               <a:buSzTx/>
               <a:buFontTx/>
               <a:buNone/>
+              <a:tabLst/>
+              <a:defRPr/>
+            </a:pPr>
+            <a:endParaRPr lang="en-US" dirty="0"/>
+          </a:p>
+          <a:p>
+            <a:pPr marL="171450" marR="0" indent="-171450" algn="l" defTabSz="914400" rtl="0" eaLnBrk="1" fontAlgn="auto" latinLnBrk="0" hangingPunct="1">
+              <a:lnSpc>
+                <a:spcPct val="100000"/>
+              </a:lnSpc>
+              <a:spcBef>
+                <a:spcPts val="0"/>
+              </a:spcBef>
+              <a:spcAft>
+                <a:spcPts val="0"/>
+              </a:spcAft>
+              <a:buClrTx/>
+              <a:buSzTx/>
+              <a:buFont typeface="Wingdings" panose="05000000000000000000" pitchFamily="2" charset="2"/>
+              <a:buChar char="Ø"/>
+              <a:tabLst/>
+              <a:defRPr/>
+            </a:pPr>
+            <a:r>
+              <a:rPr lang="en-US" dirty="0" err="1"/>
+              <a:t>Ajouter</a:t>
+            </a:r>
+            <a:r>
+              <a:rPr lang="en-US" dirty="0"/>
+              <a:t> rocker “Sting”</a:t>
+            </a:r>
+          </a:p>
+          <a:p>
+            <a:pPr marL="171450" marR="0" indent="-171450" algn="l" defTabSz="914400" rtl="0" eaLnBrk="1" fontAlgn="auto" latinLnBrk="0" hangingPunct="1">
+              <a:lnSpc>
+                <a:spcPct val="100000"/>
+              </a:lnSpc>
+              <a:spcBef>
+                <a:spcPts val="0"/>
+              </a:spcBef>
+              <a:spcAft>
+                <a:spcPts val="0"/>
+              </a:spcAft>
+              <a:buClrTx/>
+              <a:buSzTx/>
+              <a:buFont typeface="Wingdings" panose="05000000000000000000" pitchFamily="2" charset="2"/>
+              <a:buChar char="Ø"/>
+              <a:tabLst/>
+              <a:defRPr/>
+            </a:pPr>
+            <a:r>
+              <a:rPr lang="en-US" dirty="0" err="1"/>
+              <a:t>Ajouter</a:t>
+            </a:r>
+            <a:r>
+              <a:rPr lang="en-US" dirty="0"/>
+              <a:t> rocker “Santana”</a:t>
+            </a:r>
+          </a:p>
+          <a:p>
+            <a:pPr marL="171450" marR="0" indent="-171450" algn="l" defTabSz="914400" rtl="0" eaLnBrk="1" fontAlgn="auto" latinLnBrk="0" hangingPunct="1">
+              <a:lnSpc>
+                <a:spcPct val="100000"/>
+              </a:lnSpc>
+              <a:spcBef>
+                <a:spcPts val="0"/>
+              </a:spcBef>
+              <a:spcAft>
+                <a:spcPts val="0"/>
+              </a:spcAft>
+              <a:buClrTx/>
+              <a:buSzTx/>
+              <a:buFont typeface="Wingdings" panose="05000000000000000000" pitchFamily="2" charset="2"/>
+              <a:buChar char="Ø"/>
               <a:tabLst/>
               <a:defRPr/>
             </a:pPr>
@@ -4725,7 +6319,7 @@
           <a:p>
             <a:fld id="{EE221790-50C4-4C8C-987E-FAC9B168C561}" type="datetimeFigureOut">
               <a:rPr lang="en-US" smtClean="0"/>
-              <a:t>5/7/2021</a:t>
+              <a:t>6/16/2021</a:t>
             </a:fld>
             <a:endParaRPr lang="en-US"/>
           </a:p>
@@ -5125,7 +6719,7 @@
           <a:p>
             <a:fld id="{EE221790-50C4-4C8C-987E-FAC9B168C561}" type="datetimeFigureOut">
               <a:rPr lang="en-US" smtClean="0"/>
-              <a:t>5/7/2021</a:t>
+              <a:t>6/16/2021</a:t>
             </a:fld>
             <a:endParaRPr lang="en-US"/>
           </a:p>
@@ -5418,7 +7012,7 @@
           <a:p>
             <a:fld id="{EE221790-50C4-4C8C-987E-FAC9B168C561}" type="datetimeFigureOut">
               <a:rPr lang="en-US" smtClean="0"/>
-              <a:t>5/7/2021</a:t>
+              <a:t>6/16/2021</a:t>
             </a:fld>
             <a:endParaRPr lang="en-US"/>
           </a:p>
@@ -5618,7 +7212,7 @@
           <a:p>
             <a:fld id="{EE221790-50C4-4C8C-987E-FAC9B168C561}" type="datetimeFigureOut">
               <a:rPr lang="en-US" smtClean="0"/>
-              <a:t>5/7/2021</a:t>
+              <a:t>6/16/2021</a:t>
             </a:fld>
             <a:endParaRPr lang="en-US"/>
           </a:p>
@@ -5828,7 +7422,7 @@
           <a:p>
             <a:fld id="{EE221790-50C4-4C8C-987E-FAC9B168C561}" type="datetimeFigureOut">
               <a:rPr lang="en-US" smtClean="0"/>
-              <a:t>5/7/2021</a:t>
+              <a:t>6/16/2021</a:t>
             </a:fld>
             <a:endParaRPr lang="en-US"/>
           </a:p>
@@ -7332,7 +8926,7 @@
           <a:p>
             <a:fld id="{EE221790-50C4-4C8C-987E-FAC9B168C561}" type="datetimeFigureOut">
               <a:rPr lang="en-US" smtClean="0"/>
-              <a:t>5/7/2021</a:t>
+              <a:t>6/16/2021</a:t>
             </a:fld>
             <a:endParaRPr lang="en-US"/>
           </a:p>
@@ -7681,7 +9275,7 @@
           <a:p>
             <a:fld id="{EE221790-50C4-4C8C-987E-FAC9B168C561}" type="datetimeFigureOut">
               <a:rPr lang="en-US" smtClean="0"/>
-              <a:t>5/7/2021</a:t>
+              <a:t>6/16/2021</a:t>
             </a:fld>
             <a:endParaRPr lang="en-US"/>
           </a:p>
@@ -8001,7 +9595,7 @@
           <a:p>
             <a:fld id="{EE221790-50C4-4C8C-987E-FAC9B168C561}" type="datetimeFigureOut">
               <a:rPr lang="en-US" smtClean="0"/>
-              <a:t>5/7/2021</a:t>
+              <a:t>6/16/2021</a:t>
             </a:fld>
             <a:endParaRPr lang="en-US"/>
           </a:p>
@@ -9063,7 +10657,7 @@
           <a:p>
             <a:fld id="{EE221790-50C4-4C8C-987E-FAC9B168C561}" type="datetimeFigureOut">
               <a:rPr lang="en-US" smtClean="0"/>
-              <a:t>5/7/2021</a:t>
+              <a:t>6/16/2021</a:t>
             </a:fld>
             <a:endParaRPr lang="en-US"/>
           </a:p>
@@ -13268,7 +14862,7 @@
           <a:p>
             <a:fld id="{EE221790-50C4-4C8C-987E-FAC9B168C561}" type="datetimeFigureOut">
               <a:rPr lang="en-US" smtClean="0"/>
-              <a:t>5/7/2021</a:t>
+              <a:t>6/16/2021</a:t>
             </a:fld>
             <a:endParaRPr lang="en-US"/>
           </a:p>
@@ -13748,7 +15342,7 @@
           <a:p>
             <a:fld id="{EE221790-50C4-4C8C-987E-FAC9B168C561}" type="datetimeFigureOut">
               <a:rPr lang="en-US" smtClean="0"/>
-              <a:t>5/7/2021</a:t>
+              <a:t>6/16/2021</a:t>
             </a:fld>
             <a:endParaRPr lang="en-US"/>
           </a:p>
@@ -14097,7 +15691,7 @@
           <a:p>
             <a:fld id="{EE221790-50C4-4C8C-987E-FAC9B168C561}" type="datetimeFigureOut">
               <a:rPr lang="en-US" smtClean="0"/>
-              <a:t>5/7/2021</a:t>
+              <a:t>6/16/2021</a:t>
             </a:fld>
             <a:endParaRPr lang="en-US"/>
           </a:p>
@@ -14417,7 +16011,7 @@
           <a:p>
             <a:fld id="{EE221790-50C4-4C8C-987E-FAC9B168C561}" type="datetimeFigureOut">
               <a:rPr lang="en-US" smtClean="0"/>
-              <a:t>5/7/2021</a:t>
+              <a:t>6/16/2021</a:t>
             </a:fld>
             <a:endParaRPr lang="en-US"/>
           </a:p>
@@ -16240,7 +17834,7 @@
           <a:p>
             <a:fld id="{EE221790-50C4-4C8C-987E-FAC9B168C561}" type="datetimeFigureOut">
               <a:rPr lang="en-US" smtClean="0"/>
-              <a:t>5/7/2021</a:t>
+              <a:t>6/16/2021</a:t>
             </a:fld>
             <a:endParaRPr lang="en-US"/>
           </a:p>
@@ -16543,7 +18137,7 @@
           <a:p>
             <a:fld id="{FB4BCF6F-0123-4404-BBD1-5E8578096437}" type="datetimeFigureOut">
               <a:rPr lang="pt-BR" smtClean="0"/>
-              <a:t>07/05/2021</a:t>
+              <a:t>16/06/2021</a:t>
             </a:fld>
             <a:endParaRPr lang="pt-BR"/>
           </a:p>
@@ -16713,7 +18307,7 @@
           <a:p>
             <a:fld id="{FB4BCF6F-0123-4404-BBD1-5E8578096437}" type="datetimeFigureOut">
               <a:rPr lang="pt-BR" smtClean="0"/>
-              <a:t>07/05/2021</a:t>
+              <a:t>16/06/2021</a:t>
             </a:fld>
             <a:endParaRPr lang="pt-BR"/>
           </a:p>
@@ -16959,7 +18553,7 @@
           <a:p>
             <a:fld id="{FB4BCF6F-0123-4404-BBD1-5E8578096437}" type="datetimeFigureOut">
               <a:rPr lang="pt-BR" smtClean="0"/>
-              <a:t>07/05/2021</a:t>
+              <a:t>16/06/2021</a:t>
             </a:fld>
             <a:endParaRPr lang="pt-BR"/>
           </a:p>
@@ -17247,7 +18841,7 @@
           <a:p>
             <a:fld id="{FB4BCF6F-0123-4404-BBD1-5E8578096437}" type="datetimeFigureOut">
               <a:rPr lang="pt-BR" smtClean="0"/>
-              <a:t>07/05/2021</a:t>
+              <a:t>16/06/2021</a:t>
             </a:fld>
             <a:endParaRPr lang="pt-BR"/>
           </a:p>
@@ -17674,7 +19268,7 @@
           <a:p>
             <a:fld id="{FB4BCF6F-0123-4404-BBD1-5E8578096437}" type="datetimeFigureOut">
               <a:rPr lang="pt-BR" smtClean="0"/>
-              <a:t>07/05/2021</a:t>
+              <a:t>16/06/2021</a:t>
             </a:fld>
             <a:endParaRPr lang="pt-BR"/>
           </a:p>
@@ -17792,7 +19386,7 @@
           <a:p>
             <a:fld id="{FB4BCF6F-0123-4404-BBD1-5E8578096437}" type="datetimeFigureOut">
               <a:rPr lang="pt-BR" smtClean="0"/>
-              <a:t>07/05/2021</a:t>
+              <a:t>16/06/2021</a:t>
             </a:fld>
             <a:endParaRPr lang="pt-BR"/>
           </a:p>
@@ -17887,7 +19481,7 @@
           <a:p>
             <a:fld id="{FB4BCF6F-0123-4404-BBD1-5E8578096437}" type="datetimeFigureOut">
               <a:rPr lang="pt-BR" smtClean="0"/>
-              <a:t>07/05/2021</a:t>
+              <a:t>16/06/2021</a:t>
             </a:fld>
             <a:endParaRPr lang="pt-BR"/>
           </a:p>
@@ -18164,7 +19758,7 @@
           <a:p>
             <a:fld id="{FB4BCF6F-0123-4404-BBD1-5E8578096437}" type="datetimeFigureOut">
               <a:rPr lang="pt-BR" smtClean="0"/>
-              <a:t>07/05/2021</a:t>
+              <a:t>16/06/2021</a:t>
             </a:fld>
             <a:endParaRPr lang="pt-BR"/>
           </a:p>
@@ -18417,7 +20011,7 @@
           <a:p>
             <a:fld id="{FB4BCF6F-0123-4404-BBD1-5E8578096437}" type="datetimeFigureOut">
               <a:rPr lang="pt-BR" smtClean="0"/>
-              <a:t>07/05/2021</a:t>
+              <a:t>16/06/2021</a:t>
             </a:fld>
             <a:endParaRPr lang="pt-BR"/>
           </a:p>
@@ -18587,7 +20181,7 @@
           <a:p>
             <a:fld id="{FB4BCF6F-0123-4404-BBD1-5E8578096437}" type="datetimeFigureOut">
               <a:rPr lang="pt-BR" smtClean="0"/>
-              <a:t>07/05/2021</a:t>
+              <a:t>16/06/2021</a:t>
             </a:fld>
             <a:endParaRPr lang="pt-BR"/>
           </a:p>
@@ -18851,7 +20445,7 @@
           <a:p>
             <a:fld id="{EE221790-50C4-4C8C-987E-FAC9B168C561}" type="datetimeFigureOut">
               <a:rPr lang="en-US" smtClean="0"/>
-              <a:t>5/7/2021</a:t>
+              <a:t>6/16/2021</a:t>
             </a:fld>
             <a:endParaRPr lang="en-US"/>
           </a:p>
@@ -19043,7 +20637,7 @@
           <a:p>
             <a:fld id="{FB4BCF6F-0123-4404-BBD1-5E8578096437}" type="datetimeFigureOut">
               <a:rPr lang="pt-BR" smtClean="0"/>
-              <a:t>07/05/2021</a:t>
+              <a:t>16/06/2021</a:t>
             </a:fld>
             <a:endParaRPr lang="pt-BR"/>
           </a:p>
@@ -19299,7 +20893,7 @@
           <a:p>
             <a:fld id="{EE221790-50C4-4C8C-987E-FAC9B168C561}" type="datetimeFigureOut">
               <a:rPr lang="en-US" smtClean="0"/>
-              <a:t>5/7/2021</a:t>
+              <a:t>6/16/2021</a:t>
             </a:fld>
             <a:endParaRPr lang="en-US"/>
           </a:p>
@@ -19714,7 +21308,7 @@
           <a:p>
             <a:fld id="{EE221790-50C4-4C8C-987E-FAC9B168C561}" type="datetimeFigureOut">
               <a:rPr lang="en-US" smtClean="0"/>
-              <a:t>5/7/2021</a:t>
+              <a:t>6/16/2021</a:t>
             </a:fld>
             <a:endParaRPr lang="en-US"/>
           </a:p>
@@ -19856,7 +21450,7 @@
           <a:p>
             <a:fld id="{EE221790-50C4-4C8C-987E-FAC9B168C561}" type="datetimeFigureOut">
               <a:rPr lang="en-US" smtClean="0"/>
-              <a:t>5/7/2021</a:t>
+              <a:t>6/16/2021</a:t>
             </a:fld>
             <a:endParaRPr lang="en-US"/>
           </a:p>
@@ -19969,7 +21563,7 @@
           <a:p>
             <a:fld id="{EE221790-50C4-4C8C-987E-FAC9B168C561}" type="datetimeFigureOut">
               <a:rPr lang="en-US" smtClean="0"/>
-              <a:t>5/7/2021</a:t>
+              <a:t>6/16/2021</a:t>
             </a:fld>
             <a:endParaRPr lang="en-US"/>
           </a:p>
@@ -20271,7 +21865,7 @@
             <a:fld id="{EE221790-50C4-4C8C-987E-FAC9B168C561}" type="datetimeFigureOut">
               <a:rPr lang="en-US" smtClean="0"/>
               <a:pPr/>
-              <a:t>5/7/2021</a:t>
+              <a:t>6/16/2021</a:t>
             </a:fld>
             <a:endParaRPr lang="en-US"/>
           </a:p>
@@ -20873,7 +22467,7 @@
           <a:p>
             <a:fld id="{997E942A-26CB-4FC8-A61F-ED7BAF06B75B}" type="datetimeFigureOut">
               <a:rPr lang="en-US" smtClean="0"/>
-              <a:t>5/7/2021</a:t>
+              <a:t>6/16/2021</a:t>
             </a:fld>
             <a:endParaRPr lang="en-US"/>
           </a:p>
@@ -22416,7 +24010,7 @@
           <a:p>
             <a:fld id="{FB4BCF6F-0123-4404-BBD1-5E8578096437}" type="datetimeFigureOut">
               <a:rPr lang="pt-BR" smtClean="0"/>
-              <a:t>07/05/2021</a:t>
+              <a:t>16/06/2021</a:t>
             </a:fld>
             <a:endParaRPr lang="pt-BR"/>
           </a:p>
@@ -23574,7 +25168,7 @@
           </a:stretch>
         </p:blipFill>
         <p:spPr>
-          <a:xfrm>
+          <a:xfrm rot="452495">
             <a:off x="8563969" y="3543015"/>
             <a:ext cx="1731698" cy="2275424"/>
           </a:xfrm>
@@ -23598,7 +25192,7 @@
           <p:nvPr/>
         </p:nvPicPr>
         <p:blipFill>
-          <a:blip r:embed="rId7">
+          <a:blip r:embed="rId7" cstate="print">
             <a:extLst>
               <a:ext uri="{28A0092B-C50C-407E-A947-70E740481C1C}">
                 <a14:useLocalDpi xmlns:a14="http://schemas.microsoft.com/office/drawing/2010/main" val="0"/>
@@ -24232,8 +25826,8 @@
           </a:stretch>
         </p:blipFill>
         <p:spPr>
-          <a:xfrm>
-            <a:off x="8544124" y="654082"/>
+          <a:xfrm rot="554553">
+            <a:off x="8673532" y="498830"/>
             <a:ext cx="1731698" cy="2275424"/>
           </a:xfrm>
           <a:prstGeom prst="rect">
@@ -24256,7 +25850,7 @@
           <p:nvPr/>
         </p:nvPicPr>
         <p:blipFill>
-          <a:blip r:embed="rId7">
+          <a:blip r:embed="rId7" cstate="print">
             <a:extLst>
               <a:ext uri="{28A0092B-C50C-407E-A947-70E740481C1C}">
                 <a14:useLocalDpi xmlns:a14="http://schemas.microsoft.com/office/drawing/2010/main" val="0"/>
@@ -24782,7 +26376,7 @@
             <a:pPr algn="ctr"/>
             <a:r>
               <a:rPr lang="en-GB" dirty="0"/>
-              <a:t>As a product owner, I want to improve quality and get test reports.</a:t>
+              <a:t>As a product owner, I want to explain the test cases in my words. I am not a technical man.</a:t>
             </a:r>
           </a:p>
         </p:txBody>
@@ -24844,8 +26438,8 @@
           </a:stretch>
         </p:blipFill>
         <p:spPr>
-          <a:xfrm>
-            <a:off x="55060" y="3861152"/>
+          <a:xfrm rot="21234111">
+            <a:off x="-117698" y="3533219"/>
             <a:ext cx="1731698" cy="2275424"/>
           </a:xfrm>
           <a:prstGeom prst="rect">
@@ -24868,7 +26462,7 @@
           <p:nvPr/>
         </p:nvPicPr>
         <p:blipFill>
-          <a:blip r:embed="rId7">
+          <a:blip r:embed="rId7" cstate="print">
             <a:extLst>
               <a:ext uri="{28A0092B-C50C-407E-A947-70E740481C1C}">
                 <a14:useLocalDpi xmlns:a14="http://schemas.microsoft.com/office/drawing/2010/main" val="0"/>
@@ -24958,13 +26552,13 @@
         </p:nvSpPr>
         <p:spPr>
           <a:xfrm>
-            <a:off x="3370762" y="3635373"/>
-            <a:ext cx="3827586" cy="2272376"/>
+            <a:off x="3370762" y="4154457"/>
+            <a:ext cx="3827586" cy="1753291"/>
           </a:xfrm>
           <a:prstGeom prst="wedgeRoundRectCallout">
             <a:avLst>
-              <a:gd name="adj1" fmla="val -66588"/>
-              <a:gd name="adj2" fmla="val -12172"/>
+              <a:gd name="adj1" fmla="val -64276"/>
+              <a:gd name="adj2" fmla="val -23949"/>
               <a:gd name="adj3" fmla="val 16667"/>
             </a:avLst>
           </a:prstGeom>
@@ -25017,7 +26611,7 @@
             <a:pPr algn="ctr"/>
             <a:r>
               <a:rPr lang="en-GB" dirty="0"/>
-              <a:t>Ask the scrum team to write e2e scenarios using the web module of </a:t>
+              <a:t>Write your test case in Gherkin, then ask the scrum team to write e2e scenarios implementing this specification using </a:t>
             </a:r>
             <a:r>
               <a:rPr lang="en-GB" dirty="0" err="1"/>
@@ -25025,22 +26619,7 @@
             </a:r>
             <a:r>
               <a:rPr lang="en-GB" dirty="0"/>
-              <a:t>. </a:t>
-            </a:r>
-          </a:p>
-          <a:p>
-            <a:pPr algn="ctr"/>
-            <a:r>
-              <a:rPr lang="en-GB" dirty="0"/>
-              <a:t>Follow the test results in your Jenkins using the </a:t>
-            </a:r>
-            <a:r>
-              <a:rPr lang="en-GB" dirty="0" err="1"/>
-              <a:t>testsuite</a:t>
-            </a:r>
-            <a:r>
-              <a:rPr lang="en-GB" dirty="0"/>
-              <a:t> module.</a:t>
+              <a:t>.</a:t>
             </a:r>
           </a:p>
         </p:txBody>
@@ -25060,7 +26639,7 @@
         <p:spPr>
           <a:xfrm>
             <a:off x="1429384" y="1603994"/>
-            <a:ext cx="3765472" cy="1392854"/>
+            <a:ext cx="3912798" cy="1557485"/>
           </a:xfrm>
           <a:prstGeom prst="rect">
             <a:avLst/>
@@ -25164,8 +26743,8 @@
         </p:nvSpPr>
         <p:spPr>
           <a:xfrm>
-            <a:off x="1750567" y="1684151"/>
-            <a:ext cx="3240390" cy="1200329"/>
+            <a:off x="1750566" y="1684151"/>
+            <a:ext cx="3444289" cy="1477328"/>
           </a:xfrm>
           <a:prstGeom prst="rect">
             <a:avLst/>
@@ -25204,7 +26783,17 @@
             </a:pPr>
             <a:r>
               <a:rPr lang="en-GB" dirty="0"/>
-              <a:t>The Web module for end to end functional tests </a:t>
+              <a:t>The Web module for e2e tests</a:t>
+            </a:r>
+          </a:p>
+          <a:p>
+            <a:pPr marL="285750" indent="-285750">
+              <a:buFont typeface="Arial" panose="020B0604020202020204" pitchFamily="34" charset="0"/>
+              <a:buChar char="•"/>
+            </a:pPr>
+            <a:r>
+              <a:rPr lang="en-GB" dirty="0"/>
+              <a:t>Specify the tests using Gherkin language </a:t>
             </a:r>
           </a:p>
         </p:txBody>
@@ -25348,6 +26937,1445 @@
       </p:pic>
       <p:sp>
         <p:nvSpPr>
+          <p:cNvPr id="22" name="Footer Placeholder 3">
+            <a:extLst>
+              <a:ext uri="{FF2B5EF4-FFF2-40B4-BE49-F238E27FC236}">
+                <a16:creationId xmlns:a16="http://schemas.microsoft.com/office/drawing/2014/main" id="{B9DD9E64-1F57-48CA-975E-597B575D3181}"/>
+              </a:ext>
+            </a:extLst>
+          </p:cNvPr>
+          <p:cNvSpPr>
+            <a:spLocks noGrp="1"/>
+          </p:cNvSpPr>
+          <p:nvPr>
+            <p:ph type="ftr" sz="quarter" idx="11"/>
+          </p:nvPr>
+        </p:nvSpPr>
+        <p:spPr>
+          <a:xfrm>
+            <a:off x="1786758" y="6303406"/>
+            <a:ext cx="8986015" cy="365125"/>
+          </a:xfrm>
+        </p:spPr>
+        <p:txBody>
+          <a:bodyPr/>
+          <a:lstStyle/>
+          <a:p>
+            <a:r>
+              <a:rPr lang="en-US" b="1" dirty="0"/>
+              <a:t>https://github.com/rockintest/rocktest</a:t>
+            </a:r>
+          </a:p>
+        </p:txBody>
+      </p:sp>
+      <p:sp>
+        <p:nvSpPr>
+          <p:cNvPr id="24" name="Title 1">
+            <a:extLst>
+              <a:ext uri="{FF2B5EF4-FFF2-40B4-BE49-F238E27FC236}">
+                <a16:creationId xmlns:a16="http://schemas.microsoft.com/office/drawing/2014/main" id="{398B0CCE-87EC-4E68-8009-B6AF9BCBFF8A}"/>
+              </a:ext>
+            </a:extLst>
+          </p:cNvPr>
+          <p:cNvSpPr txBox="1">
+            <a:spLocks/>
+          </p:cNvSpPr>
+          <p:nvPr/>
+        </p:nvSpPr>
+        <p:spPr>
+          <a:xfrm>
+            <a:off x="445328" y="31425"/>
+            <a:ext cx="8536744" cy="1325563"/>
+          </a:xfrm>
+          <a:prstGeom prst="rect">
+            <a:avLst/>
+          </a:prstGeom>
+        </p:spPr>
+        <p:txBody>
+          <a:bodyPr vert="horz" lIns="91440" tIns="45720" rIns="91440" bIns="45720" rtlCol="0" anchor="ctr">
+            <a:normAutofit/>
+          </a:bodyPr>
+          <a:lstStyle>
+            <a:lvl1pPr algn="r" defTabSz="914400" rtl="0" eaLnBrk="1" latinLnBrk="0" hangingPunct="1">
+              <a:lnSpc>
+                <a:spcPct val="90000"/>
+              </a:lnSpc>
+              <a:spcBef>
+                <a:spcPct val="0"/>
+              </a:spcBef>
+              <a:buNone/>
+              <a:defRPr sz="4400" b="1" kern="1200" cap="all" baseline="0">
+                <a:solidFill>
+                  <a:schemeClr val="tx1"/>
+                </a:solidFill>
+                <a:latin typeface="+mn-lt"/>
+                <a:ea typeface="+mj-ea"/>
+                <a:cs typeface="+mj-cs"/>
+              </a:defRPr>
+            </a:lvl1pPr>
+          </a:lstStyle>
+          <a:p>
+            <a:pPr algn="l"/>
+            <a:r>
+              <a:rPr lang="en-US" sz="5400" dirty="0"/>
+              <a:t>Gherkin with </a:t>
+            </a:r>
+            <a:r>
+              <a:rPr lang="en-US" sz="5400" dirty="0" err="1"/>
+              <a:t>Rocktest</a:t>
+            </a:r>
+            <a:endParaRPr lang="en-US" sz="5400" dirty="0"/>
+          </a:p>
+        </p:txBody>
+      </p:sp>
+      <p:sp>
+        <p:nvSpPr>
+          <p:cNvPr id="2" name="ZoneTexte 1">
+            <a:extLst>
+              <a:ext uri="{FF2B5EF4-FFF2-40B4-BE49-F238E27FC236}">
+                <a16:creationId xmlns:a16="http://schemas.microsoft.com/office/drawing/2014/main" id="{B31EDC93-E555-4E8A-BB64-B928C13719D5}"/>
+              </a:ext>
+            </a:extLst>
+          </p:cNvPr>
+          <p:cNvSpPr txBox="1"/>
+          <p:nvPr/>
+        </p:nvSpPr>
+        <p:spPr>
+          <a:xfrm>
+            <a:off x="180493" y="1642182"/>
+            <a:ext cx="3873911" cy="3416320"/>
+          </a:xfrm>
+          <a:prstGeom prst="rect">
+            <a:avLst/>
+          </a:prstGeom>
+        </p:spPr>
+        <p:style>
+          <a:lnRef idx="2">
+            <a:schemeClr val="accent1"/>
+          </a:lnRef>
+          <a:fillRef idx="1">
+            <a:schemeClr val="lt1"/>
+          </a:fillRef>
+          <a:effectRef idx="0">
+            <a:schemeClr val="accent1"/>
+          </a:effectRef>
+          <a:fontRef idx="minor">
+            <a:schemeClr val="dk1"/>
+          </a:fontRef>
+        </p:style>
+        <p:txBody>
+          <a:bodyPr wrap="square" rtlCol="0">
+            <a:spAutoFit/>
+          </a:bodyPr>
+          <a:lstStyle/>
+          <a:p>
+            <a:r>
+              <a:rPr lang="en-US" b="1" dirty="0"/>
+              <a:t>Feature</a:t>
+            </a:r>
+            <a:r>
+              <a:rPr lang="en-US" dirty="0"/>
+              <a:t>: Add a new user</a:t>
+            </a:r>
+          </a:p>
+          <a:p>
+            <a:br>
+              <a:rPr lang="en-US" dirty="0"/>
+            </a:br>
+            <a:r>
+              <a:rPr lang="en-US" dirty="0"/>
+              <a:t>  </a:t>
+            </a:r>
+            <a:r>
+              <a:rPr lang="en-US" b="1" dirty="0"/>
+              <a:t>Scenario</a:t>
+            </a:r>
+            <a:r>
+              <a:rPr lang="en-US" dirty="0"/>
+              <a:t>: Add a non existing rocker</a:t>
+            </a:r>
+          </a:p>
+          <a:p>
+            <a:br>
+              <a:rPr lang="en-US" dirty="0"/>
+            </a:br>
+            <a:r>
+              <a:rPr lang="en-US" dirty="0"/>
+              <a:t>    </a:t>
+            </a:r>
+            <a:r>
+              <a:rPr lang="en-US" b="1" dirty="0"/>
+              <a:t>Given</a:t>
+            </a:r>
+            <a:r>
+              <a:rPr lang="en-US" dirty="0"/>
+              <a:t> </a:t>
+            </a:r>
+          </a:p>
+          <a:p>
+            <a:r>
+              <a:rPr lang="en-US" dirty="0"/>
+              <a:t>    </a:t>
+            </a:r>
+            <a:r>
+              <a:rPr lang="en-US" b="1" dirty="0"/>
+              <a:t>And</a:t>
+            </a:r>
+            <a:r>
+              <a:rPr lang="en-US" dirty="0"/>
+              <a:t> </a:t>
+            </a:r>
+          </a:p>
+          <a:p>
+            <a:br>
+              <a:rPr lang="en-US" dirty="0"/>
+            </a:br>
+            <a:r>
+              <a:rPr lang="en-US" dirty="0"/>
+              <a:t>    </a:t>
+            </a:r>
+            <a:r>
+              <a:rPr lang="en-US" b="1" dirty="0"/>
+              <a:t>When</a:t>
+            </a:r>
+            <a:r>
+              <a:rPr lang="en-US" dirty="0"/>
+              <a:t> </a:t>
+            </a:r>
+          </a:p>
+          <a:p>
+            <a:br>
+              <a:rPr lang="en-US" dirty="0"/>
+            </a:br>
+            <a:r>
+              <a:rPr lang="en-US" dirty="0"/>
+              <a:t>   </a:t>
+            </a:r>
+            <a:r>
+              <a:rPr lang="en-US" b="1" dirty="0"/>
+              <a:t> Then </a:t>
+            </a:r>
+            <a:endParaRPr lang="en-US" dirty="0"/>
+          </a:p>
+          <a:p>
+            <a:r>
+              <a:rPr lang="en-US" dirty="0"/>
+              <a:t>    </a:t>
+            </a:r>
+            <a:r>
+              <a:rPr lang="en-US" b="1" dirty="0"/>
+              <a:t>And</a:t>
+            </a:r>
+            <a:r>
+              <a:rPr lang="en-US" dirty="0"/>
+              <a:t> </a:t>
+            </a:r>
+          </a:p>
+          <a:p>
+            <a:endParaRPr lang="fr-FR" dirty="0"/>
+          </a:p>
+        </p:txBody>
+      </p:sp>
+      <p:pic>
+        <p:nvPicPr>
+          <p:cNvPr id="17" name="Graphique 16">
+            <a:extLst>
+              <a:ext uri="{FF2B5EF4-FFF2-40B4-BE49-F238E27FC236}">
+                <a16:creationId xmlns:a16="http://schemas.microsoft.com/office/drawing/2014/main" id="{C9A0A5B3-1C8A-45C9-BF0D-AA0C87935BA2}"/>
+              </a:ext>
+            </a:extLst>
+          </p:cNvPr>
+          <p:cNvPicPr>
+            <a:picLocks noChangeAspect="1"/>
+          </p:cNvPicPr>
+          <p:nvPr/>
+        </p:nvPicPr>
+        <p:blipFill>
+          <a:blip r:embed="rId4">
+            <a:extLst>
+              <a:ext uri="{96DAC541-7B7A-43D3-8B79-37D633B846F1}">
+                <asvg:svgBlip xmlns:asvg="http://schemas.microsoft.com/office/drawing/2016/SVG/main" r:embed="rId5"/>
+              </a:ext>
+            </a:extLst>
+          </a:blip>
+          <a:stretch>
+            <a:fillRect/>
+          </a:stretch>
+        </p:blipFill>
+        <p:spPr>
+          <a:xfrm rot="21234111">
+            <a:off x="-89687" y="4723789"/>
+            <a:ext cx="1070030" cy="1406003"/>
+          </a:xfrm>
+          <a:prstGeom prst="rect">
+            <a:avLst/>
+          </a:prstGeom>
+        </p:spPr>
+      </p:pic>
+      <p:sp>
+        <p:nvSpPr>
+          <p:cNvPr id="6" name="ZoneTexte 5">
+            <a:extLst>
+              <a:ext uri="{FF2B5EF4-FFF2-40B4-BE49-F238E27FC236}">
+                <a16:creationId xmlns:a16="http://schemas.microsoft.com/office/drawing/2014/main" id="{3FC1EA88-2140-483A-8CA6-D22BB1D28F04}"/>
+              </a:ext>
+            </a:extLst>
+          </p:cNvPr>
+          <p:cNvSpPr txBox="1"/>
+          <p:nvPr/>
+        </p:nvSpPr>
+        <p:spPr>
+          <a:xfrm>
+            <a:off x="1051997" y="2777393"/>
+            <a:ext cx="1886350" cy="307777"/>
+          </a:xfrm>
+          <a:prstGeom prst="rect">
+            <a:avLst/>
+          </a:prstGeom>
+        </p:spPr>
+        <p:style>
+          <a:lnRef idx="2">
+            <a:schemeClr val="accent1">
+              <a:shade val="50000"/>
+            </a:schemeClr>
+          </a:lnRef>
+          <a:fillRef idx="1">
+            <a:schemeClr val="accent1"/>
+          </a:fillRef>
+          <a:effectRef idx="0">
+            <a:schemeClr val="accent1"/>
+          </a:effectRef>
+          <a:fontRef idx="minor">
+            <a:schemeClr val="lt1"/>
+          </a:fontRef>
+        </p:style>
+        <p:txBody>
+          <a:bodyPr wrap="none" rtlCol="0">
+            <a:spAutoFit/>
+          </a:bodyPr>
+          <a:lstStyle/>
+          <a:p>
+            <a:r>
+              <a:rPr lang="fr-FR" sz="1400" dirty="0"/>
+              <a:t>a </a:t>
+            </a:r>
+            <a:r>
+              <a:rPr lang="fr-FR" sz="1400" dirty="0" err="1"/>
+              <a:t>username</a:t>
+            </a:r>
+            <a:r>
+              <a:rPr lang="fr-FR" sz="1400" dirty="0"/>
+              <a:t> </a:t>
+            </a:r>
+            <a:r>
+              <a:rPr lang="fr-FR" sz="1400" dirty="0" err="1"/>
+              <a:t>newRocker</a:t>
+            </a:r>
+            <a:endParaRPr lang="fr-FR" sz="1400" dirty="0"/>
+          </a:p>
+        </p:txBody>
+      </p:sp>
+      <p:sp>
+        <p:nvSpPr>
+          <p:cNvPr id="19" name="ZoneTexte 18">
+            <a:extLst>
+              <a:ext uri="{FF2B5EF4-FFF2-40B4-BE49-F238E27FC236}">
+                <a16:creationId xmlns:a16="http://schemas.microsoft.com/office/drawing/2014/main" id="{9911F50A-924E-474E-872E-B8CC43B8FC33}"/>
+              </a:ext>
+            </a:extLst>
+          </p:cNvPr>
+          <p:cNvSpPr txBox="1"/>
+          <p:nvPr/>
+        </p:nvSpPr>
+        <p:spPr>
+          <a:xfrm>
+            <a:off x="929093" y="3062587"/>
+            <a:ext cx="1343766" cy="307777"/>
+          </a:xfrm>
+          <a:prstGeom prst="rect">
+            <a:avLst/>
+          </a:prstGeom>
+        </p:spPr>
+        <p:style>
+          <a:lnRef idx="2">
+            <a:schemeClr val="accent1">
+              <a:shade val="50000"/>
+            </a:schemeClr>
+          </a:lnRef>
+          <a:fillRef idx="1">
+            <a:schemeClr val="accent1"/>
+          </a:fillRef>
+          <a:effectRef idx="0">
+            <a:schemeClr val="accent1"/>
+          </a:effectRef>
+          <a:fontRef idx="minor">
+            <a:schemeClr val="lt1"/>
+          </a:fontRef>
+        </p:style>
+        <p:txBody>
+          <a:bodyPr wrap="none" rtlCol="0">
+            <a:spAutoFit/>
+          </a:bodyPr>
+          <a:lstStyle/>
+          <a:p>
+            <a:r>
+              <a:rPr lang="fr-FR" sz="1400" dirty="0" err="1"/>
+              <a:t>it</a:t>
+            </a:r>
+            <a:r>
+              <a:rPr lang="fr-FR" sz="1400" dirty="0"/>
+              <a:t> </a:t>
+            </a:r>
+            <a:r>
+              <a:rPr lang="fr-FR" sz="1400" dirty="0" err="1"/>
+              <a:t>does</a:t>
+            </a:r>
+            <a:r>
+              <a:rPr lang="fr-FR" sz="1400" dirty="0"/>
+              <a:t> not </a:t>
+            </a:r>
+            <a:r>
+              <a:rPr lang="fr-FR" sz="1400" dirty="0" err="1"/>
+              <a:t>exist</a:t>
+            </a:r>
+            <a:endParaRPr lang="fr-FR" sz="1400" dirty="0"/>
+          </a:p>
+        </p:txBody>
+      </p:sp>
+      <p:sp>
+        <p:nvSpPr>
+          <p:cNvPr id="21" name="ZoneTexte 20">
+            <a:extLst>
+              <a:ext uri="{FF2B5EF4-FFF2-40B4-BE49-F238E27FC236}">
+                <a16:creationId xmlns:a16="http://schemas.microsoft.com/office/drawing/2014/main" id="{E5D3366A-5E8C-426C-B7F8-D3C55B8EBCAC}"/>
+              </a:ext>
+            </a:extLst>
+          </p:cNvPr>
+          <p:cNvSpPr txBox="1"/>
+          <p:nvPr/>
+        </p:nvSpPr>
+        <p:spPr>
+          <a:xfrm>
+            <a:off x="1114875" y="3588583"/>
+            <a:ext cx="1351011" cy="307777"/>
+          </a:xfrm>
+          <a:prstGeom prst="rect">
+            <a:avLst/>
+          </a:prstGeom>
+          <a:solidFill>
+            <a:srgbClr val="0070C0"/>
+          </a:solidFill>
+          <a:ln>
+            <a:solidFill>
+              <a:srgbClr val="013D9A"/>
+            </a:solidFill>
+          </a:ln>
+        </p:spPr>
+        <p:style>
+          <a:lnRef idx="2">
+            <a:schemeClr val="accent1">
+              <a:shade val="50000"/>
+            </a:schemeClr>
+          </a:lnRef>
+          <a:fillRef idx="1">
+            <a:schemeClr val="accent1"/>
+          </a:fillRef>
+          <a:effectRef idx="0">
+            <a:schemeClr val="accent1"/>
+          </a:effectRef>
+          <a:fontRef idx="minor">
+            <a:schemeClr val="lt1"/>
+          </a:fontRef>
+        </p:style>
+        <p:txBody>
+          <a:bodyPr wrap="none" rtlCol="0">
+            <a:spAutoFit/>
+          </a:bodyPr>
+          <a:lstStyle/>
+          <a:p>
+            <a:r>
+              <a:rPr lang="fr-FR" sz="1400" dirty="0"/>
+              <a:t>I </a:t>
+            </a:r>
+            <a:r>
+              <a:rPr lang="fr-FR" sz="1400" dirty="0" err="1"/>
+              <a:t>add</a:t>
+            </a:r>
+            <a:r>
+              <a:rPr lang="fr-FR" sz="1400" dirty="0"/>
+              <a:t> </a:t>
+            </a:r>
+            <a:r>
+              <a:rPr lang="fr-FR" sz="1400" dirty="0" err="1"/>
+              <a:t>this</a:t>
+            </a:r>
+            <a:r>
+              <a:rPr lang="fr-FR" sz="1400" dirty="0"/>
+              <a:t> rocker</a:t>
+            </a:r>
+          </a:p>
+        </p:txBody>
+      </p:sp>
+      <p:sp>
+        <p:nvSpPr>
+          <p:cNvPr id="23" name="ZoneTexte 22">
+            <a:extLst>
+              <a:ext uri="{FF2B5EF4-FFF2-40B4-BE49-F238E27FC236}">
+                <a16:creationId xmlns:a16="http://schemas.microsoft.com/office/drawing/2014/main" id="{24F30371-511B-47D7-B789-3A99E7A442E0}"/>
+              </a:ext>
+            </a:extLst>
+          </p:cNvPr>
+          <p:cNvSpPr txBox="1"/>
+          <p:nvPr/>
+        </p:nvSpPr>
+        <p:spPr>
+          <a:xfrm>
+            <a:off x="992892" y="4148888"/>
+            <a:ext cx="1216167" cy="307777"/>
+          </a:xfrm>
+          <a:prstGeom prst="rect">
+            <a:avLst/>
+          </a:prstGeom>
+          <a:solidFill>
+            <a:srgbClr val="00B050"/>
+          </a:solidFill>
+          <a:ln>
+            <a:solidFill>
+              <a:srgbClr val="013D9A"/>
+            </a:solidFill>
+          </a:ln>
+        </p:spPr>
+        <p:style>
+          <a:lnRef idx="2">
+            <a:schemeClr val="accent1">
+              <a:shade val="50000"/>
+            </a:schemeClr>
+          </a:lnRef>
+          <a:fillRef idx="1">
+            <a:schemeClr val="accent1"/>
+          </a:fillRef>
+          <a:effectRef idx="0">
+            <a:schemeClr val="accent1"/>
+          </a:effectRef>
+          <a:fontRef idx="minor">
+            <a:schemeClr val="lt1"/>
+          </a:fontRef>
+        </p:style>
+        <p:txBody>
+          <a:bodyPr wrap="none" rtlCol="0">
+            <a:spAutoFit/>
+          </a:bodyPr>
+          <a:lstStyle/>
+          <a:p>
+            <a:r>
+              <a:rPr lang="fr-FR" sz="1400" dirty="0"/>
+              <a:t>I </a:t>
+            </a:r>
+            <a:r>
+              <a:rPr lang="fr-FR" sz="1400" dirty="0" err="1"/>
+              <a:t>get</a:t>
+            </a:r>
+            <a:r>
+              <a:rPr lang="fr-FR" sz="1400" dirty="0"/>
+              <a:t> a </a:t>
+            </a:r>
+            <a:r>
+              <a:rPr lang="fr-FR" sz="1400" dirty="0" err="1"/>
+              <a:t>success</a:t>
+            </a:r>
+            <a:endParaRPr lang="fr-FR" sz="1400" dirty="0"/>
+          </a:p>
+        </p:txBody>
+      </p:sp>
+      <p:sp>
+        <p:nvSpPr>
+          <p:cNvPr id="30" name="ZoneTexte 29">
+            <a:extLst>
+              <a:ext uri="{FF2B5EF4-FFF2-40B4-BE49-F238E27FC236}">
+                <a16:creationId xmlns:a16="http://schemas.microsoft.com/office/drawing/2014/main" id="{0AE58B18-63A6-4D1B-AC29-32E9F3B47D57}"/>
+              </a:ext>
+            </a:extLst>
+          </p:cNvPr>
+          <p:cNvSpPr txBox="1"/>
+          <p:nvPr/>
+        </p:nvSpPr>
+        <p:spPr>
+          <a:xfrm>
+            <a:off x="925161" y="4449806"/>
+            <a:ext cx="2282804" cy="307777"/>
+          </a:xfrm>
+          <a:prstGeom prst="rect">
+            <a:avLst/>
+          </a:prstGeom>
+          <a:solidFill>
+            <a:srgbClr val="00B050"/>
+          </a:solidFill>
+          <a:ln>
+            <a:solidFill>
+              <a:srgbClr val="013D9A"/>
+            </a:solidFill>
+          </a:ln>
+        </p:spPr>
+        <p:style>
+          <a:lnRef idx="2">
+            <a:schemeClr val="accent1">
+              <a:shade val="50000"/>
+            </a:schemeClr>
+          </a:lnRef>
+          <a:fillRef idx="1">
+            <a:schemeClr val="accent1"/>
+          </a:fillRef>
+          <a:effectRef idx="0">
+            <a:schemeClr val="accent1"/>
+          </a:effectRef>
+          <a:fontRef idx="minor">
+            <a:schemeClr val="lt1"/>
+          </a:fontRef>
+        </p:style>
+        <p:txBody>
+          <a:bodyPr wrap="none" rtlCol="0">
+            <a:spAutoFit/>
+          </a:bodyPr>
+          <a:lstStyle/>
+          <a:p>
+            <a:r>
+              <a:rPr lang="fr-FR" sz="1400" dirty="0"/>
+              <a:t>the rocker </a:t>
+            </a:r>
+            <a:r>
+              <a:rPr lang="fr-FR" sz="1400" dirty="0" err="1"/>
+              <a:t>is</a:t>
+            </a:r>
+            <a:r>
+              <a:rPr lang="fr-FR" sz="1400" dirty="0"/>
+              <a:t> </a:t>
+            </a:r>
+            <a:r>
+              <a:rPr lang="fr-FR" sz="1400" dirty="0" err="1"/>
+              <a:t>actually</a:t>
+            </a:r>
+            <a:r>
+              <a:rPr lang="fr-FR" sz="1400" dirty="0"/>
+              <a:t> </a:t>
+            </a:r>
+            <a:r>
+              <a:rPr lang="fr-FR" sz="1400" dirty="0" err="1"/>
+              <a:t>created</a:t>
+            </a:r>
+            <a:endParaRPr lang="fr-FR" sz="1400" dirty="0"/>
+          </a:p>
+        </p:txBody>
+      </p:sp>
+      <p:cxnSp>
+        <p:nvCxnSpPr>
+          <p:cNvPr id="33" name="Connecteur : en arc 32">
+            <a:extLst>
+              <a:ext uri="{FF2B5EF4-FFF2-40B4-BE49-F238E27FC236}">
+                <a16:creationId xmlns:a16="http://schemas.microsoft.com/office/drawing/2014/main" id="{4AD9A737-1FDC-44B1-88E6-DC8E63B434D0}"/>
+              </a:ext>
+            </a:extLst>
+          </p:cNvPr>
+          <p:cNvCxnSpPr>
+            <a:cxnSpLocks/>
+            <a:stCxn id="6" idx="3"/>
+            <a:endCxn id="35" idx="1"/>
+          </p:cNvCxnSpPr>
+          <p:nvPr/>
+        </p:nvCxnSpPr>
+        <p:spPr>
+          <a:xfrm flipV="1">
+            <a:off x="2938347" y="1267520"/>
+            <a:ext cx="2541380" cy="1663762"/>
+          </a:xfrm>
+          <a:prstGeom prst="curvedConnector3">
+            <a:avLst>
+              <a:gd name="adj1" fmla="val 50000"/>
+            </a:avLst>
+          </a:prstGeom>
+          <a:ln>
+            <a:tailEnd type="triangle"/>
+          </a:ln>
+        </p:spPr>
+        <p:style>
+          <a:lnRef idx="3">
+            <a:schemeClr val="accent1"/>
+          </a:lnRef>
+          <a:fillRef idx="0">
+            <a:schemeClr val="accent1"/>
+          </a:fillRef>
+          <a:effectRef idx="2">
+            <a:schemeClr val="accent1"/>
+          </a:effectRef>
+          <a:fontRef idx="minor">
+            <a:schemeClr val="tx1"/>
+          </a:fontRef>
+        </p:style>
+      </p:cxnSp>
+      <p:sp>
+        <p:nvSpPr>
+          <p:cNvPr id="35" name="ZoneTexte 34">
+            <a:extLst>
+              <a:ext uri="{FF2B5EF4-FFF2-40B4-BE49-F238E27FC236}">
+                <a16:creationId xmlns:a16="http://schemas.microsoft.com/office/drawing/2014/main" id="{26824974-11CE-49BE-8A58-845145334839}"/>
+              </a:ext>
+            </a:extLst>
+          </p:cNvPr>
+          <p:cNvSpPr txBox="1"/>
+          <p:nvPr/>
+        </p:nvSpPr>
+        <p:spPr>
+          <a:xfrm>
+            <a:off x="5479727" y="1129020"/>
+            <a:ext cx="4490180" cy="276999"/>
+          </a:xfrm>
+          <a:prstGeom prst="rect">
+            <a:avLst/>
+          </a:prstGeom>
+        </p:spPr>
+        <p:style>
+          <a:lnRef idx="2">
+            <a:schemeClr val="accent1">
+              <a:shade val="50000"/>
+            </a:schemeClr>
+          </a:lnRef>
+          <a:fillRef idx="1">
+            <a:schemeClr val="accent1"/>
+          </a:fillRef>
+          <a:effectRef idx="0">
+            <a:schemeClr val="accent1"/>
+          </a:effectRef>
+          <a:fontRef idx="minor">
+            <a:schemeClr val="lt1"/>
+          </a:fontRef>
+        </p:style>
+        <p:txBody>
+          <a:bodyPr wrap="square" rtlCol="0">
+            <a:spAutoFit/>
+          </a:bodyPr>
+          <a:lstStyle/>
+          <a:p>
+            <a:r>
+              <a:rPr lang="fr-FR" sz="1200" dirty="0"/>
+              <a:t>var: </a:t>
+            </a:r>
+            <a:r>
+              <a:rPr lang="fr-FR" sz="1200" dirty="0" err="1"/>
+              <a:t>username</a:t>
+            </a:r>
+            <a:r>
+              <a:rPr lang="fr-FR" sz="1200" dirty="0"/>
+              <a:t>=${gherkin.1}</a:t>
+            </a:r>
+          </a:p>
+        </p:txBody>
+      </p:sp>
+      <p:sp>
+        <p:nvSpPr>
+          <p:cNvPr id="38" name="ZoneTexte 37">
+            <a:extLst>
+              <a:ext uri="{FF2B5EF4-FFF2-40B4-BE49-F238E27FC236}">
+                <a16:creationId xmlns:a16="http://schemas.microsoft.com/office/drawing/2014/main" id="{86D1D2E1-8461-4915-AE02-D230A005063C}"/>
+              </a:ext>
+            </a:extLst>
+          </p:cNvPr>
+          <p:cNvSpPr txBox="1"/>
+          <p:nvPr/>
+        </p:nvSpPr>
+        <p:spPr>
+          <a:xfrm>
+            <a:off x="5479728" y="1538977"/>
+            <a:ext cx="4490181" cy="646331"/>
+          </a:xfrm>
+          <a:prstGeom prst="rect">
+            <a:avLst/>
+          </a:prstGeom>
+        </p:spPr>
+        <p:style>
+          <a:lnRef idx="2">
+            <a:schemeClr val="accent1">
+              <a:shade val="50000"/>
+            </a:schemeClr>
+          </a:lnRef>
+          <a:fillRef idx="1">
+            <a:schemeClr val="accent1"/>
+          </a:fillRef>
+          <a:effectRef idx="0">
+            <a:schemeClr val="accent1"/>
+          </a:effectRef>
+          <a:fontRef idx="minor">
+            <a:schemeClr val="lt1"/>
+          </a:fontRef>
+        </p:style>
+        <p:txBody>
+          <a:bodyPr wrap="square" rtlCol="0">
+            <a:spAutoFit/>
+          </a:bodyPr>
+          <a:lstStyle/>
+          <a:p>
+            <a:r>
+              <a:rPr lang="en-US" sz="1200" dirty="0" err="1"/>
+              <a:t>sql.request</a:t>
+            </a:r>
+            <a:r>
+              <a:rPr lang="en-US" sz="1200" dirty="0"/>
+              <a:t>:</a:t>
+            </a:r>
+          </a:p>
+          <a:p>
+            <a:r>
+              <a:rPr lang="en-US" sz="1200" dirty="0"/>
+              <a:t>   params:</a:t>
+            </a:r>
+          </a:p>
+          <a:p>
+            <a:r>
+              <a:rPr lang="en-US" sz="1200" dirty="0"/>
+              <a:t>        request: delete from rock where name = '${username}'</a:t>
+            </a:r>
+            <a:endParaRPr lang="fr-FR" sz="1200" dirty="0"/>
+          </a:p>
+        </p:txBody>
+      </p:sp>
+      <p:cxnSp>
+        <p:nvCxnSpPr>
+          <p:cNvPr id="43" name="Connecteur : en arc 42">
+            <a:extLst>
+              <a:ext uri="{FF2B5EF4-FFF2-40B4-BE49-F238E27FC236}">
+                <a16:creationId xmlns:a16="http://schemas.microsoft.com/office/drawing/2014/main" id="{EB1FEF87-ECC9-47C7-B22B-3A50D8390316}"/>
+              </a:ext>
+            </a:extLst>
+          </p:cNvPr>
+          <p:cNvCxnSpPr>
+            <a:cxnSpLocks/>
+            <a:endCxn id="38" idx="1"/>
+          </p:cNvCxnSpPr>
+          <p:nvPr/>
+        </p:nvCxnSpPr>
+        <p:spPr>
+          <a:xfrm flipV="1">
+            <a:off x="2272859" y="1862143"/>
+            <a:ext cx="3206869" cy="1373888"/>
+          </a:xfrm>
+          <a:prstGeom prst="curvedConnector3">
+            <a:avLst>
+              <a:gd name="adj1" fmla="val 63184"/>
+            </a:avLst>
+          </a:prstGeom>
+          <a:ln>
+            <a:tailEnd type="triangle"/>
+          </a:ln>
+        </p:spPr>
+        <p:style>
+          <a:lnRef idx="3">
+            <a:schemeClr val="accent1"/>
+          </a:lnRef>
+          <a:fillRef idx="0">
+            <a:schemeClr val="accent1"/>
+          </a:fillRef>
+          <a:effectRef idx="2">
+            <a:schemeClr val="accent1"/>
+          </a:effectRef>
+          <a:fontRef idx="minor">
+            <a:schemeClr val="tx1"/>
+          </a:fontRef>
+        </p:style>
+      </p:cxnSp>
+      <p:sp>
+        <p:nvSpPr>
+          <p:cNvPr id="52" name="ZoneTexte 51">
+            <a:extLst>
+              <a:ext uri="{FF2B5EF4-FFF2-40B4-BE49-F238E27FC236}">
+                <a16:creationId xmlns:a16="http://schemas.microsoft.com/office/drawing/2014/main" id="{2B06BF2C-8834-4A43-99C5-95922C87766D}"/>
+              </a:ext>
+            </a:extLst>
+          </p:cNvPr>
+          <p:cNvSpPr txBox="1"/>
+          <p:nvPr/>
+        </p:nvSpPr>
+        <p:spPr>
+          <a:xfrm>
+            <a:off x="5479728" y="2297556"/>
+            <a:ext cx="4490181" cy="1015663"/>
+          </a:xfrm>
+          <a:prstGeom prst="rect">
+            <a:avLst/>
+          </a:prstGeom>
+          <a:solidFill>
+            <a:srgbClr val="0070C0"/>
+          </a:solidFill>
+          <a:ln>
+            <a:solidFill>
+              <a:srgbClr val="013D9A"/>
+            </a:solidFill>
+          </a:ln>
+        </p:spPr>
+        <p:style>
+          <a:lnRef idx="2">
+            <a:schemeClr val="accent1">
+              <a:shade val="50000"/>
+            </a:schemeClr>
+          </a:lnRef>
+          <a:fillRef idx="1">
+            <a:schemeClr val="accent1"/>
+          </a:fillRef>
+          <a:effectRef idx="0">
+            <a:schemeClr val="accent1"/>
+          </a:effectRef>
+          <a:fontRef idx="minor">
+            <a:schemeClr val="lt1"/>
+          </a:fontRef>
+        </p:style>
+        <p:txBody>
+          <a:bodyPr wrap="square" rtlCol="0">
+            <a:spAutoFit/>
+          </a:bodyPr>
+          <a:lstStyle>
+            <a:defPPr>
+              <a:defRPr lang="en-US"/>
+            </a:defPPr>
+            <a:lvl1pPr>
+              <a:defRPr sz="1400"/>
+            </a:lvl1pPr>
+          </a:lstStyle>
+          <a:p>
+            <a:r>
+              <a:rPr lang="fr-FR" sz="1200" dirty="0" err="1"/>
+              <a:t>http.post</a:t>
+            </a:r>
+            <a:r>
+              <a:rPr lang="fr-FR" sz="1200" dirty="0"/>
+              <a:t>:</a:t>
+            </a:r>
+          </a:p>
+          <a:p>
+            <a:r>
+              <a:rPr lang="fr-FR" sz="1200" dirty="0"/>
+              <a:t>    params:</a:t>
+            </a:r>
+          </a:p>
+          <a:p>
+            <a:r>
+              <a:rPr lang="fr-FR" sz="1200" dirty="0"/>
+              <a:t>         url: http://localhost:8080/api/heroes</a:t>
+            </a:r>
+          </a:p>
+          <a:p>
+            <a:r>
+              <a:rPr lang="fr-FR" sz="1200" dirty="0"/>
+              <a:t>         body: |</a:t>
+            </a:r>
+          </a:p>
+          <a:p>
+            <a:r>
+              <a:rPr lang="fr-FR" sz="1200" dirty="0"/>
+              <a:t>            { "</a:t>
+            </a:r>
+            <a:r>
+              <a:rPr lang="fr-FR" sz="1200" dirty="0" err="1"/>
+              <a:t>name</a:t>
+            </a:r>
+            <a:r>
+              <a:rPr lang="fr-FR" sz="1200" dirty="0"/>
+              <a:t>": "${</a:t>
+            </a:r>
+            <a:r>
+              <a:rPr lang="fr-FR" sz="1200" dirty="0" err="1"/>
+              <a:t>username</a:t>
+            </a:r>
+            <a:r>
+              <a:rPr lang="fr-FR" sz="1200" dirty="0"/>
+              <a:t>}" }</a:t>
+            </a:r>
+          </a:p>
+        </p:txBody>
+      </p:sp>
+      <p:cxnSp>
+        <p:nvCxnSpPr>
+          <p:cNvPr id="54" name="Connecteur : en arc 53">
+            <a:extLst>
+              <a:ext uri="{FF2B5EF4-FFF2-40B4-BE49-F238E27FC236}">
+                <a16:creationId xmlns:a16="http://schemas.microsoft.com/office/drawing/2014/main" id="{84ECCCC8-E3FA-40BD-9672-4118A022210E}"/>
+              </a:ext>
+            </a:extLst>
+          </p:cNvPr>
+          <p:cNvCxnSpPr>
+            <a:cxnSpLocks/>
+            <a:stCxn id="21" idx="3"/>
+            <a:endCxn id="52" idx="1"/>
+          </p:cNvCxnSpPr>
+          <p:nvPr/>
+        </p:nvCxnSpPr>
+        <p:spPr>
+          <a:xfrm flipV="1">
+            <a:off x="2465886" y="2805388"/>
+            <a:ext cx="3013842" cy="937084"/>
+          </a:xfrm>
+          <a:prstGeom prst="curvedConnector3">
+            <a:avLst>
+              <a:gd name="adj1" fmla="val 50000"/>
+            </a:avLst>
+          </a:prstGeom>
+          <a:ln>
+            <a:solidFill>
+              <a:srgbClr val="0070C0"/>
+            </a:solidFill>
+            <a:tailEnd type="triangle"/>
+          </a:ln>
+        </p:spPr>
+        <p:style>
+          <a:lnRef idx="3">
+            <a:schemeClr val="accent1"/>
+          </a:lnRef>
+          <a:fillRef idx="0">
+            <a:schemeClr val="accent1"/>
+          </a:fillRef>
+          <a:effectRef idx="2">
+            <a:schemeClr val="accent1"/>
+          </a:effectRef>
+          <a:fontRef idx="minor">
+            <a:schemeClr val="tx1"/>
+          </a:fontRef>
+        </p:style>
+      </p:cxnSp>
+      <p:sp>
+        <p:nvSpPr>
+          <p:cNvPr id="60" name="ZoneTexte 59">
+            <a:extLst>
+              <a:ext uri="{FF2B5EF4-FFF2-40B4-BE49-F238E27FC236}">
+                <a16:creationId xmlns:a16="http://schemas.microsoft.com/office/drawing/2014/main" id="{F9B24DE7-15D9-4748-9ABB-94D2B21F4592}"/>
+              </a:ext>
+            </a:extLst>
+          </p:cNvPr>
+          <p:cNvSpPr txBox="1"/>
+          <p:nvPr/>
+        </p:nvSpPr>
+        <p:spPr>
+          <a:xfrm>
+            <a:off x="5479727" y="3445584"/>
+            <a:ext cx="4490183" cy="830997"/>
+          </a:xfrm>
+          <a:prstGeom prst="rect">
+            <a:avLst/>
+          </a:prstGeom>
+          <a:solidFill>
+            <a:srgbClr val="00B050"/>
+          </a:solidFill>
+          <a:ln>
+            <a:solidFill>
+              <a:srgbClr val="013D9A"/>
+            </a:solidFill>
+          </a:ln>
+        </p:spPr>
+        <p:style>
+          <a:lnRef idx="2">
+            <a:schemeClr val="accent1">
+              <a:shade val="50000"/>
+            </a:schemeClr>
+          </a:lnRef>
+          <a:fillRef idx="1">
+            <a:schemeClr val="accent1"/>
+          </a:fillRef>
+          <a:effectRef idx="0">
+            <a:schemeClr val="accent1"/>
+          </a:effectRef>
+          <a:fontRef idx="minor">
+            <a:schemeClr val="lt1"/>
+          </a:fontRef>
+        </p:style>
+        <p:txBody>
+          <a:bodyPr wrap="square" rtlCol="0">
+            <a:spAutoFit/>
+          </a:bodyPr>
+          <a:lstStyle>
+            <a:defPPr>
+              <a:defRPr lang="en-US"/>
+            </a:defPPr>
+            <a:lvl1pPr>
+              <a:defRPr sz="1400"/>
+            </a:lvl1pPr>
+          </a:lstStyle>
+          <a:p>
+            <a:r>
+              <a:rPr lang="en-US" sz="1200" dirty="0" err="1"/>
+              <a:t>assert.equals</a:t>
+            </a:r>
+            <a:r>
+              <a:rPr lang="en-US" sz="1200" dirty="0"/>
+              <a:t> :</a:t>
+            </a:r>
+          </a:p>
+          <a:p>
+            <a:r>
+              <a:rPr lang="en-US" sz="1200" dirty="0"/>
+              <a:t>    params:</a:t>
+            </a:r>
+          </a:p>
+          <a:p>
+            <a:r>
+              <a:rPr lang="en-US" sz="1200" dirty="0"/>
+              <a:t>        expected: 201</a:t>
+            </a:r>
+          </a:p>
+          <a:p>
+            <a:r>
+              <a:rPr lang="en-US" sz="1200" dirty="0"/>
+              <a:t>        actual: ${ret}</a:t>
+            </a:r>
+          </a:p>
+        </p:txBody>
+      </p:sp>
+      <p:sp>
+        <p:nvSpPr>
+          <p:cNvPr id="61" name="ZoneTexte 60">
+            <a:extLst>
+              <a:ext uri="{FF2B5EF4-FFF2-40B4-BE49-F238E27FC236}">
+                <a16:creationId xmlns:a16="http://schemas.microsoft.com/office/drawing/2014/main" id="{1FFAE9DD-4605-40C3-8924-0EC3864E23A4}"/>
+              </a:ext>
+            </a:extLst>
+          </p:cNvPr>
+          <p:cNvSpPr txBox="1"/>
+          <p:nvPr/>
+        </p:nvSpPr>
+        <p:spPr>
+          <a:xfrm>
+            <a:off x="5479727" y="4408947"/>
+            <a:ext cx="4490183" cy="1384995"/>
+          </a:xfrm>
+          <a:prstGeom prst="rect">
+            <a:avLst/>
+          </a:prstGeom>
+          <a:solidFill>
+            <a:srgbClr val="00B050"/>
+          </a:solidFill>
+          <a:ln>
+            <a:solidFill>
+              <a:srgbClr val="013D9A"/>
+            </a:solidFill>
+          </a:ln>
+        </p:spPr>
+        <p:style>
+          <a:lnRef idx="2">
+            <a:schemeClr val="accent1">
+              <a:shade val="50000"/>
+            </a:schemeClr>
+          </a:lnRef>
+          <a:fillRef idx="1">
+            <a:schemeClr val="accent1"/>
+          </a:fillRef>
+          <a:effectRef idx="0">
+            <a:schemeClr val="accent1"/>
+          </a:effectRef>
+          <a:fontRef idx="minor">
+            <a:schemeClr val="lt1"/>
+          </a:fontRef>
+        </p:style>
+        <p:txBody>
+          <a:bodyPr wrap="square" rtlCol="0">
+            <a:spAutoFit/>
+          </a:bodyPr>
+          <a:lstStyle>
+            <a:defPPr>
+              <a:defRPr lang="en-US"/>
+            </a:defPPr>
+            <a:lvl1pPr>
+              <a:defRPr sz="1400"/>
+            </a:lvl1pPr>
+          </a:lstStyle>
+          <a:p>
+            <a:r>
+              <a:rPr lang="en-US" sz="1200" dirty="0"/>
+              <a:t>- </a:t>
+            </a:r>
+            <a:r>
+              <a:rPr lang="en-US" sz="1200" dirty="0" err="1"/>
+              <a:t>sql.request</a:t>
+            </a:r>
+            <a:r>
+              <a:rPr lang="en-US" sz="1200" dirty="0"/>
+              <a:t>:</a:t>
+            </a:r>
+          </a:p>
+          <a:p>
+            <a:r>
+              <a:rPr lang="en-US" sz="1200" dirty="0"/>
+              <a:t>  params:</a:t>
+            </a:r>
+          </a:p>
+          <a:p>
+            <a:r>
+              <a:rPr lang="en-US" sz="1200" dirty="0"/>
+              <a:t>     request: select count(*) from rock where name = '${username}’</a:t>
+            </a:r>
+          </a:p>
+          <a:p>
+            <a:r>
+              <a:rPr lang="en-US" sz="1200" dirty="0"/>
+              <a:t> - </a:t>
+            </a:r>
+            <a:r>
+              <a:rPr lang="en-US" sz="1200" dirty="0" err="1"/>
+              <a:t>assert.equals</a:t>
+            </a:r>
+            <a:r>
+              <a:rPr lang="en-US" sz="1200" dirty="0"/>
+              <a:t>:</a:t>
+            </a:r>
+          </a:p>
+          <a:p>
+            <a:r>
+              <a:rPr lang="en-US" sz="1200" dirty="0"/>
+              <a:t>   params:</a:t>
+            </a:r>
+          </a:p>
+          <a:p>
+            <a:r>
+              <a:rPr lang="en-US" sz="1200" dirty="0"/>
+              <a:t>     expected: 1</a:t>
+            </a:r>
+          </a:p>
+          <a:p>
+            <a:r>
+              <a:rPr lang="en-US" sz="1200" dirty="0"/>
+              <a:t>     actual: ${request.1}</a:t>
+            </a:r>
+          </a:p>
+        </p:txBody>
+      </p:sp>
+      <p:cxnSp>
+        <p:nvCxnSpPr>
+          <p:cNvPr id="75" name="Connecteur : en arc 74">
+            <a:extLst>
+              <a:ext uri="{FF2B5EF4-FFF2-40B4-BE49-F238E27FC236}">
+                <a16:creationId xmlns:a16="http://schemas.microsoft.com/office/drawing/2014/main" id="{6C26DCE2-CE3E-4413-B381-ED425FD85267}"/>
+              </a:ext>
+            </a:extLst>
+          </p:cNvPr>
+          <p:cNvCxnSpPr>
+            <a:cxnSpLocks/>
+            <a:stCxn id="23" idx="3"/>
+            <a:endCxn id="60" idx="1"/>
+          </p:cNvCxnSpPr>
+          <p:nvPr/>
+        </p:nvCxnSpPr>
+        <p:spPr>
+          <a:xfrm flipV="1">
+            <a:off x="2209059" y="3861083"/>
+            <a:ext cx="3270668" cy="441694"/>
+          </a:xfrm>
+          <a:prstGeom prst="curvedConnector3">
+            <a:avLst>
+              <a:gd name="adj1" fmla="val 64730"/>
+            </a:avLst>
+          </a:prstGeom>
+          <a:ln>
+            <a:solidFill>
+              <a:srgbClr val="00B050"/>
+            </a:solidFill>
+            <a:tailEnd type="triangle"/>
+          </a:ln>
+        </p:spPr>
+        <p:style>
+          <a:lnRef idx="3">
+            <a:schemeClr val="accent1"/>
+          </a:lnRef>
+          <a:fillRef idx="0">
+            <a:schemeClr val="accent1"/>
+          </a:fillRef>
+          <a:effectRef idx="2">
+            <a:schemeClr val="accent1"/>
+          </a:effectRef>
+          <a:fontRef idx="minor">
+            <a:schemeClr val="tx1"/>
+          </a:fontRef>
+        </p:style>
+      </p:cxnSp>
+      <p:cxnSp>
+        <p:nvCxnSpPr>
+          <p:cNvPr id="79" name="Connecteur : en arc 78">
+            <a:extLst>
+              <a:ext uri="{FF2B5EF4-FFF2-40B4-BE49-F238E27FC236}">
+                <a16:creationId xmlns:a16="http://schemas.microsoft.com/office/drawing/2014/main" id="{62078298-541A-437B-9534-D59755CA4E1B}"/>
+              </a:ext>
+            </a:extLst>
+          </p:cNvPr>
+          <p:cNvCxnSpPr>
+            <a:cxnSpLocks/>
+            <a:stCxn id="30" idx="3"/>
+            <a:endCxn id="61" idx="1"/>
+          </p:cNvCxnSpPr>
+          <p:nvPr/>
+        </p:nvCxnSpPr>
+        <p:spPr>
+          <a:xfrm>
+            <a:off x="3207965" y="4603695"/>
+            <a:ext cx="2271762" cy="497750"/>
+          </a:xfrm>
+          <a:prstGeom prst="curvedConnector3">
+            <a:avLst>
+              <a:gd name="adj1" fmla="val 50000"/>
+            </a:avLst>
+          </a:prstGeom>
+          <a:ln>
+            <a:solidFill>
+              <a:srgbClr val="00B050"/>
+            </a:solidFill>
+            <a:tailEnd type="triangle"/>
+          </a:ln>
+        </p:spPr>
+        <p:style>
+          <a:lnRef idx="3">
+            <a:schemeClr val="accent1"/>
+          </a:lnRef>
+          <a:fillRef idx="0">
+            <a:schemeClr val="accent1"/>
+          </a:fillRef>
+          <a:effectRef idx="2">
+            <a:schemeClr val="accent1"/>
+          </a:effectRef>
+          <a:fontRef idx="minor">
+            <a:schemeClr val="tx1"/>
+          </a:fontRef>
+        </p:style>
+      </p:cxnSp>
+    </p:spTree>
+    <p:extLst>
+      <p:ext uri="{BB962C8B-B14F-4D97-AF65-F5344CB8AC3E}">
+        <p14:creationId xmlns:p14="http://schemas.microsoft.com/office/powerpoint/2010/main" val="892932442"/>
+      </p:ext>
+    </p:extLst>
+  </p:cSld>
+  <p:clrMapOvr>
+    <a:masterClrMapping/>
+  </p:clrMapOvr>
+  <p:transition spd="slow">
+    <p:wipe/>
+  </p:transition>
+</p:sld>
+</file>
+
+<file path=ppt/slides/slide14.xml><?xml version="1.0" encoding="utf-8"?>
+<p:sld xmlns:a="http://schemas.openxmlformats.org/drawingml/2006/main" xmlns:r="http://schemas.openxmlformats.org/officeDocument/2006/relationships" xmlns:p="http://schemas.openxmlformats.org/presentationml/2006/main">
+  <p:cSld>
+    <p:spTree>
+      <p:nvGrpSpPr>
+        <p:cNvPr id="1" name=""/>
+        <p:cNvGrpSpPr/>
+        <p:nvPr/>
+      </p:nvGrpSpPr>
+      <p:grpSpPr>
+        <a:xfrm>
+          <a:off x="0" y="0"/>
+          <a:ext cx="0" cy="0"/>
+          <a:chOff x="0" y="0"/>
+          <a:chExt cx="0" cy="0"/>
+        </a:xfrm>
+      </p:grpSpPr>
+      <p:sp>
+        <p:nvSpPr>
+          <p:cNvPr id="3" name="Date Placeholder 2">
+            <a:extLst>
+              <a:ext uri="{FF2B5EF4-FFF2-40B4-BE49-F238E27FC236}">
+                <a16:creationId xmlns:a16="http://schemas.microsoft.com/office/drawing/2014/main" id="{08E05E48-BAB5-4B93-A9A2-ED88CDDE1F30}"/>
+              </a:ext>
+            </a:extLst>
+          </p:cNvPr>
+          <p:cNvSpPr>
+            <a:spLocks noGrp="1"/>
+          </p:cNvSpPr>
+          <p:nvPr>
+            <p:ph type="dt" sz="half" idx="10"/>
+          </p:nvPr>
+        </p:nvSpPr>
+        <p:spPr>
+          <a:xfrm>
+            <a:off x="844172" y="6303406"/>
+            <a:ext cx="1676400" cy="365125"/>
+          </a:xfrm>
+        </p:spPr>
+        <p:txBody>
+          <a:bodyPr/>
+          <a:lstStyle/>
+          <a:p>
+            <a:r>
+              <a:rPr lang="en-US" dirty="0"/>
+              <a:t>03/19/2021</a:t>
+            </a:r>
+          </a:p>
+        </p:txBody>
+      </p:sp>
+      <p:sp>
+        <p:nvSpPr>
+          <p:cNvPr id="5" name="Slide Number Placeholder 4">
+            <a:extLst>
+              <a:ext uri="{FF2B5EF4-FFF2-40B4-BE49-F238E27FC236}">
+                <a16:creationId xmlns:a16="http://schemas.microsoft.com/office/drawing/2014/main" id="{E7853B5B-17BE-4FD5-A01D-77FAC793DA72}"/>
+              </a:ext>
+            </a:extLst>
+          </p:cNvPr>
+          <p:cNvSpPr>
+            <a:spLocks noGrp="1"/>
+          </p:cNvSpPr>
+          <p:nvPr>
+            <p:ph type="sldNum" sz="quarter" idx="12"/>
+          </p:nvPr>
+        </p:nvSpPr>
+        <p:spPr>
+          <a:xfrm>
+            <a:off x="8847516" y="6303406"/>
+            <a:ext cx="2743200" cy="365125"/>
+          </a:xfrm>
+        </p:spPr>
+        <p:txBody>
+          <a:bodyPr/>
+          <a:lstStyle/>
+          <a:p>
+            <a:fld id="{1C0DB9A4-7C00-41BB-B303-4E91C20728DD}" type="slidenum">
+              <a:rPr lang="en-US" smtClean="0"/>
+              <a:pPr/>
+              <a:t>14</a:t>
+            </a:fld>
+            <a:endParaRPr lang="en-US"/>
+          </a:p>
+        </p:txBody>
+      </p:sp>
+      <p:pic>
+        <p:nvPicPr>
+          <p:cNvPr id="29" name="Image 28">
+            <a:extLst>
+              <a:ext uri="{FF2B5EF4-FFF2-40B4-BE49-F238E27FC236}">
+                <a16:creationId xmlns:a16="http://schemas.microsoft.com/office/drawing/2014/main" id="{ED75C77D-5279-4276-959F-A020455899A4}"/>
+              </a:ext>
+            </a:extLst>
+          </p:cNvPr>
+          <p:cNvPicPr>
+            <a:picLocks noChangeAspect="1"/>
+          </p:cNvPicPr>
+          <p:nvPr/>
+        </p:nvPicPr>
+        <p:blipFill>
+          <a:blip r:embed="rId3" cstate="print">
+            <a:extLst>
+              <a:ext uri="{28A0092B-C50C-407E-A947-70E740481C1C}">
+                <a14:useLocalDpi xmlns:a14="http://schemas.microsoft.com/office/drawing/2010/main" val="0"/>
+              </a:ext>
+            </a:extLst>
+          </a:blip>
+          <a:stretch>
+            <a:fillRect/>
+          </a:stretch>
+        </p:blipFill>
+        <p:spPr>
+          <a:xfrm>
+            <a:off x="10773105" y="1"/>
+            <a:ext cx="1418896" cy="1418896"/>
+          </a:xfrm>
+          <a:prstGeom prst="rect">
+            <a:avLst/>
+          </a:prstGeom>
+        </p:spPr>
+      </p:pic>
+      <p:sp>
+        <p:nvSpPr>
           <p:cNvPr id="26" name="Title 1">
             <a:extLst>
               <a:ext uri="{FF2B5EF4-FFF2-40B4-BE49-F238E27FC236}">
@@ -25651,7 +28679,7 @@
           <p:nvPr/>
         </p:nvPicPr>
         <p:blipFill>
-          <a:blip r:embed="rId4">
+          <a:blip r:embed="rId4" cstate="print">
             <a:extLst>
               <a:ext uri="{28A0092B-C50C-407E-A947-70E740481C1C}">
                 <a14:useLocalDpi xmlns:a14="http://schemas.microsoft.com/office/drawing/2010/main" val="0"/>
@@ -25776,7 +28804,7 @@
           <p:nvPr/>
         </p:nvPicPr>
         <p:blipFill>
-          <a:blip r:embed="rId5">
+          <a:blip r:embed="rId5" cstate="print">
             <a:extLst>
               <a:ext uri="{28A0092B-C50C-407E-A947-70E740481C1C}">
                 <a14:useLocalDpi xmlns:a14="http://schemas.microsoft.com/office/drawing/2010/main" val="0"/>
@@ -25866,7 +28894,7 @@
           <p:nvPr/>
         </p:nvPicPr>
         <p:blipFill>
-          <a:blip r:embed="rId6">
+          <a:blip r:embed="rId6" cstate="print">
             <a:extLst>
               <a:ext uri="{28A0092B-C50C-407E-A947-70E740481C1C}">
                 <a14:useLocalDpi xmlns:a14="http://schemas.microsoft.com/office/drawing/2010/main" val="0"/>
@@ -25913,7 +28941,7 @@
           <p:nvPr/>
         </p:nvPicPr>
         <p:blipFill>
-          <a:blip r:embed="rId3" cstate="print">
+          <a:blip r:embed="rId7" cstate="print">
             <a:extLst>
               <a:ext uri="{28A0092B-C50C-407E-A947-70E740481C1C}">
                 <a14:useLocalDpi xmlns:a14="http://schemas.microsoft.com/office/drawing/2010/main" val="0"/>
@@ -26121,616 +29149,6 @@
 </p:sld>
 </file>
 
-<file path=ppt/slides/slide14.xml><?xml version="1.0" encoding="utf-8"?>
-<p:sld xmlns:a="http://schemas.openxmlformats.org/drawingml/2006/main" xmlns:r="http://schemas.openxmlformats.org/officeDocument/2006/relationships" xmlns:p="http://schemas.openxmlformats.org/presentationml/2006/main">
-  <p:cSld>
-    <p:spTree>
-      <p:nvGrpSpPr>
-        <p:cNvPr id="1" name=""/>
-        <p:cNvGrpSpPr/>
-        <p:nvPr/>
-      </p:nvGrpSpPr>
-      <p:grpSpPr>
-        <a:xfrm>
-          <a:off x="0" y="0"/>
-          <a:ext cx="0" cy="0"/>
-          <a:chOff x="0" y="0"/>
-          <a:chExt cx="0" cy="0"/>
-        </a:xfrm>
-      </p:grpSpPr>
-      <p:sp>
-        <p:nvSpPr>
-          <p:cNvPr id="3" name="Espace réservé du contenu 2">
-            <a:extLst>
-              <a:ext uri="{FF2B5EF4-FFF2-40B4-BE49-F238E27FC236}">
-                <a16:creationId xmlns:a16="http://schemas.microsoft.com/office/drawing/2014/main" id="{B9AD89D6-6C50-4A39-91C6-7F352CDF6836}"/>
-              </a:ext>
-            </a:extLst>
-          </p:cNvPr>
-          <p:cNvSpPr>
-            <a:spLocks noGrp="1"/>
-          </p:cNvSpPr>
-          <p:nvPr>
-            <p:ph idx="1"/>
-          </p:nvPr>
-        </p:nvSpPr>
-        <p:spPr>
-          <a:xfrm>
-            <a:off x="722132" y="1143000"/>
-            <a:ext cx="9779222" cy="4795777"/>
-          </a:xfrm>
-        </p:spPr>
-        <p:txBody>
-          <a:bodyPr>
-            <a:normAutofit fontScale="92500" lnSpcReduction="10000"/>
-          </a:bodyPr>
-          <a:lstStyle/>
-          <a:p>
-            <a:pPr marL="0" indent="0">
-              <a:buNone/>
-            </a:pPr>
-            <a:r>
-              <a:rPr lang="en-US" b="1" dirty="0" err="1"/>
-              <a:t>RockTest</a:t>
-            </a:r>
-            <a:r>
-              <a:rPr lang="en-US" b="1" dirty="0"/>
-              <a:t> is growing !  Next features :</a:t>
-            </a:r>
-          </a:p>
-          <a:p>
-            <a:pPr marL="0" indent="0">
-              <a:buNone/>
-            </a:pPr>
-            <a:endParaRPr lang="en-US" dirty="0"/>
-          </a:p>
-          <a:p>
-            <a:pPr marL="0" indent="0">
-              <a:spcBef>
-                <a:spcPts val="1500"/>
-              </a:spcBef>
-              <a:buNone/>
-            </a:pPr>
-            <a:r>
-              <a:rPr lang="en-US" dirty="0"/>
-              <a:t>	Kafka module</a:t>
-            </a:r>
-          </a:p>
-          <a:p>
-            <a:pPr marL="0" indent="0">
-              <a:spcBef>
-                <a:spcPts val="1500"/>
-              </a:spcBef>
-              <a:buNone/>
-            </a:pPr>
-            <a:r>
-              <a:rPr lang="en-US" dirty="0"/>
-              <a:t>	NoSQL client</a:t>
-            </a:r>
-          </a:p>
-          <a:p>
-            <a:pPr marL="0" indent="0">
-              <a:spcBef>
-                <a:spcPts val="1500"/>
-              </a:spcBef>
-              <a:buNone/>
-            </a:pPr>
-            <a:r>
-              <a:rPr lang="en-US" dirty="0"/>
-              <a:t>	Improve Web module (headless browsing, screenshots, video)</a:t>
-            </a:r>
-          </a:p>
-          <a:p>
-            <a:pPr marL="0" indent="0">
-              <a:spcBef>
-                <a:spcPts val="1500"/>
-              </a:spcBef>
-              <a:buNone/>
-            </a:pPr>
-            <a:r>
-              <a:rPr lang="en-US" dirty="0"/>
-              <a:t>	Test on Kubernetes</a:t>
-            </a:r>
-          </a:p>
-          <a:p>
-            <a:pPr marL="0" indent="0">
-              <a:spcBef>
-                <a:spcPts val="1500"/>
-              </a:spcBef>
-              <a:buNone/>
-            </a:pPr>
-            <a:r>
-              <a:rPr lang="en-US" dirty="0"/>
-              <a:t>	</a:t>
-            </a:r>
-            <a:r>
-              <a:rPr lang="en-US" dirty="0" err="1"/>
-              <a:t>Testsuites</a:t>
-            </a:r>
-            <a:endParaRPr lang="en-US" dirty="0"/>
-          </a:p>
-          <a:p>
-            <a:pPr marL="0" indent="0">
-              <a:spcBef>
-                <a:spcPts val="1500"/>
-              </a:spcBef>
-              <a:buNone/>
-            </a:pPr>
-            <a:r>
-              <a:rPr lang="en-US" dirty="0"/>
-              <a:t>	Journey to </a:t>
-            </a:r>
-            <a:r>
-              <a:rPr lang="en-US" dirty="0" err="1"/>
-              <a:t>NoCode</a:t>
-            </a:r>
-            <a:r>
-              <a:rPr lang="en-US" dirty="0"/>
-              <a:t> </a:t>
-            </a:r>
-            <a:r>
-              <a:rPr lang="en-US" dirty="0">
-                <a:sym typeface="Wingdings" panose="05000000000000000000" pitchFamily="2" charset="2"/>
-              </a:rPr>
-              <a:t> YAML editor</a:t>
-            </a:r>
-            <a:endParaRPr lang="en-US" dirty="0"/>
-          </a:p>
-          <a:p>
-            <a:pPr marL="0" indent="0">
-              <a:buNone/>
-            </a:pPr>
-            <a:endParaRPr lang="en-GB" dirty="0"/>
-          </a:p>
-          <a:p>
-            <a:pPr marL="0" indent="0">
-              <a:buNone/>
-            </a:pPr>
-            <a:r>
-              <a:rPr lang="en-GB" b="1" dirty="0" err="1"/>
-              <a:t>RockTest</a:t>
-            </a:r>
-            <a:r>
-              <a:rPr lang="en-GB" b="1" dirty="0"/>
-              <a:t> is yours ! Contribute, make Pull Requests </a:t>
-            </a:r>
-            <a:r>
-              <a:rPr lang="en-GB" b="1" dirty="0">
-                <a:sym typeface="Wingdings" panose="05000000000000000000" pitchFamily="2" charset="2"/>
-              </a:rPr>
-              <a:t></a:t>
-            </a:r>
-            <a:endParaRPr lang="en-GB" dirty="0"/>
-          </a:p>
-        </p:txBody>
-      </p:sp>
-      <p:pic>
-        <p:nvPicPr>
-          <p:cNvPr id="5" name="Image 4">
-            <a:extLst>
-              <a:ext uri="{FF2B5EF4-FFF2-40B4-BE49-F238E27FC236}">
-                <a16:creationId xmlns:a16="http://schemas.microsoft.com/office/drawing/2014/main" id="{8E2E7C1F-4B88-4136-8455-49ACED568614}"/>
-              </a:ext>
-            </a:extLst>
-          </p:cNvPr>
-          <p:cNvPicPr>
-            <a:picLocks noChangeAspect="1"/>
-          </p:cNvPicPr>
-          <p:nvPr/>
-        </p:nvPicPr>
-        <p:blipFill>
-          <a:blip r:embed="rId3" cstate="print">
-            <a:extLst>
-              <a:ext uri="{28A0092B-C50C-407E-A947-70E740481C1C}">
-                <a14:useLocalDpi xmlns:a14="http://schemas.microsoft.com/office/drawing/2010/main" val="0"/>
-              </a:ext>
-            </a:extLst>
-          </a:blip>
-          <a:stretch>
-            <a:fillRect/>
-          </a:stretch>
-        </p:blipFill>
-        <p:spPr>
-          <a:xfrm>
-            <a:off x="10773105" y="1"/>
-            <a:ext cx="1418896" cy="1418896"/>
-          </a:xfrm>
-          <a:prstGeom prst="rect">
-            <a:avLst/>
-          </a:prstGeom>
-        </p:spPr>
-      </p:pic>
-      <p:pic>
-        <p:nvPicPr>
-          <p:cNvPr id="7" name="Image 6">
-            <a:extLst>
-              <a:ext uri="{FF2B5EF4-FFF2-40B4-BE49-F238E27FC236}">
-                <a16:creationId xmlns:a16="http://schemas.microsoft.com/office/drawing/2014/main" id="{A390817A-5FAA-40AD-8430-34E0A4A393D7}"/>
-              </a:ext>
-            </a:extLst>
-          </p:cNvPr>
-          <p:cNvPicPr>
-            <a:picLocks noChangeAspect="1"/>
-          </p:cNvPicPr>
-          <p:nvPr/>
-        </p:nvPicPr>
-        <p:blipFill>
-          <a:blip r:embed="rId4"/>
-          <a:stretch>
-            <a:fillRect/>
-          </a:stretch>
-        </p:blipFill>
-        <p:spPr>
-          <a:xfrm>
-            <a:off x="635827" y="2113798"/>
-            <a:ext cx="748895" cy="342167"/>
-          </a:xfrm>
-          <a:prstGeom prst="rect">
-            <a:avLst/>
-          </a:prstGeom>
-        </p:spPr>
-      </p:pic>
-      <p:pic>
-        <p:nvPicPr>
-          <p:cNvPr id="11" name="Image 10" descr="Une image contenant texte&#10;&#10;Description générée automatiquement">
-            <a:extLst>
-              <a:ext uri="{FF2B5EF4-FFF2-40B4-BE49-F238E27FC236}">
-                <a16:creationId xmlns:a16="http://schemas.microsoft.com/office/drawing/2014/main" id="{F7CF25AC-4BF3-4518-AB13-1850F0B0575D}"/>
-              </a:ext>
-            </a:extLst>
-          </p:cNvPr>
-          <p:cNvPicPr>
-            <a:picLocks noChangeAspect="1"/>
-          </p:cNvPicPr>
-          <p:nvPr/>
-        </p:nvPicPr>
-        <p:blipFill>
-          <a:blip r:embed="rId5" cstate="print">
-            <a:extLst>
-              <a:ext uri="{28A0092B-C50C-407E-A947-70E740481C1C}">
-                <a14:useLocalDpi xmlns:a14="http://schemas.microsoft.com/office/drawing/2010/main" val="0"/>
-              </a:ext>
-            </a:extLst>
-          </a:blip>
-          <a:stretch>
-            <a:fillRect/>
-          </a:stretch>
-        </p:blipFill>
-        <p:spPr>
-          <a:xfrm>
-            <a:off x="585892" y="2690623"/>
-            <a:ext cx="848763" cy="243987"/>
-          </a:xfrm>
-          <a:prstGeom prst="rect">
-            <a:avLst/>
-          </a:prstGeom>
-        </p:spPr>
-      </p:pic>
-      <p:pic>
-        <p:nvPicPr>
-          <p:cNvPr id="13" name="Graphique 12" descr="Conception Web">
-            <a:extLst>
-              <a:ext uri="{FF2B5EF4-FFF2-40B4-BE49-F238E27FC236}">
-                <a16:creationId xmlns:a16="http://schemas.microsoft.com/office/drawing/2014/main" id="{5CE57256-4F3C-455F-936E-9BD09C53DB48}"/>
-              </a:ext>
-            </a:extLst>
-          </p:cNvPr>
-          <p:cNvPicPr>
-            <a:picLocks noChangeAspect="1"/>
-          </p:cNvPicPr>
-          <p:nvPr/>
-        </p:nvPicPr>
-        <p:blipFill>
-          <a:blip r:embed="rId6" cstate="print">
-            <a:extLst>
-              <a:ext uri="{28A0092B-C50C-407E-A947-70E740481C1C}">
-                <a14:useLocalDpi xmlns:a14="http://schemas.microsoft.com/office/drawing/2010/main" val="0"/>
-              </a:ext>
-              <a:ext uri="{96DAC541-7B7A-43D3-8B79-37D633B846F1}">
-                <asvg:svgBlip xmlns:asvg="http://schemas.microsoft.com/office/drawing/2016/SVG/main" r:embed="rId7"/>
-              </a:ext>
-            </a:extLst>
-          </a:blip>
-          <a:stretch>
-            <a:fillRect/>
-          </a:stretch>
-        </p:blipFill>
-        <p:spPr>
-          <a:xfrm>
-            <a:off x="877581" y="3119170"/>
-            <a:ext cx="334108" cy="334108"/>
-          </a:xfrm>
-          <a:prstGeom prst="rect">
-            <a:avLst/>
-          </a:prstGeom>
-        </p:spPr>
-      </p:pic>
-      <p:pic>
-        <p:nvPicPr>
-          <p:cNvPr id="14" name="Image 13">
-            <a:extLst>
-              <a:ext uri="{FF2B5EF4-FFF2-40B4-BE49-F238E27FC236}">
-                <a16:creationId xmlns:a16="http://schemas.microsoft.com/office/drawing/2014/main" id="{2E4A018D-89A4-4B3C-8421-E6CE24F62214}"/>
-              </a:ext>
-            </a:extLst>
-          </p:cNvPr>
-          <p:cNvPicPr>
-            <a:picLocks noChangeAspect="1"/>
-          </p:cNvPicPr>
-          <p:nvPr/>
-        </p:nvPicPr>
-        <p:blipFill>
-          <a:blip r:embed="rId8" cstate="print">
-            <a:extLst>
-              <a:ext uri="{28A0092B-C50C-407E-A947-70E740481C1C}">
-                <a14:useLocalDpi xmlns:a14="http://schemas.microsoft.com/office/drawing/2010/main" val="0"/>
-              </a:ext>
-            </a:extLst>
-          </a:blip>
-          <a:stretch>
-            <a:fillRect/>
-          </a:stretch>
-        </p:blipFill>
-        <p:spPr>
-          <a:xfrm>
-            <a:off x="467685" y="3674019"/>
-            <a:ext cx="1042066" cy="252605"/>
-          </a:xfrm>
-          <a:prstGeom prst="rect">
-            <a:avLst/>
-          </a:prstGeom>
-        </p:spPr>
-      </p:pic>
-      <p:pic>
-        <p:nvPicPr>
-          <p:cNvPr id="16" name="Graphique 15" descr="Avis des clients (droite à gauche)">
-            <a:extLst>
-              <a:ext uri="{FF2B5EF4-FFF2-40B4-BE49-F238E27FC236}">
-                <a16:creationId xmlns:a16="http://schemas.microsoft.com/office/drawing/2014/main" id="{EE3F1EA1-85BC-4711-8D43-D50C9EACB905}"/>
-              </a:ext>
-            </a:extLst>
-          </p:cNvPr>
-          <p:cNvPicPr>
-            <a:picLocks noChangeAspect="1"/>
-          </p:cNvPicPr>
-          <p:nvPr/>
-        </p:nvPicPr>
-        <p:blipFill>
-          <a:blip r:embed="rId9" cstate="print">
-            <a:extLst>
-              <a:ext uri="{28A0092B-C50C-407E-A947-70E740481C1C}">
-                <a14:useLocalDpi xmlns:a14="http://schemas.microsoft.com/office/drawing/2010/main" val="0"/>
-              </a:ext>
-              <a:ext uri="{96DAC541-7B7A-43D3-8B79-37D633B846F1}">
-                <asvg:svgBlip xmlns:asvg="http://schemas.microsoft.com/office/drawing/2016/SVG/main" r:embed="rId10"/>
-              </a:ext>
-            </a:extLst>
-          </a:blip>
-          <a:stretch>
-            <a:fillRect/>
-          </a:stretch>
-        </p:blipFill>
-        <p:spPr>
-          <a:xfrm>
-            <a:off x="844172" y="4666033"/>
-            <a:ext cx="378069" cy="378069"/>
-          </a:xfrm>
-          <a:prstGeom prst="rect">
-            <a:avLst/>
-          </a:prstGeom>
-        </p:spPr>
-      </p:pic>
-      <p:sp>
-        <p:nvSpPr>
-          <p:cNvPr id="17" name="Date Placeholder 2">
-            <a:extLst>
-              <a:ext uri="{FF2B5EF4-FFF2-40B4-BE49-F238E27FC236}">
-                <a16:creationId xmlns:a16="http://schemas.microsoft.com/office/drawing/2014/main" id="{F6B257F5-3CB9-4A3E-A45A-39403BCB40B5}"/>
-              </a:ext>
-            </a:extLst>
-          </p:cNvPr>
-          <p:cNvSpPr>
-            <a:spLocks noGrp="1"/>
-          </p:cNvSpPr>
-          <p:nvPr>
-            <p:ph type="dt" sz="half" idx="10"/>
-          </p:nvPr>
-        </p:nvSpPr>
-        <p:spPr>
-          <a:xfrm>
-            <a:off x="844172" y="6303406"/>
-            <a:ext cx="1676400" cy="365125"/>
-          </a:xfrm>
-        </p:spPr>
-        <p:txBody>
-          <a:bodyPr/>
-          <a:lstStyle/>
-          <a:p>
-            <a:r>
-              <a:rPr lang="en-US" dirty="0"/>
-              <a:t>03/19/2021</a:t>
-            </a:r>
-          </a:p>
-        </p:txBody>
-      </p:sp>
-      <p:sp>
-        <p:nvSpPr>
-          <p:cNvPr id="19" name="Slide Number Placeholder 4">
-            <a:extLst>
-              <a:ext uri="{FF2B5EF4-FFF2-40B4-BE49-F238E27FC236}">
-                <a16:creationId xmlns:a16="http://schemas.microsoft.com/office/drawing/2014/main" id="{498E0990-8535-46AC-B19F-1E264822DD9F}"/>
-              </a:ext>
-            </a:extLst>
-          </p:cNvPr>
-          <p:cNvSpPr>
-            <a:spLocks noGrp="1"/>
-          </p:cNvSpPr>
-          <p:nvPr>
-            <p:ph type="sldNum" sz="quarter" idx="12"/>
-          </p:nvPr>
-        </p:nvSpPr>
-        <p:spPr>
-          <a:xfrm>
-            <a:off x="8847516" y="6303406"/>
-            <a:ext cx="2743200" cy="365125"/>
-          </a:xfrm>
-        </p:spPr>
-        <p:txBody>
-          <a:bodyPr/>
-          <a:lstStyle/>
-          <a:p>
-            <a:fld id="{1C0DB9A4-7C00-41BB-B303-4E91C20728DD}" type="slidenum">
-              <a:rPr lang="en-US" smtClean="0"/>
-              <a:pPr/>
-              <a:t>14</a:t>
-            </a:fld>
-            <a:endParaRPr lang="en-US"/>
-          </a:p>
-        </p:txBody>
-      </p:sp>
-      <p:sp>
-        <p:nvSpPr>
-          <p:cNvPr id="20" name="Title 1">
-            <a:extLst>
-              <a:ext uri="{FF2B5EF4-FFF2-40B4-BE49-F238E27FC236}">
-                <a16:creationId xmlns:a16="http://schemas.microsoft.com/office/drawing/2014/main" id="{5F00FFCD-9B16-4F71-B7E6-31CF84302DDF}"/>
-              </a:ext>
-            </a:extLst>
-          </p:cNvPr>
-          <p:cNvSpPr txBox="1">
-            <a:spLocks/>
-          </p:cNvSpPr>
-          <p:nvPr/>
-        </p:nvSpPr>
-        <p:spPr>
-          <a:xfrm>
-            <a:off x="467685" y="8518"/>
-            <a:ext cx="8536744" cy="1325563"/>
-          </a:xfrm>
-          <a:prstGeom prst="rect">
-            <a:avLst/>
-          </a:prstGeom>
-        </p:spPr>
-        <p:txBody>
-          <a:bodyPr vert="horz" lIns="91440" tIns="45720" rIns="91440" bIns="45720" rtlCol="0" anchor="ctr">
-            <a:normAutofit/>
-          </a:bodyPr>
-          <a:lstStyle>
-            <a:lvl1pPr algn="r" defTabSz="914400" rtl="0" eaLnBrk="1" latinLnBrk="0" hangingPunct="1">
-              <a:lnSpc>
-                <a:spcPct val="90000"/>
-              </a:lnSpc>
-              <a:spcBef>
-                <a:spcPct val="0"/>
-              </a:spcBef>
-              <a:buNone/>
-              <a:defRPr sz="4400" b="1" kern="1200" cap="all" baseline="0">
-                <a:solidFill>
-                  <a:schemeClr val="tx1"/>
-                </a:solidFill>
-                <a:latin typeface="+mn-lt"/>
-                <a:ea typeface="+mj-ea"/>
-                <a:cs typeface="+mj-cs"/>
-              </a:defRPr>
-            </a:lvl1pPr>
-          </a:lstStyle>
-          <a:p>
-            <a:pPr algn="l"/>
-            <a:r>
-              <a:rPr lang="en-US" sz="5400" dirty="0"/>
-              <a:t>And now ?</a:t>
-            </a:r>
-          </a:p>
-        </p:txBody>
-      </p:sp>
-      <p:sp>
-        <p:nvSpPr>
-          <p:cNvPr id="21" name="Footer Placeholder 3">
-            <a:extLst>
-              <a:ext uri="{FF2B5EF4-FFF2-40B4-BE49-F238E27FC236}">
-                <a16:creationId xmlns:a16="http://schemas.microsoft.com/office/drawing/2014/main" id="{9C83C78C-DFB4-41BB-8BCA-37AA15CEEF84}"/>
-              </a:ext>
-            </a:extLst>
-          </p:cNvPr>
-          <p:cNvSpPr>
-            <a:spLocks noGrp="1"/>
-          </p:cNvSpPr>
-          <p:nvPr>
-            <p:ph type="ftr" sz="quarter" idx="11"/>
-          </p:nvPr>
-        </p:nvSpPr>
-        <p:spPr>
-          <a:xfrm>
-            <a:off x="1786758" y="6303406"/>
-            <a:ext cx="8986015" cy="365125"/>
-          </a:xfrm>
-        </p:spPr>
-        <p:txBody>
-          <a:bodyPr/>
-          <a:lstStyle/>
-          <a:p>
-            <a:r>
-              <a:rPr lang="en-US" b="1" dirty="0"/>
-              <a:t>https://github.com/rockintest/rocktest</a:t>
-            </a:r>
-          </a:p>
-        </p:txBody>
-      </p:sp>
-      <p:pic>
-        <p:nvPicPr>
-          <p:cNvPr id="4" name="Graphique 3" descr="Engrenages">
-            <a:extLst>
-              <a:ext uri="{FF2B5EF4-FFF2-40B4-BE49-F238E27FC236}">
-                <a16:creationId xmlns:a16="http://schemas.microsoft.com/office/drawing/2014/main" id="{6F9B60AC-26AE-45B4-A4F3-17D2BEC93E5B}"/>
-              </a:ext>
-            </a:extLst>
-          </p:cNvPr>
-          <p:cNvPicPr>
-            <a:picLocks noChangeAspect="1"/>
-          </p:cNvPicPr>
-          <p:nvPr/>
-        </p:nvPicPr>
-        <p:blipFill>
-          <a:blip r:embed="rId11" cstate="print">
-            <a:extLst>
-              <a:ext uri="{28A0092B-C50C-407E-A947-70E740481C1C}">
-                <a14:useLocalDpi xmlns:a14="http://schemas.microsoft.com/office/drawing/2010/main" val="0"/>
-              </a:ext>
-              <a:ext uri="{96DAC541-7B7A-43D3-8B79-37D633B846F1}">
-                <asvg:svgBlip xmlns:asvg="http://schemas.microsoft.com/office/drawing/2016/SVG/main" r:embed="rId12"/>
-              </a:ext>
-            </a:extLst>
-          </a:blip>
-          <a:stretch>
-            <a:fillRect/>
-          </a:stretch>
-        </p:blipFill>
-        <p:spPr>
-          <a:xfrm>
-            <a:off x="867029" y="4169892"/>
-            <a:ext cx="311249" cy="311249"/>
-          </a:xfrm>
-          <a:prstGeom prst="rect">
-            <a:avLst/>
-          </a:prstGeom>
-        </p:spPr>
-      </p:pic>
-    </p:spTree>
-    <p:extLst>
-      <p:ext uri="{BB962C8B-B14F-4D97-AF65-F5344CB8AC3E}">
-        <p14:creationId xmlns:p14="http://schemas.microsoft.com/office/powerpoint/2010/main" val="3144573054"/>
-      </p:ext>
-    </p:extLst>
-  </p:cSld>
-  <p:clrMapOvr>
-    <a:masterClrMapping/>
-  </p:clrMapOvr>
-  <p:transition spd="slow">
-    <p:wipe/>
-  </p:transition>
-</p:sld>
-</file>
-
 <file path=ppt/slides/slide15.xml><?xml version="1.0" encoding="utf-8"?>
 <p:sld xmlns:a="http://schemas.openxmlformats.org/drawingml/2006/main" xmlns:r="http://schemas.openxmlformats.org/officeDocument/2006/relationships" xmlns:p="http://schemas.openxmlformats.org/presentationml/2006/main">
   <p:cSld>
@@ -26748,6 +29166,172 @@
           <a:chExt cx="0" cy="0"/>
         </a:xfrm>
       </p:grpSpPr>
+      <p:sp>
+        <p:nvSpPr>
+          <p:cNvPr id="3" name="Espace réservé du contenu 2">
+            <a:extLst>
+              <a:ext uri="{FF2B5EF4-FFF2-40B4-BE49-F238E27FC236}">
+                <a16:creationId xmlns:a16="http://schemas.microsoft.com/office/drawing/2014/main" id="{B9AD89D6-6C50-4A39-91C6-7F352CDF6836}"/>
+              </a:ext>
+            </a:extLst>
+          </p:cNvPr>
+          <p:cNvSpPr>
+            <a:spLocks noGrp="1"/>
+          </p:cNvSpPr>
+          <p:nvPr>
+            <p:ph idx="1"/>
+          </p:nvPr>
+        </p:nvSpPr>
+        <p:spPr>
+          <a:xfrm>
+            <a:off x="722132" y="1143000"/>
+            <a:ext cx="9779222" cy="4795777"/>
+          </a:xfrm>
+        </p:spPr>
+        <p:txBody>
+          <a:bodyPr>
+            <a:normAutofit fontScale="92500" lnSpcReduction="10000"/>
+          </a:bodyPr>
+          <a:lstStyle/>
+          <a:p>
+            <a:pPr marL="0" indent="0">
+              <a:buNone/>
+            </a:pPr>
+            <a:r>
+              <a:rPr lang="en-US" b="1" dirty="0" err="1"/>
+              <a:t>RockTest</a:t>
+            </a:r>
+            <a:r>
+              <a:rPr lang="en-US" b="1" dirty="0"/>
+              <a:t> is growing !  Next features :</a:t>
+            </a:r>
+          </a:p>
+          <a:p>
+            <a:pPr marL="0" indent="0">
+              <a:buNone/>
+            </a:pPr>
+            <a:endParaRPr lang="en-US" dirty="0"/>
+          </a:p>
+          <a:p>
+            <a:pPr marL="0" indent="0">
+              <a:spcBef>
+                <a:spcPts val="1500"/>
+              </a:spcBef>
+              <a:buNone/>
+            </a:pPr>
+            <a:r>
+              <a:rPr lang="en-US" dirty="0"/>
+              <a:t>	Kafka module</a:t>
+            </a:r>
+          </a:p>
+          <a:p>
+            <a:pPr marL="0" indent="0">
+              <a:spcBef>
+                <a:spcPts val="1500"/>
+              </a:spcBef>
+              <a:buNone/>
+            </a:pPr>
+            <a:r>
+              <a:rPr lang="en-US" dirty="0"/>
+              <a:t>	NoSQL client</a:t>
+            </a:r>
+          </a:p>
+          <a:p>
+            <a:pPr marL="0" indent="0">
+              <a:spcBef>
+                <a:spcPts val="1500"/>
+              </a:spcBef>
+              <a:buNone/>
+            </a:pPr>
+            <a:r>
+              <a:rPr lang="en-US" dirty="0"/>
+              <a:t>	Improve Web module (headless browsing, screenshots, video)</a:t>
+            </a:r>
+          </a:p>
+          <a:p>
+            <a:pPr marL="0" indent="0">
+              <a:spcBef>
+                <a:spcPts val="1500"/>
+              </a:spcBef>
+              <a:buNone/>
+            </a:pPr>
+            <a:r>
+              <a:rPr lang="en-US" dirty="0"/>
+              <a:t>	Test on Kubernetes</a:t>
+            </a:r>
+          </a:p>
+          <a:p>
+            <a:pPr marL="0" indent="0">
+              <a:spcBef>
+                <a:spcPts val="1500"/>
+              </a:spcBef>
+              <a:buNone/>
+            </a:pPr>
+            <a:r>
+              <a:rPr lang="en-US" dirty="0"/>
+              <a:t>	</a:t>
+            </a:r>
+            <a:r>
+              <a:rPr lang="en-US" dirty="0" err="1"/>
+              <a:t>Testsuites</a:t>
+            </a:r>
+            <a:endParaRPr lang="en-US" dirty="0"/>
+          </a:p>
+          <a:p>
+            <a:pPr marL="0" indent="0">
+              <a:spcBef>
+                <a:spcPts val="1500"/>
+              </a:spcBef>
+              <a:buNone/>
+            </a:pPr>
+            <a:r>
+              <a:rPr lang="en-US" dirty="0"/>
+              <a:t>	Journey to </a:t>
+            </a:r>
+            <a:r>
+              <a:rPr lang="en-US" dirty="0" err="1"/>
+              <a:t>NoCode</a:t>
+            </a:r>
+            <a:r>
+              <a:rPr lang="en-US" dirty="0"/>
+              <a:t> </a:t>
+            </a:r>
+            <a:r>
+              <a:rPr lang="en-US" dirty="0">
+                <a:sym typeface="Wingdings" panose="05000000000000000000" pitchFamily="2" charset="2"/>
+              </a:rPr>
+              <a:t> YAML editor</a:t>
+            </a:r>
+            <a:endParaRPr lang="en-US" dirty="0"/>
+          </a:p>
+          <a:p>
+            <a:pPr marL="0" indent="0">
+              <a:buNone/>
+            </a:pPr>
+            <a:endParaRPr lang="en-GB" dirty="0"/>
+          </a:p>
+          <a:p>
+            <a:pPr marL="0" indent="0">
+              <a:buNone/>
+            </a:pPr>
+            <a:r>
+              <a:rPr lang="en-GB" b="1" dirty="0" err="1"/>
+              <a:t>RockTest</a:t>
+            </a:r>
+            <a:r>
+              <a:rPr lang="en-GB" b="1" dirty="0"/>
+              <a:t> is yours ! Contribute, make Pull Requests </a:t>
+            </a:r>
+            <a:r>
+              <a:rPr lang="en-GB" b="1" dirty="0">
+                <a:sym typeface="Wingdings" panose="05000000000000000000" pitchFamily="2" charset="2"/>
+              </a:rPr>
+              <a:t></a:t>
+            </a:r>
+            <a:endParaRPr lang="en-GB" dirty="0"/>
+          </a:p>
+        </p:txBody>
+      </p:sp>
       <p:pic>
         <p:nvPicPr>
           <p:cNvPr id="5" name="Image 4">
@@ -26763,7 +29347,7 @@
           <p:nvPr/>
         </p:nvPicPr>
         <p:blipFill>
-          <a:blip r:embed="rId2" cstate="print">
+          <a:blip r:embed="rId3" cstate="print">
             <a:extLst>
               <a:ext uri="{28A0092B-C50C-407E-A947-70E740481C1C}">
                 <a14:useLocalDpi xmlns:a14="http://schemas.microsoft.com/office/drawing/2010/main" val="0"/>
@@ -26784,12 +29368,192 @@
           </a:prstGeom>
         </p:spPr>
       </p:pic>
-      <p:sp>
-        <p:nvSpPr>
-          <p:cNvPr id="15" name="Date Placeholder 2">
+      <p:pic>
+        <p:nvPicPr>
+          <p:cNvPr id="7" name="Image 6">
             <a:extLst>
               <a:ext uri="{FF2B5EF4-FFF2-40B4-BE49-F238E27FC236}">
-                <a16:creationId xmlns:a16="http://schemas.microsoft.com/office/drawing/2014/main" id="{B1050EBA-35A2-4E8B-ADF9-8BAAA286BC85}"/>
+                <a16:creationId xmlns:a16="http://schemas.microsoft.com/office/drawing/2014/main" id="{A390817A-5FAA-40AD-8430-34E0A4A393D7}"/>
+              </a:ext>
+            </a:extLst>
+          </p:cNvPr>
+          <p:cNvPicPr>
+            <a:picLocks noChangeAspect="1"/>
+          </p:cNvPicPr>
+          <p:nvPr/>
+        </p:nvPicPr>
+        <p:blipFill>
+          <a:blip r:embed="rId4"/>
+          <a:stretch>
+            <a:fillRect/>
+          </a:stretch>
+        </p:blipFill>
+        <p:spPr>
+          <a:xfrm>
+            <a:off x="635827" y="2113798"/>
+            <a:ext cx="748895" cy="342167"/>
+          </a:xfrm>
+          <a:prstGeom prst="rect">
+            <a:avLst/>
+          </a:prstGeom>
+        </p:spPr>
+      </p:pic>
+      <p:pic>
+        <p:nvPicPr>
+          <p:cNvPr id="11" name="Image 10" descr="Une image contenant texte&#10;&#10;Description générée automatiquement">
+            <a:extLst>
+              <a:ext uri="{FF2B5EF4-FFF2-40B4-BE49-F238E27FC236}">
+                <a16:creationId xmlns:a16="http://schemas.microsoft.com/office/drawing/2014/main" id="{F7CF25AC-4BF3-4518-AB13-1850F0B0575D}"/>
+              </a:ext>
+            </a:extLst>
+          </p:cNvPr>
+          <p:cNvPicPr>
+            <a:picLocks noChangeAspect="1"/>
+          </p:cNvPicPr>
+          <p:nvPr/>
+        </p:nvPicPr>
+        <p:blipFill>
+          <a:blip r:embed="rId5" cstate="print">
+            <a:extLst>
+              <a:ext uri="{28A0092B-C50C-407E-A947-70E740481C1C}">
+                <a14:useLocalDpi xmlns:a14="http://schemas.microsoft.com/office/drawing/2010/main" val="0"/>
+              </a:ext>
+            </a:extLst>
+          </a:blip>
+          <a:stretch>
+            <a:fillRect/>
+          </a:stretch>
+        </p:blipFill>
+        <p:spPr>
+          <a:xfrm>
+            <a:off x="585892" y="2690623"/>
+            <a:ext cx="848763" cy="243987"/>
+          </a:xfrm>
+          <a:prstGeom prst="rect">
+            <a:avLst/>
+          </a:prstGeom>
+        </p:spPr>
+      </p:pic>
+      <p:pic>
+        <p:nvPicPr>
+          <p:cNvPr id="13" name="Graphique 12" descr="Conception Web">
+            <a:extLst>
+              <a:ext uri="{FF2B5EF4-FFF2-40B4-BE49-F238E27FC236}">
+                <a16:creationId xmlns:a16="http://schemas.microsoft.com/office/drawing/2014/main" id="{5CE57256-4F3C-455F-936E-9BD09C53DB48}"/>
+              </a:ext>
+            </a:extLst>
+          </p:cNvPr>
+          <p:cNvPicPr>
+            <a:picLocks noChangeAspect="1"/>
+          </p:cNvPicPr>
+          <p:nvPr/>
+        </p:nvPicPr>
+        <p:blipFill>
+          <a:blip r:embed="rId6" cstate="print">
+            <a:extLst>
+              <a:ext uri="{28A0092B-C50C-407E-A947-70E740481C1C}">
+                <a14:useLocalDpi xmlns:a14="http://schemas.microsoft.com/office/drawing/2010/main" val="0"/>
+              </a:ext>
+              <a:ext uri="{96DAC541-7B7A-43D3-8B79-37D633B846F1}">
+                <asvg:svgBlip xmlns:asvg="http://schemas.microsoft.com/office/drawing/2016/SVG/main" r:embed="rId7"/>
+              </a:ext>
+            </a:extLst>
+          </a:blip>
+          <a:stretch>
+            <a:fillRect/>
+          </a:stretch>
+        </p:blipFill>
+        <p:spPr>
+          <a:xfrm>
+            <a:off x="877581" y="3119170"/>
+            <a:ext cx="334108" cy="334108"/>
+          </a:xfrm>
+          <a:prstGeom prst="rect">
+            <a:avLst/>
+          </a:prstGeom>
+        </p:spPr>
+      </p:pic>
+      <p:pic>
+        <p:nvPicPr>
+          <p:cNvPr id="14" name="Image 13">
+            <a:extLst>
+              <a:ext uri="{FF2B5EF4-FFF2-40B4-BE49-F238E27FC236}">
+                <a16:creationId xmlns:a16="http://schemas.microsoft.com/office/drawing/2014/main" id="{2E4A018D-89A4-4B3C-8421-E6CE24F62214}"/>
+              </a:ext>
+            </a:extLst>
+          </p:cNvPr>
+          <p:cNvPicPr>
+            <a:picLocks noChangeAspect="1"/>
+          </p:cNvPicPr>
+          <p:nvPr/>
+        </p:nvPicPr>
+        <p:blipFill>
+          <a:blip r:embed="rId8" cstate="print">
+            <a:extLst>
+              <a:ext uri="{28A0092B-C50C-407E-A947-70E740481C1C}">
+                <a14:useLocalDpi xmlns:a14="http://schemas.microsoft.com/office/drawing/2010/main" val="0"/>
+              </a:ext>
+            </a:extLst>
+          </a:blip>
+          <a:stretch>
+            <a:fillRect/>
+          </a:stretch>
+        </p:blipFill>
+        <p:spPr>
+          <a:xfrm>
+            <a:off x="467685" y="3674019"/>
+            <a:ext cx="1042066" cy="252605"/>
+          </a:xfrm>
+          <a:prstGeom prst="rect">
+            <a:avLst/>
+          </a:prstGeom>
+        </p:spPr>
+      </p:pic>
+      <p:pic>
+        <p:nvPicPr>
+          <p:cNvPr id="16" name="Graphique 15" descr="Avis des clients (droite à gauche)">
+            <a:extLst>
+              <a:ext uri="{FF2B5EF4-FFF2-40B4-BE49-F238E27FC236}">
+                <a16:creationId xmlns:a16="http://schemas.microsoft.com/office/drawing/2014/main" id="{EE3F1EA1-85BC-4711-8D43-D50C9EACB905}"/>
+              </a:ext>
+            </a:extLst>
+          </p:cNvPr>
+          <p:cNvPicPr>
+            <a:picLocks noChangeAspect="1"/>
+          </p:cNvPicPr>
+          <p:nvPr/>
+        </p:nvPicPr>
+        <p:blipFill>
+          <a:blip r:embed="rId9" cstate="print">
+            <a:extLst>
+              <a:ext uri="{28A0092B-C50C-407E-A947-70E740481C1C}">
+                <a14:useLocalDpi xmlns:a14="http://schemas.microsoft.com/office/drawing/2010/main" val="0"/>
+              </a:ext>
+              <a:ext uri="{96DAC541-7B7A-43D3-8B79-37D633B846F1}">
+                <asvg:svgBlip xmlns:asvg="http://schemas.microsoft.com/office/drawing/2016/SVG/main" r:embed="rId10"/>
+              </a:ext>
+            </a:extLst>
+          </a:blip>
+          <a:stretch>
+            <a:fillRect/>
+          </a:stretch>
+        </p:blipFill>
+        <p:spPr>
+          <a:xfrm>
+            <a:off x="844172" y="4666033"/>
+            <a:ext cx="378069" cy="378069"/>
+          </a:xfrm>
+          <a:prstGeom prst="rect">
+            <a:avLst/>
+          </a:prstGeom>
+        </p:spPr>
+      </p:pic>
+      <p:sp>
+        <p:nvSpPr>
+          <p:cNvPr id="17" name="Date Placeholder 2">
+            <a:extLst>
+              <a:ext uri="{FF2B5EF4-FFF2-40B4-BE49-F238E27FC236}">
+                <a16:creationId xmlns:a16="http://schemas.microsoft.com/office/drawing/2014/main" id="{F6B257F5-3CB9-4A3E-A45A-39403BCB40B5}"/>
               </a:ext>
             </a:extLst>
           </p:cNvPr>
@@ -26819,10 +29583,10 @@
       </p:sp>
       <p:sp>
         <p:nvSpPr>
-          <p:cNvPr id="18" name="Slide Number Placeholder 4">
+          <p:cNvPr id="19" name="Slide Number Placeholder 4">
             <a:extLst>
               <a:ext uri="{FF2B5EF4-FFF2-40B4-BE49-F238E27FC236}">
-                <a16:creationId xmlns:a16="http://schemas.microsoft.com/office/drawing/2014/main" id="{E5F763A8-958D-41F5-8BD5-BF29FE6ABEF3}"/>
+                <a16:creationId xmlns:a16="http://schemas.microsoft.com/office/drawing/2014/main" id="{498E0990-8535-46AC-B19F-1E264822DD9F}"/>
               </a:ext>
             </a:extLst>
           </p:cNvPr>
@@ -26854,93 +29618,65 @@
       </p:sp>
       <p:sp>
         <p:nvSpPr>
-          <p:cNvPr id="19" name="Text Placeholder 5">
+          <p:cNvPr id="20" name="Title 1">
             <a:extLst>
               <a:ext uri="{FF2B5EF4-FFF2-40B4-BE49-F238E27FC236}">
-                <a16:creationId xmlns:a16="http://schemas.microsoft.com/office/drawing/2014/main" id="{907C1012-FC73-4F22-9BE9-94B30BD79350}"/>
+                <a16:creationId xmlns:a16="http://schemas.microsoft.com/office/drawing/2014/main" id="{5F00FFCD-9B16-4F71-B7E6-31CF84302DDF}"/>
               </a:ext>
             </a:extLst>
           </p:cNvPr>
-          <p:cNvSpPr>
-            <a:spLocks noGrp="1"/>
+          <p:cNvSpPr txBox="1">
+            <a:spLocks/>
           </p:cNvSpPr>
-          <p:nvPr>
-            <p:ph idx="1"/>
-          </p:nvPr>
+          <p:nvPr/>
         </p:nvSpPr>
         <p:spPr>
           <a:xfrm>
-            <a:off x="656084" y="5143568"/>
-            <a:ext cx="2975139" cy="798957"/>
-          </a:xfrm>
-        </p:spPr>
-        <p:txBody>
-          <a:bodyPr>
-            <a:noAutofit/>
-          </a:bodyPr>
-          <a:lstStyle/>
-          <a:p>
-            <a:pPr marL="0" indent="0" algn="just">
-              <a:spcBef>
-                <a:spcPts val="1800"/>
-              </a:spcBef>
-              <a:buNone/>
-            </a:pPr>
-            <a:r>
-              <a:rPr lang="en-US" sz="4000" noProof="1"/>
-              <a:t>Questions ?    </a:t>
-            </a:r>
-            <a:endParaRPr lang="en-US" sz="2000" noProof="1"/>
-          </a:p>
-        </p:txBody>
-      </p:sp>
-      <p:sp>
-        <p:nvSpPr>
-          <p:cNvPr id="10" name="Rectangle 9">
-            <a:extLst>
-              <a:ext uri="{FF2B5EF4-FFF2-40B4-BE49-F238E27FC236}">
-                <a16:creationId xmlns:a16="http://schemas.microsoft.com/office/drawing/2014/main" id="{91CBBB4F-E0B1-4B43-8CDB-D7C12637A27C}"/>
-              </a:ext>
-            </a:extLst>
-          </p:cNvPr>
-          <p:cNvSpPr/>
-          <p:nvPr/>
-        </p:nvSpPr>
-        <p:spPr>
-          <a:xfrm>
-            <a:off x="3860540" y="5254437"/>
-            <a:ext cx="3562385" cy="369332"/>
+            <a:off x="467685" y="8518"/>
+            <a:ext cx="8536744" cy="1325563"/>
           </a:xfrm>
           <a:prstGeom prst="rect">
             <a:avLst/>
           </a:prstGeom>
         </p:spPr>
         <p:txBody>
-          <a:bodyPr wrap="none">
-            <a:spAutoFit/>
+          <a:bodyPr vert="horz" lIns="91440" tIns="45720" rIns="91440" bIns="45720" rtlCol="0" anchor="ctr">
+            <a:normAutofit/>
           </a:bodyPr>
-          <a:lstStyle/>
-          <a:p>
-            <a:r>
-              <a:rPr lang="en-US" noProof="1"/>
-              <a:t>(speak slowly please, or use chat </a:t>
-            </a:r>
-            <a:r>
-              <a:rPr lang="en-US" noProof="1">
-                <a:sym typeface="Wingdings" panose="05000000000000000000" pitchFamily="2" charset="2"/>
-              </a:rPr>
-              <a:t>)</a:t>
-            </a:r>
-            <a:endParaRPr lang="en-GB" dirty="0"/>
-          </a:p>
-        </p:txBody>
-      </p:sp>
-      <p:sp>
-        <p:nvSpPr>
-          <p:cNvPr id="20" name="Footer Placeholder 3">
+          <a:lstStyle>
+            <a:lvl1pPr algn="r" defTabSz="914400" rtl="0" eaLnBrk="1" latinLnBrk="0" hangingPunct="1">
+              <a:lnSpc>
+                <a:spcPct val="90000"/>
+              </a:lnSpc>
+              <a:spcBef>
+                <a:spcPct val="0"/>
+              </a:spcBef>
+              <a:buNone/>
+              <a:defRPr sz="4400" b="1" kern="1200" cap="all" baseline="0">
+                <a:solidFill>
+                  <a:schemeClr val="tx1"/>
+                </a:solidFill>
+                <a:latin typeface="+mn-lt"/>
+                <a:ea typeface="+mj-ea"/>
+                <a:cs typeface="+mj-cs"/>
+              </a:defRPr>
+            </a:lvl1pPr>
+          </a:lstStyle>
+          <a:p>
+            <a:pPr algn="l"/>
+            <a:r>
+              <a:rPr lang="en-US" sz="5400" dirty="0"/>
+              <a:t>And now ?</a:t>
+            </a:r>
+          </a:p>
+        </p:txBody>
+      </p:sp>
+      <p:sp>
+        <p:nvSpPr>
+          <p:cNvPr id="21" name="Footer Placeholder 3">
             <a:extLst>
               <a:ext uri="{FF2B5EF4-FFF2-40B4-BE49-F238E27FC236}">
-                <a16:creationId xmlns:a16="http://schemas.microsoft.com/office/drawing/2014/main" id="{572B2139-A80B-4276-9A2C-5393A946BE2F}"/>
+                <a16:creationId xmlns:a16="http://schemas.microsoft.com/office/drawing/2014/main" id="{9C83C78C-DFB4-41BB-8BCA-37AA15CEEF84}"/>
               </a:ext>
             </a:extLst>
           </p:cNvPr>
@@ -26970,10 +29706,10 @@
       </p:sp>
       <p:pic>
         <p:nvPicPr>
-          <p:cNvPr id="22" name="Image 21">
+          <p:cNvPr id="4" name="Graphique 3" descr="Engrenages">
             <a:extLst>
               <a:ext uri="{FF2B5EF4-FFF2-40B4-BE49-F238E27FC236}">
-                <a16:creationId xmlns:a16="http://schemas.microsoft.com/office/drawing/2014/main" id="{B35D6AC0-1218-4B37-AF76-67973838A661}"/>
+                <a16:creationId xmlns:a16="http://schemas.microsoft.com/office/drawing/2014/main" id="{6F9B60AC-26AE-45B4-A4F3-17D2BEC93E5B}"/>
               </a:ext>
             </a:extLst>
           </p:cNvPr>
@@ -26983,10 +29719,13 @@
           <p:nvPr/>
         </p:nvPicPr>
         <p:blipFill>
-          <a:blip r:embed="rId3">
+          <a:blip r:embed="rId11" cstate="print">
             <a:extLst>
               <a:ext uri="{28A0092B-C50C-407E-A947-70E740481C1C}">
                 <a14:useLocalDpi xmlns:a14="http://schemas.microsoft.com/office/drawing/2010/main" val="0"/>
+              </a:ext>
+              <a:ext uri="{96DAC541-7B7A-43D3-8B79-37D633B846F1}">
+                <asvg:svgBlip xmlns:asvg="http://schemas.microsoft.com/office/drawing/2016/SVG/main" r:embed="rId12"/>
               </a:ext>
             </a:extLst>
           </a:blip>
@@ -26996,8 +29735,8 @@
         </p:blipFill>
         <p:spPr>
           <a:xfrm>
-            <a:off x="0" y="1418897"/>
-            <a:ext cx="10772773" cy="3361499"/>
+            <a:off x="867029" y="4169892"/>
+            <a:ext cx="311249" cy="311249"/>
           </a:xfrm>
           <a:prstGeom prst="rect">
             <a:avLst/>
@@ -27007,7 +29746,7 @@
     </p:spTree>
     <p:extLst>
       <p:ext uri="{BB962C8B-B14F-4D97-AF65-F5344CB8AC3E}">
-        <p14:creationId xmlns:p14="http://schemas.microsoft.com/office/powerpoint/2010/main" val="2497032605"/>
+        <p14:creationId xmlns:p14="http://schemas.microsoft.com/office/powerpoint/2010/main" val="3144573054"/>
       </p:ext>
     </p:extLst>
   </p:cSld>
@@ -27039,6 +29778,295 @@
       </p:grpSpPr>
       <p:pic>
         <p:nvPicPr>
+          <p:cNvPr id="5" name="Image 4">
+            <a:extLst>
+              <a:ext uri="{FF2B5EF4-FFF2-40B4-BE49-F238E27FC236}">
+                <a16:creationId xmlns:a16="http://schemas.microsoft.com/office/drawing/2014/main" id="{8E2E7C1F-4B88-4136-8455-49ACED568614}"/>
+              </a:ext>
+            </a:extLst>
+          </p:cNvPr>
+          <p:cNvPicPr>
+            <a:picLocks noChangeAspect="1"/>
+          </p:cNvPicPr>
+          <p:nvPr/>
+        </p:nvPicPr>
+        <p:blipFill>
+          <a:blip r:embed="rId2" cstate="print">
+            <a:extLst>
+              <a:ext uri="{28A0092B-C50C-407E-A947-70E740481C1C}">
+                <a14:useLocalDpi xmlns:a14="http://schemas.microsoft.com/office/drawing/2010/main" val="0"/>
+              </a:ext>
+            </a:extLst>
+          </a:blip>
+          <a:stretch>
+            <a:fillRect/>
+          </a:stretch>
+        </p:blipFill>
+        <p:spPr>
+          <a:xfrm>
+            <a:off x="10773105" y="1"/>
+            <a:ext cx="1418896" cy="1418896"/>
+          </a:xfrm>
+          <a:prstGeom prst="rect">
+            <a:avLst/>
+          </a:prstGeom>
+        </p:spPr>
+      </p:pic>
+      <p:sp>
+        <p:nvSpPr>
+          <p:cNvPr id="15" name="Date Placeholder 2">
+            <a:extLst>
+              <a:ext uri="{FF2B5EF4-FFF2-40B4-BE49-F238E27FC236}">
+                <a16:creationId xmlns:a16="http://schemas.microsoft.com/office/drawing/2014/main" id="{B1050EBA-35A2-4E8B-ADF9-8BAAA286BC85}"/>
+              </a:ext>
+            </a:extLst>
+          </p:cNvPr>
+          <p:cNvSpPr>
+            <a:spLocks noGrp="1"/>
+          </p:cNvSpPr>
+          <p:nvPr>
+            <p:ph type="dt" sz="half" idx="10"/>
+          </p:nvPr>
+        </p:nvSpPr>
+        <p:spPr>
+          <a:xfrm>
+            <a:off x="844172" y="6303406"/>
+            <a:ext cx="1676400" cy="365125"/>
+          </a:xfrm>
+        </p:spPr>
+        <p:txBody>
+          <a:bodyPr/>
+          <a:lstStyle/>
+          <a:p>
+            <a:r>
+              <a:rPr lang="en-US" dirty="0"/>
+              <a:t>03/19/2021</a:t>
+            </a:r>
+          </a:p>
+        </p:txBody>
+      </p:sp>
+      <p:sp>
+        <p:nvSpPr>
+          <p:cNvPr id="18" name="Slide Number Placeholder 4">
+            <a:extLst>
+              <a:ext uri="{FF2B5EF4-FFF2-40B4-BE49-F238E27FC236}">
+                <a16:creationId xmlns:a16="http://schemas.microsoft.com/office/drawing/2014/main" id="{E5F763A8-958D-41F5-8BD5-BF29FE6ABEF3}"/>
+              </a:ext>
+            </a:extLst>
+          </p:cNvPr>
+          <p:cNvSpPr>
+            <a:spLocks noGrp="1"/>
+          </p:cNvSpPr>
+          <p:nvPr>
+            <p:ph type="sldNum" sz="quarter" idx="12"/>
+          </p:nvPr>
+        </p:nvSpPr>
+        <p:spPr>
+          <a:xfrm>
+            <a:off x="8847516" y="6303406"/>
+            <a:ext cx="2743200" cy="365125"/>
+          </a:xfrm>
+        </p:spPr>
+        <p:txBody>
+          <a:bodyPr/>
+          <a:lstStyle/>
+          <a:p>
+            <a:fld id="{1C0DB9A4-7C00-41BB-B303-4E91C20728DD}" type="slidenum">
+              <a:rPr lang="en-US" smtClean="0"/>
+              <a:pPr/>
+              <a:t>16</a:t>
+            </a:fld>
+            <a:endParaRPr lang="en-US"/>
+          </a:p>
+        </p:txBody>
+      </p:sp>
+      <p:sp>
+        <p:nvSpPr>
+          <p:cNvPr id="19" name="Text Placeholder 5">
+            <a:extLst>
+              <a:ext uri="{FF2B5EF4-FFF2-40B4-BE49-F238E27FC236}">
+                <a16:creationId xmlns:a16="http://schemas.microsoft.com/office/drawing/2014/main" id="{907C1012-FC73-4F22-9BE9-94B30BD79350}"/>
+              </a:ext>
+            </a:extLst>
+          </p:cNvPr>
+          <p:cNvSpPr>
+            <a:spLocks noGrp="1"/>
+          </p:cNvSpPr>
+          <p:nvPr>
+            <p:ph idx="1"/>
+          </p:nvPr>
+        </p:nvSpPr>
+        <p:spPr>
+          <a:xfrm>
+            <a:off x="656084" y="5143568"/>
+            <a:ext cx="2975139" cy="798957"/>
+          </a:xfrm>
+        </p:spPr>
+        <p:txBody>
+          <a:bodyPr>
+            <a:noAutofit/>
+          </a:bodyPr>
+          <a:lstStyle/>
+          <a:p>
+            <a:pPr marL="0" indent="0" algn="just">
+              <a:spcBef>
+                <a:spcPts val="1800"/>
+              </a:spcBef>
+              <a:buNone/>
+            </a:pPr>
+            <a:r>
+              <a:rPr lang="en-US" sz="4000" noProof="1"/>
+              <a:t>Questions ?    </a:t>
+            </a:r>
+            <a:endParaRPr lang="en-US" sz="2000" noProof="1"/>
+          </a:p>
+        </p:txBody>
+      </p:sp>
+      <p:sp>
+        <p:nvSpPr>
+          <p:cNvPr id="10" name="Rectangle 9">
+            <a:extLst>
+              <a:ext uri="{FF2B5EF4-FFF2-40B4-BE49-F238E27FC236}">
+                <a16:creationId xmlns:a16="http://schemas.microsoft.com/office/drawing/2014/main" id="{91CBBB4F-E0B1-4B43-8CDB-D7C12637A27C}"/>
+              </a:ext>
+            </a:extLst>
+          </p:cNvPr>
+          <p:cNvSpPr/>
+          <p:nvPr/>
+        </p:nvSpPr>
+        <p:spPr>
+          <a:xfrm>
+            <a:off x="3860540" y="5254437"/>
+            <a:ext cx="3562385" cy="369332"/>
+          </a:xfrm>
+          <a:prstGeom prst="rect">
+            <a:avLst/>
+          </a:prstGeom>
+        </p:spPr>
+        <p:txBody>
+          <a:bodyPr wrap="none">
+            <a:spAutoFit/>
+          </a:bodyPr>
+          <a:lstStyle/>
+          <a:p>
+            <a:r>
+              <a:rPr lang="en-US" noProof="1"/>
+              <a:t>(speak slowly please, or use chat </a:t>
+            </a:r>
+            <a:r>
+              <a:rPr lang="en-US" noProof="1">
+                <a:sym typeface="Wingdings" panose="05000000000000000000" pitchFamily="2" charset="2"/>
+              </a:rPr>
+              <a:t>)</a:t>
+            </a:r>
+            <a:endParaRPr lang="en-GB" dirty="0"/>
+          </a:p>
+        </p:txBody>
+      </p:sp>
+      <p:sp>
+        <p:nvSpPr>
+          <p:cNvPr id="20" name="Footer Placeholder 3">
+            <a:extLst>
+              <a:ext uri="{FF2B5EF4-FFF2-40B4-BE49-F238E27FC236}">
+                <a16:creationId xmlns:a16="http://schemas.microsoft.com/office/drawing/2014/main" id="{572B2139-A80B-4276-9A2C-5393A946BE2F}"/>
+              </a:ext>
+            </a:extLst>
+          </p:cNvPr>
+          <p:cNvSpPr>
+            <a:spLocks noGrp="1"/>
+          </p:cNvSpPr>
+          <p:nvPr>
+            <p:ph type="ftr" sz="quarter" idx="11"/>
+          </p:nvPr>
+        </p:nvSpPr>
+        <p:spPr>
+          <a:xfrm>
+            <a:off x="1786758" y="6303406"/>
+            <a:ext cx="8986015" cy="365125"/>
+          </a:xfrm>
+        </p:spPr>
+        <p:txBody>
+          <a:bodyPr/>
+          <a:lstStyle/>
+          <a:p>
+            <a:r>
+              <a:rPr lang="en-US" b="1" dirty="0"/>
+              <a:t>https://github.com/rockintest/rocktest</a:t>
+            </a:r>
+          </a:p>
+        </p:txBody>
+      </p:sp>
+      <p:pic>
+        <p:nvPicPr>
+          <p:cNvPr id="22" name="Image 21">
+            <a:extLst>
+              <a:ext uri="{FF2B5EF4-FFF2-40B4-BE49-F238E27FC236}">
+                <a16:creationId xmlns:a16="http://schemas.microsoft.com/office/drawing/2014/main" id="{B35D6AC0-1218-4B37-AF76-67973838A661}"/>
+              </a:ext>
+            </a:extLst>
+          </p:cNvPr>
+          <p:cNvPicPr>
+            <a:picLocks noChangeAspect="1"/>
+          </p:cNvPicPr>
+          <p:nvPr/>
+        </p:nvPicPr>
+        <p:blipFill>
+          <a:blip r:embed="rId3">
+            <a:extLst>
+              <a:ext uri="{28A0092B-C50C-407E-A947-70E740481C1C}">
+                <a14:useLocalDpi xmlns:a14="http://schemas.microsoft.com/office/drawing/2010/main" val="0"/>
+              </a:ext>
+            </a:extLst>
+          </a:blip>
+          <a:stretch>
+            <a:fillRect/>
+          </a:stretch>
+        </p:blipFill>
+        <p:spPr>
+          <a:xfrm>
+            <a:off x="0" y="1418897"/>
+            <a:ext cx="10772773" cy="3361499"/>
+          </a:xfrm>
+          <a:prstGeom prst="rect">
+            <a:avLst/>
+          </a:prstGeom>
+        </p:spPr>
+      </p:pic>
+    </p:spTree>
+    <p:extLst>
+      <p:ext uri="{BB962C8B-B14F-4D97-AF65-F5344CB8AC3E}">
+        <p14:creationId xmlns:p14="http://schemas.microsoft.com/office/powerpoint/2010/main" val="2497032605"/>
+      </p:ext>
+    </p:extLst>
+  </p:cSld>
+  <p:clrMapOvr>
+    <a:masterClrMapping/>
+  </p:clrMapOvr>
+  <p:transition spd="slow">
+    <p:wipe/>
+  </p:transition>
+</p:sld>
+</file>
+
+<file path=ppt/slides/slide17.xml><?xml version="1.0" encoding="utf-8"?>
+<p:sld xmlns:a="http://schemas.openxmlformats.org/drawingml/2006/main" xmlns:r="http://schemas.openxmlformats.org/officeDocument/2006/relationships" xmlns:p="http://schemas.openxmlformats.org/presentationml/2006/main">
+  <p:cSld>
+    <p:spTree>
+      <p:nvGrpSpPr>
+        <p:cNvPr id="1" name=""/>
+        <p:cNvGrpSpPr/>
+        <p:nvPr/>
+      </p:nvGrpSpPr>
+      <p:grpSpPr>
+        <a:xfrm>
+          <a:off x="0" y="0"/>
+          <a:ext cx="0" cy="0"/>
+          <a:chOff x="0" y="0"/>
+          <a:chExt cx="0" cy="0"/>
+        </a:xfrm>
+      </p:grpSpPr>
+      <p:pic>
+        <p:nvPicPr>
           <p:cNvPr id="4" name="Image 3">
             <a:extLst>
               <a:ext uri="{FF2B5EF4-FFF2-40B4-BE49-F238E27FC236}">
@@ -27436,7 +30464,7 @@
                 <a:ea typeface="Verdana"/>
                 <a:cs typeface="Verdana"/>
               </a:rPr>
-              <a:t>AFKLM – 05/07/21</a:t>
+              <a:t>Testing &amp; Automation – 17/06/2021</a:t>
             </a:r>
             <a:endParaRPr lang="pt-BR" sz="2160" b="1" dirty="0">
               <a:latin typeface="Verdana" panose="020B0604030504040204" pitchFamily="34" charset="0"/>
@@ -30216,7 +33244,7 @@
         </p:nvSpPr>
         <p:spPr>
           <a:xfrm>
-            <a:off x="3672022" y="1222751"/>
+            <a:off x="3724077" y="1612293"/>
             <a:ext cx="6809095" cy="5375929"/>
           </a:xfrm>
         </p:spPr>
@@ -30302,7 +33330,7 @@
             </a:r>
             <a:r>
               <a:rPr lang="en-US" sz="2800" noProof="1"/>
-              <a:t> Online demo (Katakoda)</a:t>
+              <a:t> Stories</a:t>
             </a:r>
           </a:p>
           <a:p>
@@ -30322,7 +33350,7 @@
             </a:r>
             <a:r>
               <a:rPr lang="en-US" sz="2800" noProof="1"/>
-              <a:t> Stories</a:t>
+              <a:t> Roadmap</a:t>
             </a:r>
           </a:p>
           <a:p>
@@ -30339,26 +33367,6 @@
                 </a:solidFill>
               </a:rPr>
               <a:t>6.</a:t>
-            </a:r>
-            <a:r>
-              <a:rPr lang="en-US" sz="2800" noProof="1"/>
-              <a:t> Roadmap</a:t>
-            </a:r>
-          </a:p>
-          <a:p>
-            <a:pPr marL="0" indent="0" algn="just">
-              <a:spcBef>
-                <a:spcPts val="1800"/>
-              </a:spcBef>
-              <a:buNone/>
-            </a:pPr>
-            <a:r>
-              <a:rPr lang="en-US" sz="3600" b="1" noProof="1">
-                <a:solidFill>
-                  <a:srgbClr val="C00000"/>
-                </a:solidFill>
-              </a:rPr>
-              <a:t>7.</a:t>
             </a:r>
             <a:r>
               <a:rPr lang="en-US" sz="2800" noProof="1"/>
@@ -34928,6 +37936,71 @@
           </a:prstGeom>
         </p:spPr>
       </p:pic>
+      <p:sp>
+        <p:nvSpPr>
+          <p:cNvPr id="2" name="ZoneTexte 1">
+            <a:extLst>
+              <a:ext uri="{FF2B5EF4-FFF2-40B4-BE49-F238E27FC236}">
+                <a16:creationId xmlns:a16="http://schemas.microsoft.com/office/drawing/2014/main" id="{C0FB0747-E08C-4D37-90E6-4A8490AEC16F}"/>
+              </a:ext>
+            </a:extLst>
+          </p:cNvPr>
+          <p:cNvSpPr txBox="1"/>
+          <p:nvPr/>
+        </p:nvSpPr>
+        <p:spPr>
+          <a:xfrm>
+            <a:off x="7282656" y="5864213"/>
+            <a:ext cx="858761" cy="307777"/>
+          </a:xfrm>
+          <a:prstGeom prst="rect">
+            <a:avLst/>
+          </a:prstGeom>
+          <a:noFill/>
+        </p:spPr>
+        <p:txBody>
+          <a:bodyPr wrap="none" rtlCol="0">
+            <a:spAutoFit/>
+          </a:bodyPr>
+          <a:lstStyle/>
+          <a:p>
+            <a:r>
+              <a:rPr lang="fr-FR" sz="1400" dirty="0"/>
+              <a:t>Pictures :</a:t>
+            </a:r>
+          </a:p>
+        </p:txBody>
+      </p:sp>
+      <p:pic>
+        <p:nvPicPr>
+          <p:cNvPr id="6" name="Image 5">
+            <a:extLst>
+              <a:ext uri="{FF2B5EF4-FFF2-40B4-BE49-F238E27FC236}">
+                <a16:creationId xmlns:a16="http://schemas.microsoft.com/office/drawing/2014/main" id="{E3AEF1FE-95A8-4D61-BABF-53662162F1DA}"/>
+              </a:ext>
+            </a:extLst>
+          </p:cNvPr>
+          <p:cNvPicPr>
+            <a:picLocks noChangeAspect="1"/>
+          </p:cNvPicPr>
+          <p:nvPr/>
+        </p:nvPicPr>
+        <p:blipFill>
+          <a:blip r:embed="rId8"/>
+          <a:stretch>
+            <a:fillRect/>
+          </a:stretch>
+        </p:blipFill>
+        <p:spPr>
+          <a:xfrm>
+            <a:off x="8141417" y="5950478"/>
+            <a:ext cx="1285875" cy="161925"/>
+          </a:xfrm>
+          <a:prstGeom prst="rect">
+            <a:avLst/>
+          </a:prstGeom>
+        </p:spPr>
+      </p:pic>
     </p:spTree>
     <p:extLst>
       <p:ext uri="{BB962C8B-B14F-4D97-AF65-F5344CB8AC3E}">
@@ -35298,12 +38371,12 @@
         <p:spPr>
           <a:xfrm>
             <a:off x="3742196" y="1115820"/>
-            <a:ext cx="3498821" cy="2103339"/>
+            <a:ext cx="3498821" cy="1117561"/>
           </a:xfrm>
           <a:prstGeom prst="wedgeRoundRectCallout">
             <a:avLst>
-              <a:gd name="adj1" fmla="val -77515"/>
-              <a:gd name="adj2" fmla="val 16168"/>
+              <a:gd name="adj1" fmla="val -78639"/>
+              <a:gd name="adj2" fmla="val 57518"/>
               <a:gd name="adj3" fmla="val 16667"/>
             </a:avLst>
           </a:prstGeom>
@@ -35364,15 +38437,7 @@
             </a:r>
             <a:r>
               <a:rPr lang="en-GB" dirty="0"/>
-              <a:t> backend, and use it to develop ! Remember to use the proxy feature of </a:t>
-            </a:r>
-            <a:r>
-              <a:rPr lang="en-GB" dirty="0" err="1"/>
-              <a:t>WebPack</a:t>
-            </a:r>
-            <a:r>
-              <a:rPr lang="en-GB" dirty="0"/>
-              <a:t>.</a:t>
+              <a:t> backend, and use it to develop ! </a:t>
             </a:r>
           </a:p>
         </p:txBody>
@@ -35404,7 +38469,7 @@
           </a:stretch>
         </p:blipFill>
         <p:spPr>
-          <a:xfrm>
+          <a:xfrm rot="21381883">
             <a:off x="-101409" y="1129663"/>
             <a:ext cx="1731698" cy="2275424"/>
           </a:xfrm>
@@ -35428,7 +38493,7 @@
           <p:nvPr/>
         </p:nvPicPr>
         <p:blipFill>
-          <a:blip r:embed="rId7">
+          <a:blip r:embed="rId7" cstate="print">
             <a:extLst>
               <a:ext uri="{28A0092B-C50C-407E-A947-70E740481C1C}">
                 <a14:useLocalDpi xmlns:a14="http://schemas.microsoft.com/office/drawing/2010/main" val="0"/>
@@ -35441,7 +38506,7 @@
         </p:blipFill>
         <p:spPr>
           <a:xfrm rot="21076225">
-            <a:off x="1259862" y="2321631"/>
+            <a:off x="1334580" y="2239492"/>
             <a:ext cx="1426467" cy="633985"/>
           </a:xfrm>
           <a:prstGeom prst="rect">
@@ -37471,15 +40536,6 @@
 </file>
 
 <file path=customXml/item1.xml><?xml version="1.0" encoding="utf-8"?>
-<?mso-contentType ?>
-<FormTemplates xmlns="http://schemas.microsoft.com/sharepoint/v3/contenttype/forms">
-  <Display>DocumentLibraryForm</Display>
-  <Edit>DocumentLibraryForm</Edit>
-  <New>DocumentLibraryForm</New>
-</FormTemplates>
-</file>
-
-<file path=customXml/item2.xml><?xml version="1.0" encoding="utf-8"?>
 <ct:contentTypeSchema xmlns:ct="http://schemas.microsoft.com/office/2006/metadata/contentType" xmlns:ma="http://schemas.microsoft.com/office/2006/metadata/properties/metaAttributes" ct:_="" ma:_="" ma:contentTypeName="Document" ma:contentTypeID="0x010100C308B59B21B0BD4B9759AEDACFE89B58" ma:contentTypeVersion="10" ma:contentTypeDescription="Create a new document." ma:contentTypeScope="" ma:versionID="e9e816e3620119aa8137295ae87b1e99">
   <xsd:schema xmlns:xsd="http://www.w3.org/2001/XMLSchema" xmlns:xs="http://www.w3.org/2001/XMLSchema" xmlns:p="http://schemas.microsoft.com/office/2006/metadata/properties" xmlns:ns3="20eac82b-eba3-49a5-bdfa-84267f330a76" xmlns:ns4="62617339-f9ac-480d-bcf1-09d69282c3eb" targetNamespace="http://schemas.microsoft.com/office/2006/metadata/properties" ma:root="true" ma:fieldsID="d2589c7b2e6433d5f20e2aa5fe0f0108" ns3:_="" ns4:_="">
     <xsd:import namespace="20eac82b-eba3-49a5-bdfa-84267f330a76"/>
@@ -37682,6 +40738,15 @@
 </ct:contentTypeSchema>
 </file>
 
+<file path=customXml/item2.xml><?xml version="1.0" encoding="utf-8"?>
+<?mso-contentType ?>
+<FormTemplates xmlns="http://schemas.microsoft.com/sharepoint/v3/contenttype/forms">
+  <Display>DocumentLibraryForm</Display>
+  <Edit>DocumentLibraryForm</Edit>
+  <New>DocumentLibraryForm</New>
+</FormTemplates>
+</file>
+
 <file path=customXml/item3.xml><?xml version="1.0" encoding="utf-8"?>
 <p:properties xmlns:p="http://schemas.microsoft.com/office/2006/metadata/properties" xmlns:xsi="http://www.w3.org/2001/XMLSchema-instance" xmlns:pc="http://schemas.microsoft.com/office/infopath/2007/PartnerControls">
   <documentManagement/>
@@ -37689,14 +40754,6 @@
 </file>
 
 <file path=customXml/itemProps1.xml><?xml version="1.0" encoding="utf-8"?>
-<ds:datastoreItem xmlns:ds="http://schemas.openxmlformats.org/officeDocument/2006/customXml" ds:itemID="{32BE121D-B26E-4CBF-B405-E028CEC273B1}">
-  <ds:schemaRefs>
-    <ds:schemaRef ds:uri="http://schemas.microsoft.com/sharepoint/v3/contenttype/forms"/>
-  </ds:schemaRefs>
-</ds:datastoreItem>
-</file>
-
-<file path=customXml/itemProps2.xml><?xml version="1.0" encoding="utf-8"?>
 <ds:datastoreItem xmlns:ds="http://schemas.openxmlformats.org/officeDocument/2006/customXml" ds:itemID="{40214B19-F8A3-42FD-AD29-76759055FAA1}">
   <ds:schemaRefs>
     <ds:schemaRef ds:uri="http://schemas.microsoft.com/office/2006/metadata/contentType"/>
@@ -37711,6 +40768,14 @@
     <ds:schemaRef ds:uri="http://purl.org/dc/elements/1.1/"/>
     <ds:schemaRef ds:uri="http://purl.org/dc/terms/"/>
     <ds:schemaRef ds:uri="http://schemas.microsoft.com/internal/obd"/>
+  </ds:schemaRefs>
+</ds:datastoreItem>
+</file>
+
+<file path=customXml/itemProps2.xml><?xml version="1.0" encoding="utf-8"?>
+<ds:datastoreItem xmlns:ds="http://schemas.openxmlformats.org/officeDocument/2006/customXml" ds:itemID="{32BE121D-B26E-4CBF-B405-E028CEC273B1}">
+  <ds:schemaRefs>
+    <ds:schemaRef ds:uri="http://schemas.microsoft.com/sharepoint/v3/contenttype/forms"/>
   </ds:schemaRefs>
 </ds:datastoreItem>
 </file>

--- a/Rock TestV3.pptx
+++ b/Rock TestV3.pptx
@@ -1601,7 +1601,7 @@
           <a:p>
             <a:fld id="{BD163FA7-301C-4E65-B0E1-63045FA8C413}" type="datetimeFigureOut">
               <a:rPr lang="en-US" smtClean="0"/>
-              <a:t>6/16/2021</a:t>
+              <a:t>7/7/21</a:t>
             </a:fld>
             <a:endParaRPr lang="en-US"/>
           </a:p>
@@ -1778,7 +1778,7 @@
           <a:p>
             <a:fld id="{3389243F-B1BB-4202-BD78-416ACA555174}" type="datetimeFigureOut">
               <a:rPr lang="en-US" smtClean="0"/>
-              <a:t>6/16/2021</a:t>
+              <a:t>7/7/21</a:t>
             </a:fld>
             <a:endParaRPr lang="en-US"/>
           </a:p>
@@ -4474,9 +4474,29 @@
               <a:t>serveur</a:t>
             </a:r>
             <a:r>
-              <a:rPr lang="en-US" dirty="0"/>
-              <a:t> ESS</a:t>
-            </a:r>
+              <a:rPr lang="en-US"/>
+              <a:t> CRA</a:t>
+            </a:r>
+          </a:p>
+          <a:p>
+            <a:pPr marL="0" marR="0" indent="0" algn="l" defTabSz="914400" rtl="0" eaLnBrk="1" fontAlgn="auto" latinLnBrk="0" hangingPunct="1">
+              <a:lnSpc>
+                <a:spcPct val="100000"/>
+              </a:lnSpc>
+              <a:spcBef>
+                <a:spcPts val="0"/>
+              </a:spcBef>
+              <a:spcAft>
+                <a:spcPts val="0"/>
+              </a:spcAft>
+              <a:buClrTx/>
+              <a:buSzTx/>
+              <a:buFontTx/>
+              <a:buNone/>
+              <a:tabLst/>
+              <a:defRPr/>
+            </a:pPr>
+            <a:endParaRPr lang="en-US" dirty="0"/>
           </a:p>
           <a:p>
             <a:pPr marL="0" marR="0" indent="0" algn="l" defTabSz="914400" rtl="0" eaLnBrk="1" fontAlgn="auto" latinLnBrk="0" hangingPunct="1">
@@ -6319,7 +6339,7 @@
           <a:p>
             <a:fld id="{EE221790-50C4-4C8C-987E-FAC9B168C561}" type="datetimeFigureOut">
               <a:rPr lang="en-US" smtClean="0"/>
-              <a:t>6/16/2021</a:t>
+              <a:t>7/7/21</a:t>
             </a:fld>
             <a:endParaRPr lang="en-US"/>
           </a:p>
@@ -6719,7 +6739,7 @@
           <a:p>
             <a:fld id="{EE221790-50C4-4C8C-987E-FAC9B168C561}" type="datetimeFigureOut">
               <a:rPr lang="en-US" smtClean="0"/>
-              <a:t>6/16/2021</a:t>
+              <a:t>7/7/21</a:t>
             </a:fld>
             <a:endParaRPr lang="en-US"/>
           </a:p>
@@ -7012,7 +7032,7 @@
           <a:p>
             <a:fld id="{EE221790-50C4-4C8C-987E-FAC9B168C561}" type="datetimeFigureOut">
               <a:rPr lang="en-US" smtClean="0"/>
-              <a:t>6/16/2021</a:t>
+              <a:t>7/7/21</a:t>
             </a:fld>
             <a:endParaRPr lang="en-US"/>
           </a:p>
@@ -7212,7 +7232,7 @@
           <a:p>
             <a:fld id="{EE221790-50C4-4C8C-987E-FAC9B168C561}" type="datetimeFigureOut">
               <a:rPr lang="en-US" smtClean="0"/>
-              <a:t>6/16/2021</a:t>
+              <a:t>7/7/21</a:t>
             </a:fld>
             <a:endParaRPr lang="en-US"/>
           </a:p>
@@ -7422,7 +7442,7 @@
           <a:p>
             <a:fld id="{EE221790-50C4-4C8C-987E-FAC9B168C561}" type="datetimeFigureOut">
               <a:rPr lang="en-US" smtClean="0"/>
-              <a:t>6/16/2021</a:t>
+              <a:t>7/7/21</a:t>
             </a:fld>
             <a:endParaRPr lang="en-US"/>
           </a:p>
@@ -8926,7 +8946,7 @@
           <a:p>
             <a:fld id="{EE221790-50C4-4C8C-987E-FAC9B168C561}" type="datetimeFigureOut">
               <a:rPr lang="en-US" smtClean="0"/>
-              <a:t>6/16/2021</a:t>
+              <a:t>7/7/21</a:t>
             </a:fld>
             <a:endParaRPr lang="en-US"/>
           </a:p>
@@ -9275,7 +9295,7 @@
           <a:p>
             <a:fld id="{EE221790-50C4-4C8C-987E-FAC9B168C561}" type="datetimeFigureOut">
               <a:rPr lang="en-US" smtClean="0"/>
-              <a:t>6/16/2021</a:t>
+              <a:t>7/7/21</a:t>
             </a:fld>
             <a:endParaRPr lang="en-US"/>
           </a:p>
@@ -9595,7 +9615,7 @@
           <a:p>
             <a:fld id="{EE221790-50C4-4C8C-987E-FAC9B168C561}" type="datetimeFigureOut">
               <a:rPr lang="en-US" smtClean="0"/>
-              <a:t>6/16/2021</a:t>
+              <a:t>7/7/21</a:t>
             </a:fld>
             <a:endParaRPr lang="en-US"/>
           </a:p>
@@ -10657,7 +10677,7 @@
           <a:p>
             <a:fld id="{EE221790-50C4-4C8C-987E-FAC9B168C561}" type="datetimeFigureOut">
               <a:rPr lang="en-US" smtClean="0"/>
-              <a:t>6/16/2021</a:t>
+              <a:t>7/7/21</a:t>
             </a:fld>
             <a:endParaRPr lang="en-US"/>
           </a:p>
@@ -14862,7 +14882,7 @@
           <a:p>
             <a:fld id="{EE221790-50C4-4C8C-987E-FAC9B168C561}" type="datetimeFigureOut">
               <a:rPr lang="en-US" smtClean="0"/>
-              <a:t>6/16/2021</a:t>
+              <a:t>7/7/21</a:t>
             </a:fld>
             <a:endParaRPr lang="en-US"/>
           </a:p>
@@ -15342,7 +15362,7 @@
           <a:p>
             <a:fld id="{EE221790-50C4-4C8C-987E-FAC9B168C561}" type="datetimeFigureOut">
               <a:rPr lang="en-US" smtClean="0"/>
-              <a:t>6/16/2021</a:t>
+              <a:t>7/7/21</a:t>
             </a:fld>
             <a:endParaRPr lang="en-US"/>
           </a:p>
@@ -15691,7 +15711,7 @@
           <a:p>
             <a:fld id="{EE221790-50C4-4C8C-987E-FAC9B168C561}" type="datetimeFigureOut">
               <a:rPr lang="en-US" smtClean="0"/>
-              <a:t>6/16/2021</a:t>
+              <a:t>7/7/21</a:t>
             </a:fld>
             <a:endParaRPr lang="en-US"/>
           </a:p>
@@ -16011,7 +16031,7 @@
           <a:p>
             <a:fld id="{EE221790-50C4-4C8C-987E-FAC9B168C561}" type="datetimeFigureOut">
               <a:rPr lang="en-US" smtClean="0"/>
-              <a:t>6/16/2021</a:t>
+              <a:t>7/7/21</a:t>
             </a:fld>
             <a:endParaRPr lang="en-US"/>
           </a:p>
@@ -17834,7 +17854,7 @@
           <a:p>
             <a:fld id="{EE221790-50C4-4C8C-987E-FAC9B168C561}" type="datetimeFigureOut">
               <a:rPr lang="en-US" smtClean="0"/>
-              <a:t>6/16/2021</a:t>
+              <a:t>7/7/21</a:t>
             </a:fld>
             <a:endParaRPr lang="en-US"/>
           </a:p>
@@ -18137,7 +18157,7 @@
           <a:p>
             <a:fld id="{FB4BCF6F-0123-4404-BBD1-5E8578096437}" type="datetimeFigureOut">
               <a:rPr lang="pt-BR" smtClean="0"/>
-              <a:t>16/06/2021</a:t>
+              <a:t>07/07/2021</a:t>
             </a:fld>
             <a:endParaRPr lang="pt-BR"/>
           </a:p>
@@ -18307,7 +18327,7 @@
           <a:p>
             <a:fld id="{FB4BCF6F-0123-4404-BBD1-5E8578096437}" type="datetimeFigureOut">
               <a:rPr lang="pt-BR" smtClean="0"/>
-              <a:t>16/06/2021</a:t>
+              <a:t>07/07/2021</a:t>
             </a:fld>
             <a:endParaRPr lang="pt-BR"/>
           </a:p>
@@ -18553,7 +18573,7 @@
           <a:p>
             <a:fld id="{FB4BCF6F-0123-4404-BBD1-5E8578096437}" type="datetimeFigureOut">
               <a:rPr lang="pt-BR" smtClean="0"/>
-              <a:t>16/06/2021</a:t>
+              <a:t>07/07/2021</a:t>
             </a:fld>
             <a:endParaRPr lang="pt-BR"/>
           </a:p>
@@ -18841,7 +18861,7 @@
           <a:p>
             <a:fld id="{FB4BCF6F-0123-4404-BBD1-5E8578096437}" type="datetimeFigureOut">
               <a:rPr lang="pt-BR" smtClean="0"/>
-              <a:t>16/06/2021</a:t>
+              <a:t>07/07/2021</a:t>
             </a:fld>
             <a:endParaRPr lang="pt-BR"/>
           </a:p>
@@ -19268,7 +19288,7 @@
           <a:p>
             <a:fld id="{FB4BCF6F-0123-4404-BBD1-5E8578096437}" type="datetimeFigureOut">
               <a:rPr lang="pt-BR" smtClean="0"/>
-              <a:t>16/06/2021</a:t>
+              <a:t>07/07/2021</a:t>
             </a:fld>
             <a:endParaRPr lang="pt-BR"/>
           </a:p>
@@ -19386,7 +19406,7 @@
           <a:p>
             <a:fld id="{FB4BCF6F-0123-4404-BBD1-5E8578096437}" type="datetimeFigureOut">
               <a:rPr lang="pt-BR" smtClean="0"/>
-              <a:t>16/06/2021</a:t>
+              <a:t>07/07/2021</a:t>
             </a:fld>
             <a:endParaRPr lang="pt-BR"/>
           </a:p>
@@ -19481,7 +19501,7 @@
           <a:p>
             <a:fld id="{FB4BCF6F-0123-4404-BBD1-5E8578096437}" type="datetimeFigureOut">
               <a:rPr lang="pt-BR" smtClean="0"/>
-              <a:t>16/06/2021</a:t>
+              <a:t>07/07/2021</a:t>
             </a:fld>
             <a:endParaRPr lang="pt-BR"/>
           </a:p>
@@ -19758,7 +19778,7 @@
           <a:p>
             <a:fld id="{FB4BCF6F-0123-4404-BBD1-5E8578096437}" type="datetimeFigureOut">
               <a:rPr lang="pt-BR" smtClean="0"/>
-              <a:t>16/06/2021</a:t>
+              <a:t>07/07/2021</a:t>
             </a:fld>
             <a:endParaRPr lang="pt-BR"/>
           </a:p>
@@ -20011,7 +20031,7 @@
           <a:p>
             <a:fld id="{FB4BCF6F-0123-4404-BBD1-5E8578096437}" type="datetimeFigureOut">
               <a:rPr lang="pt-BR" smtClean="0"/>
-              <a:t>16/06/2021</a:t>
+              <a:t>07/07/2021</a:t>
             </a:fld>
             <a:endParaRPr lang="pt-BR"/>
           </a:p>
@@ -20181,7 +20201,7 @@
           <a:p>
             <a:fld id="{FB4BCF6F-0123-4404-BBD1-5E8578096437}" type="datetimeFigureOut">
               <a:rPr lang="pt-BR" smtClean="0"/>
-              <a:t>16/06/2021</a:t>
+              <a:t>07/07/2021</a:t>
             </a:fld>
             <a:endParaRPr lang="pt-BR"/>
           </a:p>
@@ -20445,7 +20465,7 @@
           <a:p>
             <a:fld id="{EE221790-50C4-4C8C-987E-FAC9B168C561}" type="datetimeFigureOut">
               <a:rPr lang="en-US" smtClean="0"/>
-              <a:t>6/16/2021</a:t>
+              <a:t>7/7/21</a:t>
             </a:fld>
             <a:endParaRPr lang="en-US"/>
           </a:p>
@@ -20637,7 +20657,7 @@
           <a:p>
             <a:fld id="{FB4BCF6F-0123-4404-BBD1-5E8578096437}" type="datetimeFigureOut">
               <a:rPr lang="pt-BR" smtClean="0"/>
-              <a:t>16/06/2021</a:t>
+              <a:t>07/07/2021</a:t>
             </a:fld>
             <a:endParaRPr lang="pt-BR"/>
           </a:p>
@@ -20893,7 +20913,7 @@
           <a:p>
             <a:fld id="{EE221790-50C4-4C8C-987E-FAC9B168C561}" type="datetimeFigureOut">
               <a:rPr lang="en-US" smtClean="0"/>
-              <a:t>6/16/2021</a:t>
+              <a:t>7/7/21</a:t>
             </a:fld>
             <a:endParaRPr lang="en-US"/>
           </a:p>
@@ -21308,7 +21328,7 @@
           <a:p>
             <a:fld id="{EE221790-50C4-4C8C-987E-FAC9B168C561}" type="datetimeFigureOut">
               <a:rPr lang="en-US" smtClean="0"/>
-              <a:t>6/16/2021</a:t>
+              <a:t>7/7/21</a:t>
             </a:fld>
             <a:endParaRPr lang="en-US"/>
           </a:p>
@@ -21450,7 +21470,7 @@
           <a:p>
             <a:fld id="{EE221790-50C4-4C8C-987E-FAC9B168C561}" type="datetimeFigureOut">
               <a:rPr lang="en-US" smtClean="0"/>
-              <a:t>6/16/2021</a:t>
+              <a:t>7/7/21</a:t>
             </a:fld>
             <a:endParaRPr lang="en-US"/>
           </a:p>
@@ -21563,7 +21583,7 @@
           <a:p>
             <a:fld id="{EE221790-50C4-4C8C-987E-FAC9B168C561}" type="datetimeFigureOut">
               <a:rPr lang="en-US" smtClean="0"/>
-              <a:t>6/16/2021</a:t>
+              <a:t>7/7/21</a:t>
             </a:fld>
             <a:endParaRPr lang="en-US"/>
           </a:p>
@@ -21865,7 +21885,7 @@
             <a:fld id="{EE221790-50C4-4C8C-987E-FAC9B168C561}" type="datetimeFigureOut">
               <a:rPr lang="en-US" smtClean="0"/>
               <a:pPr/>
-              <a:t>6/16/2021</a:t>
+              <a:t>7/7/21</a:t>
             </a:fld>
             <a:endParaRPr lang="en-US"/>
           </a:p>
@@ -22467,7 +22487,7 @@
           <a:p>
             <a:fld id="{997E942A-26CB-4FC8-A61F-ED7BAF06B75B}" type="datetimeFigureOut">
               <a:rPr lang="en-US" smtClean="0"/>
-              <a:t>6/16/2021</a:t>
+              <a:t>7/7/21</a:t>
             </a:fld>
             <a:endParaRPr lang="en-US"/>
           </a:p>
@@ -24010,7 +24030,7 @@
           <a:p>
             <a:fld id="{FB4BCF6F-0123-4404-BBD1-5E8578096437}" type="datetimeFigureOut">
               <a:rPr lang="pt-BR" smtClean="0"/>
-              <a:t>16/06/2021</a:t>
+              <a:t>07/07/2021</a:t>
             </a:fld>
             <a:endParaRPr lang="pt-BR"/>
           </a:p>
@@ -24705,10 +24725,10 @@
       </p:sp>
       <p:pic>
         <p:nvPicPr>
-          <p:cNvPr id="47" name="Picture 8">
+          <p:cNvPr id="51" name="Image 50">
             <a:extLst>
               <a:ext uri="{FF2B5EF4-FFF2-40B4-BE49-F238E27FC236}">
-                <a16:creationId xmlns:a16="http://schemas.microsoft.com/office/drawing/2014/main" id="{5FBB5C7C-98DB-4289-8BAB-B692F37ABC21}"/>
+                <a16:creationId xmlns:a16="http://schemas.microsoft.com/office/drawing/2014/main" id="{DF5984D0-8B69-428A-A6E0-8C4DDE3C5DEC}"/>
               </a:ext>
             </a:extLst>
           </p:cNvPr>
@@ -24719,42 +24739,6 @@
         </p:nvPicPr>
         <p:blipFill>
           <a:blip r:embed="rId5">
-            <a:extLst>
-              <a:ext uri="{28A0092B-C50C-407E-A947-70E740481C1C}">
-                <a14:useLocalDpi xmlns:a14="http://schemas.microsoft.com/office/drawing/2010/main" val="0"/>
-              </a:ext>
-            </a:extLst>
-          </a:blip>
-          <a:stretch>
-            <a:fillRect/>
-          </a:stretch>
-        </p:blipFill>
-        <p:spPr>
-          <a:xfrm>
-            <a:off x="128712" y="3587454"/>
-            <a:ext cx="2741488" cy="2741488"/>
-          </a:xfrm>
-          <a:prstGeom prst="rect">
-            <a:avLst/>
-          </a:prstGeom>
-        </p:spPr>
-      </p:pic>
-      <p:pic>
-        <p:nvPicPr>
-          <p:cNvPr id="51" name="Image 50">
-            <a:extLst>
-              <a:ext uri="{FF2B5EF4-FFF2-40B4-BE49-F238E27FC236}">
-                <a16:creationId xmlns:a16="http://schemas.microsoft.com/office/drawing/2014/main" id="{DF5984D0-8B69-428A-A6E0-8C4DDE3C5DEC}"/>
-              </a:ext>
-            </a:extLst>
-          </p:cNvPr>
-          <p:cNvPicPr>
-            <a:picLocks noChangeAspect="1"/>
-          </p:cNvPicPr>
-          <p:nvPr/>
-        </p:nvPicPr>
-        <p:blipFill>
-          <a:blip r:embed="rId6">
             <a:extLst>
               <a:ext uri="{28A0092B-C50C-407E-A947-70E740481C1C}">
                 <a14:useLocalDpi xmlns:a14="http://schemas.microsoft.com/office/drawing/2010/main" val="0"/>
@@ -24790,7 +24774,7 @@
           <p:nvPr/>
         </p:nvPicPr>
         <p:blipFill>
-          <a:blip r:embed="rId7">
+          <a:blip r:embed="rId6">
             <a:extLst>
               <a:ext uri="{28A0092B-C50C-407E-A947-70E740481C1C}">
                 <a14:useLocalDpi xmlns:a14="http://schemas.microsoft.com/office/drawing/2010/main" val="0"/>
@@ -24809,6 +24793,53 @@
           <a:prstGeom prst="rect">
             <a:avLst/>
           </a:prstGeom>
+        </p:spPr>
+      </p:pic>
+      <p:pic>
+        <p:nvPicPr>
+          <p:cNvPr id="1026" name="Picture 2" descr="SFEIR recrute des talents informatiques | ChooseYourBoss">
+            <a:extLst>
+              <a:ext uri="{FF2B5EF4-FFF2-40B4-BE49-F238E27FC236}">
+                <a16:creationId xmlns:a16="http://schemas.microsoft.com/office/drawing/2014/main" id="{F874DBFC-3AC2-984E-9A3A-3B62C108F0DC}"/>
+              </a:ext>
+            </a:extLst>
+          </p:cNvPr>
+          <p:cNvPicPr>
+            <a:picLocks noChangeAspect="1" noChangeArrowheads="1"/>
+          </p:cNvPicPr>
+          <p:nvPr/>
+        </p:nvPicPr>
+        <p:blipFill>
+          <a:blip r:embed="rId7">
+            <a:extLst>
+              <a:ext uri="{28A0092B-C50C-407E-A947-70E740481C1C}">
+                <a14:useLocalDpi xmlns:a14="http://schemas.microsoft.com/office/drawing/2010/main" val="0"/>
+              </a:ext>
+            </a:extLst>
+          </a:blip>
+          <a:srcRect/>
+          <a:stretch>
+            <a:fillRect/>
+          </a:stretch>
+        </p:blipFill>
+        <p:spPr bwMode="auto">
+          <a:xfrm>
+            <a:off x="-288787" y="2799752"/>
+            <a:ext cx="3456057" cy="3214133"/>
+          </a:xfrm>
+          <a:prstGeom prst="rect">
+            <a:avLst/>
+          </a:prstGeom>
+          <a:noFill/>
+          <a:extLst>
+            <a:ext uri="{909E8E84-426E-40DD-AFC4-6F175D3DCCD1}">
+              <a14:hiddenFill xmlns:a14="http://schemas.microsoft.com/office/drawing/2010/main">
+                <a:solidFill>
+                  <a:srgbClr val="FFFFFF"/>
+                </a:solidFill>
+              </a14:hiddenFill>
+            </a:ext>
+          </a:extLst>
         </p:spPr>
       </p:pic>
     </p:spTree>
@@ -24869,7 +24900,7 @@
           <a:p>
             <a:r>
               <a:rPr lang="en-US" dirty="0"/>
-              <a:t>03/19/2021</a:t>
+              <a:t>07/08/2021</a:t>
             </a:r>
           </a:p>
         </p:txBody>
@@ -25143,10 +25174,10 @@
       </p:sp>
       <p:pic>
         <p:nvPicPr>
-          <p:cNvPr id="20" name="Graphique 19">
+          <p:cNvPr id="24" name="Image 23">
             <a:extLst>
               <a:ext uri="{FF2B5EF4-FFF2-40B4-BE49-F238E27FC236}">
-                <a16:creationId xmlns:a16="http://schemas.microsoft.com/office/drawing/2014/main" id="{CE4294CD-431D-4914-8E6F-74E80725543A}"/>
+                <a16:creationId xmlns:a16="http://schemas.microsoft.com/office/drawing/2014/main" id="{3F19EC55-0501-4CBD-B40E-7998CACA046E}"/>
               </a:ext>
             </a:extLst>
           </p:cNvPr>
@@ -25156,43 +25187,7 @@
           <p:nvPr/>
         </p:nvPicPr>
         <p:blipFill>
-          <a:blip r:embed="rId5">
-            <a:extLst>
-              <a:ext uri="{96DAC541-7B7A-43D3-8B79-37D633B846F1}">
-                <asvg:svgBlip xmlns:asvg="http://schemas.microsoft.com/office/drawing/2016/SVG/main" r:embed="rId6"/>
-              </a:ext>
-            </a:extLst>
-          </a:blip>
-          <a:stretch>
-            <a:fillRect/>
-          </a:stretch>
-        </p:blipFill>
-        <p:spPr>
-          <a:xfrm rot="452495">
-            <a:off x="8563969" y="3543015"/>
-            <a:ext cx="1731698" cy="2275424"/>
-          </a:xfrm>
-          <a:prstGeom prst="rect">
-            <a:avLst/>
-          </a:prstGeom>
-        </p:spPr>
-      </p:pic>
-      <p:pic>
-        <p:nvPicPr>
-          <p:cNvPr id="24" name="Image 23">
-            <a:extLst>
-              <a:ext uri="{FF2B5EF4-FFF2-40B4-BE49-F238E27FC236}">
-                <a16:creationId xmlns:a16="http://schemas.microsoft.com/office/drawing/2014/main" id="{3F19EC55-0501-4CBD-B40E-7998CACA046E}"/>
-              </a:ext>
-            </a:extLst>
-          </p:cNvPr>
-          <p:cNvPicPr>
-            <a:picLocks noChangeAspect="1"/>
-          </p:cNvPicPr>
-          <p:nvPr/>
-        </p:nvPicPr>
-        <p:blipFill>
-          <a:blip r:embed="rId7" cstate="print">
+          <a:blip r:embed="rId5" cstate="print">
             <a:extLst>
               <a:ext uri="{28A0092B-C50C-407E-A947-70E740481C1C}">
                 <a14:useLocalDpi xmlns:a14="http://schemas.microsoft.com/office/drawing/2010/main" val="0"/>
@@ -25375,7 +25370,7 @@
           <p:nvPr/>
         </p:nvPicPr>
         <p:blipFill>
-          <a:blip r:embed="rId8">
+          <a:blip r:embed="rId6">
             <a:extLst>
               <a:ext uri="{28A0092B-C50C-407E-A947-70E740481C1C}">
                 <a14:useLocalDpi xmlns:a14="http://schemas.microsoft.com/office/drawing/2010/main" val="0"/>
@@ -25458,6 +25453,42 @@
           </a:p>
         </p:txBody>
       </p:sp>
+      <p:pic>
+        <p:nvPicPr>
+          <p:cNvPr id="15" name="Image 14">
+            <a:extLst>
+              <a:ext uri="{FF2B5EF4-FFF2-40B4-BE49-F238E27FC236}">
+                <a16:creationId xmlns:a16="http://schemas.microsoft.com/office/drawing/2014/main" id="{3DF8D4E7-B7B6-F04C-B58B-0F625823E4DC}"/>
+              </a:ext>
+            </a:extLst>
+          </p:cNvPr>
+          <p:cNvPicPr>
+            <a:picLocks noChangeAspect="1"/>
+          </p:cNvPicPr>
+          <p:nvPr/>
+        </p:nvPicPr>
+        <p:blipFill>
+          <a:blip r:embed="rId7">
+            <a:extLst>
+              <a:ext uri="{28A0092B-C50C-407E-A947-70E740481C1C}">
+                <a14:useLocalDpi xmlns:a14="http://schemas.microsoft.com/office/drawing/2010/main" val="0"/>
+              </a:ext>
+            </a:extLst>
+          </a:blip>
+          <a:stretch>
+            <a:fillRect/>
+          </a:stretch>
+        </p:blipFill>
+        <p:spPr>
+          <a:xfrm rot="601763">
+            <a:off x="8477233" y="3465696"/>
+            <a:ext cx="1615649" cy="2245691"/>
+          </a:xfrm>
+          <a:prstGeom prst="rect">
+            <a:avLst/>
+          </a:prstGeom>
+        </p:spPr>
+      </p:pic>
     </p:spTree>
     <p:extLst>
       <p:ext uri="{BB962C8B-B14F-4D97-AF65-F5344CB8AC3E}">
@@ -25519,7 +25550,7 @@
           <a:p>
             <a:r>
               <a:rPr lang="en-US" dirty="0"/>
-              <a:t>03/19/2021</a:t>
+              <a:t>07/08/2021</a:t>
             </a:r>
           </a:p>
         </p:txBody>
@@ -25801,10 +25832,10 @@
       </p:sp>
       <p:pic>
         <p:nvPicPr>
-          <p:cNvPr id="20" name="Graphique 19">
+          <p:cNvPr id="24" name="Image 23">
             <a:extLst>
               <a:ext uri="{FF2B5EF4-FFF2-40B4-BE49-F238E27FC236}">
-                <a16:creationId xmlns:a16="http://schemas.microsoft.com/office/drawing/2014/main" id="{D7114E82-AF92-4C85-8462-047607A14C59}"/>
+                <a16:creationId xmlns:a16="http://schemas.microsoft.com/office/drawing/2014/main" id="{5018936E-FA81-4BAB-95DD-F6AA00F904C9}"/>
               </a:ext>
             </a:extLst>
           </p:cNvPr>
@@ -25814,43 +25845,7 @@
           <p:nvPr/>
         </p:nvPicPr>
         <p:blipFill>
-          <a:blip r:embed="rId5">
-            <a:extLst>
-              <a:ext uri="{96DAC541-7B7A-43D3-8B79-37D633B846F1}">
-                <asvg:svgBlip xmlns:asvg="http://schemas.microsoft.com/office/drawing/2016/SVG/main" r:embed="rId6"/>
-              </a:ext>
-            </a:extLst>
-          </a:blip>
-          <a:stretch>
-            <a:fillRect/>
-          </a:stretch>
-        </p:blipFill>
-        <p:spPr>
-          <a:xfrm rot="554553">
-            <a:off x="8673532" y="498830"/>
-            <a:ext cx="1731698" cy="2275424"/>
-          </a:xfrm>
-          <a:prstGeom prst="rect">
-            <a:avLst/>
-          </a:prstGeom>
-        </p:spPr>
-      </p:pic>
-      <p:pic>
-        <p:nvPicPr>
-          <p:cNvPr id="24" name="Image 23">
-            <a:extLst>
-              <a:ext uri="{FF2B5EF4-FFF2-40B4-BE49-F238E27FC236}">
-                <a16:creationId xmlns:a16="http://schemas.microsoft.com/office/drawing/2014/main" id="{5018936E-FA81-4BAB-95DD-F6AA00F904C9}"/>
-              </a:ext>
-            </a:extLst>
-          </p:cNvPr>
-          <p:cNvPicPr>
-            <a:picLocks noChangeAspect="1"/>
-          </p:cNvPicPr>
-          <p:nvPr/>
-        </p:nvPicPr>
-        <p:blipFill>
-          <a:blip r:embed="rId7" cstate="print">
+          <a:blip r:embed="rId5" cstate="print">
             <a:extLst>
               <a:ext uri="{28A0092B-C50C-407E-A947-70E740481C1C}">
                 <a14:useLocalDpi xmlns:a14="http://schemas.microsoft.com/office/drawing/2010/main" val="0"/>
@@ -25984,7 +25979,7 @@
         <p:spPr>
           <a:xfrm>
             <a:off x="5977808" y="3848338"/>
-            <a:ext cx="3765472" cy="1325563"/>
+            <a:ext cx="3765472" cy="1648451"/>
           </a:xfrm>
           <a:prstGeom prst="rect">
             <a:avLst/>
@@ -26053,7 +26048,7 @@
           <p:nvPr/>
         </p:nvPicPr>
         <p:blipFill>
-          <a:blip r:embed="rId8">
+          <a:blip r:embed="rId6">
             <a:extLst>
               <a:ext uri="{28A0092B-C50C-407E-A947-70E740481C1C}">
                 <a14:useLocalDpi xmlns:a14="http://schemas.microsoft.com/office/drawing/2010/main" val="0"/>
@@ -26089,7 +26084,7 @@
         <p:spPr>
           <a:xfrm>
             <a:off x="6298991" y="3928495"/>
-            <a:ext cx="3240390" cy="1200329"/>
+            <a:ext cx="3240390" cy="1477328"/>
           </a:xfrm>
           <a:prstGeom prst="rect">
             <a:avLst/>
@@ -26131,8 +26126,54 @@
               <a:t>The reusable modules in YAML </a:t>
             </a:r>
           </a:p>
-        </p:txBody>
-      </p:sp>
+          <a:p>
+            <a:pPr marL="285750" indent="-285750">
+              <a:buFont typeface="Arial" panose="020B0604020202020204" pitchFamily="34" charset="0"/>
+              <a:buChar char="•"/>
+            </a:pPr>
+            <a:r>
+              <a:rPr lang="en-GB" dirty="0"/>
+              <a:t>The keyword based syntax</a:t>
+            </a:r>
+          </a:p>
+        </p:txBody>
+      </p:sp>
+      <p:pic>
+        <p:nvPicPr>
+          <p:cNvPr id="15" name="Image 14">
+            <a:extLst>
+              <a:ext uri="{FF2B5EF4-FFF2-40B4-BE49-F238E27FC236}">
+                <a16:creationId xmlns:a16="http://schemas.microsoft.com/office/drawing/2014/main" id="{129B005A-CE01-3C46-AA21-6BEF4F2CB8BD}"/>
+              </a:ext>
+            </a:extLst>
+          </p:cNvPr>
+          <p:cNvPicPr>
+            <a:picLocks noChangeAspect="1"/>
+          </p:cNvPicPr>
+          <p:nvPr/>
+        </p:nvPicPr>
+        <p:blipFill>
+          <a:blip r:embed="rId7">
+            <a:extLst>
+              <a:ext uri="{28A0092B-C50C-407E-A947-70E740481C1C}">
+                <a14:useLocalDpi xmlns:a14="http://schemas.microsoft.com/office/drawing/2010/main" val="0"/>
+              </a:ext>
+            </a:extLst>
+          </a:blip>
+          <a:stretch>
+            <a:fillRect/>
+          </a:stretch>
+        </p:blipFill>
+        <p:spPr>
+          <a:xfrm rot="601763">
+            <a:off x="8511931" y="637452"/>
+            <a:ext cx="1615649" cy="2245691"/>
+          </a:xfrm>
+          <a:prstGeom prst="rect">
+            <a:avLst/>
+          </a:prstGeom>
+        </p:spPr>
+      </p:pic>
     </p:spTree>
     <p:extLst>
       <p:ext uri="{BB962C8B-B14F-4D97-AF65-F5344CB8AC3E}">
@@ -26194,7 +26235,7 @@
           <a:p>
             <a:r>
               <a:rPr lang="en-US" dirty="0"/>
-              <a:t>03/19/2021</a:t>
+              <a:t>07/08/2021</a:t>
             </a:r>
           </a:p>
         </p:txBody>
@@ -26376,7 +26417,7 @@
             <a:pPr algn="ctr"/>
             <a:r>
               <a:rPr lang="en-GB" dirty="0"/>
-              <a:t>As a product owner, I want to explain the test cases in my words. I am not a technical man.</a:t>
+              <a:t>As a product owner, I want to explain the test cases with my words. I am not a technical man.</a:t>
             </a:r>
           </a:p>
         </p:txBody>
@@ -26413,10 +26454,10 @@
       </p:pic>
       <p:pic>
         <p:nvPicPr>
-          <p:cNvPr id="17" name="Graphique 16">
+          <p:cNvPr id="20" name="Image 19">
             <a:extLst>
               <a:ext uri="{FF2B5EF4-FFF2-40B4-BE49-F238E27FC236}">
-                <a16:creationId xmlns:a16="http://schemas.microsoft.com/office/drawing/2014/main" id="{C9A0A5B3-1C8A-45C9-BF0D-AA0C87935BA2}"/>
+                <a16:creationId xmlns:a16="http://schemas.microsoft.com/office/drawing/2014/main" id="{E38CDECF-8D69-455E-8A83-1B75CF5C0212}"/>
               </a:ext>
             </a:extLst>
           </p:cNvPr>
@@ -26426,43 +26467,7 @@
           <p:nvPr/>
         </p:nvPicPr>
         <p:blipFill>
-          <a:blip r:embed="rId5">
-            <a:extLst>
-              <a:ext uri="{96DAC541-7B7A-43D3-8B79-37D633B846F1}">
-                <asvg:svgBlip xmlns:asvg="http://schemas.microsoft.com/office/drawing/2016/SVG/main" r:embed="rId6"/>
-              </a:ext>
-            </a:extLst>
-          </a:blip>
-          <a:stretch>
-            <a:fillRect/>
-          </a:stretch>
-        </p:blipFill>
-        <p:spPr>
-          <a:xfrm rot="21234111">
-            <a:off x="-117698" y="3533219"/>
-            <a:ext cx="1731698" cy="2275424"/>
-          </a:xfrm>
-          <a:prstGeom prst="rect">
-            <a:avLst/>
-          </a:prstGeom>
-        </p:spPr>
-      </p:pic>
-      <p:pic>
-        <p:nvPicPr>
-          <p:cNvPr id="20" name="Image 19">
-            <a:extLst>
-              <a:ext uri="{FF2B5EF4-FFF2-40B4-BE49-F238E27FC236}">
-                <a16:creationId xmlns:a16="http://schemas.microsoft.com/office/drawing/2014/main" id="{E38CDECF-8D69-455E-8A83-1B75CF5C0212}"/>
-              </a:ext>
-            </a:extLst>
-          </p:cNvPr>
-          <p:cNvPicPr>
-            <a:picLocks noChangeAspect="1"/>
-          </p:cNvPicPr>
-          <p:nvPr/>
-        </p:nvPicPr>
-        <p:blipFill>
-          <a:blip r:embed="rId7" cstate="print">
+          <a:blip r:embed="rId5" cstate="print">
             <a:extLst>
               <a:ext uri="{28A0092B-C50C-407E-A947-70E740481C1C}">
                 <a14:useLocalDpi xmlns:a14="http://schemas.microsoft.com/office/drawing/2010/main" val="0"/>
@@ -26708,7 +26713,7 @@
           <p:nvPr/>
         </p:nvPicPr>
         <p:blipFill>
-          <a:blip r:embed="rId8">
+          <a:blip r:embed="rId6">
             <a:extLst>
               <a:ext uri="{28A0092B-C50C-407E-A947-70E740481C1C}">
                 <a14:useLocalDpi xmlns:a14="http://schemas.microsoft.com/office/drawing/2010/main" val="0"/>
@@ -26798,6 +26803,42 @@
           </a:p>
         </p:txBody>
       </p:sp>
+      <p:pic>
+        <p:nvPicPr>
+          <p:cNvPr id="15" name="Image 14">
+            <a:extLst>
+              <a:ext uri="{FF2B5EF4-FFF2-40B4-BE49-F238E27FC236}">
+                <a16:creationId xmlns:a16="http://schemas.microsoft.com/office/drawing/2014/main" id="{98ABC92A-82CD-134F-A159-F4439B32F2FB}"/>
+              </a:ext>
+            </a:extLst>
+          </p:cNvPr>
+          <p:cNvPicPr>
+            <a:picLocks noChangeAspect="1"/>
+          </p:cNvPicPr>
+          <p:nvPr/>
+        </p:nvPicPr>
+        <p:blipFill>
+          <a:blip r:embed="rId7">
+            <a:extLst>
+              <a:ext uri="{28A0092B-C50C-407E-A947-70E740481C1C}">
+                <a14:useLocalDpi xmlns:a14="http://schemas.microsoft.com/office/drawing/2010/main" val="0"/>
+              </a:ext>
+            </a:extLst>
+          </a:blip>
+          <a:stretch>
+            <a:fillRect/>
+          </a:stretch>
+        </p:blipFill>
+        <p:spPr>
+          <a:xfrm rot="20497162">
+            <a:off x="128718" y="3662441"/>
+            <a:ext cx="1615649" cy="2245691"/>
+          </a:xfrm>
+          <a:prstGeom prst="rect">
+            <a:avLst/>
+          </a:prstGeom>
+        </p:spPr>
+      </p:pic>
     </p:spTree>
     <p:extLst>
       <p:ext uri="{BB962C8B-B14F-4D97-AF65-F5344CB8AC3E}">
@@ -26859,7 +26900,7 @@
           <a:p>
             <a:r>
               <a:rPr lang="en-US" dirty="0"/>
-              <a:t>03/19/2021</a:t>
+              <a:t>07/08/2021</a:t>
             </a:r>
           </a:p>
         </p:txBody>
@@ -27176,42 +27217,6 @@
           </a:p>
         </p:txBody>
       </p:sp>
-      <p:pic>
-        <p:nvPicPr>
-          <p:cNvPr id="17" name="Graphique 16">
-            <a:extLst>
-              <a:ext uri="{FF2B5EF4-FFF2-40B4-BE49-F238E27FC236}">
-                <a16:creationId xmlns:a16="http://schemas.microsoft.com/office/drawing/2014/main" id="{C9A0A5B3-1C8A-45C9-BF0D-AA0C87935BA2}"/>
-              </a:ext>
-            </a:extLst>
-          </p:cNvPr>
-          <p:cNvPicPr>
-            <a:picLocks noChangeAspect="1"/>
-          </p:cNvPicPr>
-          <p:nvPr/>
-        </p:nvPicPr>
-        <p:blipFill>
-          <a:blip r:embed="rId4">
-            <a:extLst>
-              <a:ext uri="{96DAC541-7B7A-43D3-8B79-37D633B846F1}">
-                <asvg:svgBlip xmlns:asvg="http://schemas.microsoft.com/office/drawing/2016/SVG/main" r:embed="rId5"/>
-              </a:ext>
-            </a:extLst>
-          </a:blip>
-          <a:stretch>
-            <a:fillRect/>
-          </a:stretch>
-        </p:blipFill>
-        <p:spPr>
-          <a:xfrm rot="21234111">
-            <a:off x="-89687" y="4723789"/>
-            <a:ext cx="1070030" cy="1406003"/>
-          </a:xfrm>
-          <a:prstGeom prst="rect">
-            <a:avLst/>
-          </a:prstGeom>
-        </p:spPr>
-      </p:pic>
       <p:sp>
         <p:nvSpPr>
           <p:cNvPr id="6" name="ZoneTexte 5">
@@ -28237,6 +28242,42 @@
           </a:fontRef>
         </p:style>
       </p:cxnSp>
+      <p:pic>
+        <p:nvPicPr>
+          <p:cNvPr id="25" name="Image 24">
+            <a:extLst>
+              <a:ext uri="{FF2B5EF4-FFF2-40B4-BE49-F238E27FC236}">
+                <a16:creationId xmlns:a16="http://schemas.microsoft.com/office/drawing/2014/main" id="{67FC6FB3-4993-B440-AC25-B9AE97A49F7C}"/>
+              </a:ext>
+            </a:extLst>
+          </p:cNvPr>
+          <p:cNvPicPr>
+            <a:picLocks noChangeAspect="1"/>
+          </p:cNvPicPr>
+          <p:nvPr/>
+        </p:nvPicPr>
+        <p:blipFill>
+          <a:blip r:embed="rId4">
+            <a:extLst>
+              <a:ext uri="{28A0092B-C50C-407E-A947-70E740481C1C}">
+                <a14:useLocalDpi xmlns:a14="http://schemas.microsoft.com/office/drawing/2010/main" val="0"/>
+              </a:ext>
+            </a:extLst>
+          </a:blip>
+          <a:stretch>
+            <a:fillRect/>
+          </a:stretch>
+        </p:blipFill>
+        <p:spPr>
+          <a:xfrm rot="20946729">
+            <a:off x="136918" y="4895585"/>
+            <a:ext cx="829966" cy="1153622"/>
+          </a:xfrm>
+          <a:prstGeom prst="rect">
+            <a:avLst/>
+          </a:prstGeom>
+        </p:spPr>
+      </p:pic>
     </p:spTree>
     <p:extLst>
       <p:ext uri="{BB962C8B-B14F-4D97-AF65-F5344CB8AC3E}">
@@ -28298,7 +28339,7 @@
           <a:p>
             <a:r>
               <a:rPr lang="en-US" dirty="0"/>
-              <a:t>03/19/2021</a:t>
+              <a:t>07/08/2021</a:t>
             </a:r>
           </a:p>
         </p:txBody>
@@ -28664,12 +28705,55 @@
           </a:p>
         </p:txBody>
       </p:sp>
+      <p:sp>
+        <p:nvSpPr>
+          <p:cNvPr id="23" name="ZoneTexte 22">
+            <a:extLst>
+              <a:ext uri="{FF2B5EF4-FFF2-40B4-BE49-F238E27FC236}">
+                <a16:creationId xmlns:a16="http://schemas.microsoft.com/office/drawing/2014/main" id="{F3580105-63D3-4FEC-825D-031C68D8DBCB}"/>
+              </a:ext>
+            </a:extLst>
+          </p:cNvPr>
+          <p:cNvSpPr txBox="1"/>
+          <p:nvPr/>
+        </p:nvSpPr>
+        <p:spPr>
+          <a:xfrm>
+            <a:off x="4192752" y="4932218"/>
+            <a:ext cx="2030400" cy="646331"/>
+          </a:xfrm>
+          <a:prstGeom prst="rect">
+            <a:avLst/>
+          </a:prstGeom>
+          <a:noFill/>
+        </p:spPr>
+        <p:txBody>
+          <a:bodyPr wrap="square" rtlCol="0">
+            <a:spAutoFit/>
+          </a:bodyPr>
+          <a:lstStyle/>
+          <a:p>
+            <a:pPr algn="ctr"/>
+            <a:r>
+              <a:rPr lang="en-GB" dirty="0"/>
+              <a:t>HTTP Mock module</a:t>
+            </a:r>
+          </a:p>
+          <a:p>
+            <a:pPr algn="ctr"/>
+            <a:r>
+              <a:rPr lang="en-GB" dirty="0"/>
+              <a:t>Web module</a:t>
+            </a:r>
+          </a:p>
+        </p:txBody>
+      </p:sp>
       <p:pic>
         <p:nvPicPr>
-          <p:cNvPr id="2050" name="Picture 2" descr="Logo Atos PNG transparents - StickPNG">
+          <p:cNvPr id="2052" name="Picture 4">
             <a:extLst>
               <a:ext uri="{FF2B5EF4-FFF2-40B4-BE49-F238E27FC236}">
-                <a16:creationId xmlns:a16="http://schemas.microsoft.com/office/drawing/2014/main" id="{06ADA9FB-0C92-435D-9D55-0A5F5F66E157}"/>
+                <a16:creationId xmlns:a16="http://schemas.microsoft.com/office/drawing/2014/main" id="{0DF0E0C8-3154-4695-928B-5ECE189C7061}"/>
               </a:ext>
             </a:extLst>
           </p:cNvPr>
@@ -28680,131 +28764,6 @@
         </p:nvPicPr>
         <p:blipFill>
           <a:blip r:embed="rId4" cstate="print">
-            <a:extLst>
-              <a:ext uri="{28A0092B-C50C-407E-A947-70E740481C1C}">
-                <a14:useLocalDpi xmlns:a14="http://schemas.microsoft.com/office/drawing/2010/main" val="0"/>
-              </a:ext>
-            </a:extLst>
-          </a:blip>
-          <a:srcRect/>
-          <a:stretch>
-            <a:fillRect/>
-          </a:stretch>
-        </p:blipFill>
-        <p:spPr bwMode="auto">
-          <a:xfrm>
-            <a:off x="1014862" y="4127197"/>
-            <a:ext cx="1543791" cy="504144"/>
-          </a:xfrm>
-          <a:prstGeom prst="rect">
-            <a:avLst/>
-          </a:prstGeom>
-          <a:noFill/>
-          <a:extLst>
-            <a:ext uri="{909E8E84-426E-40DD-AFC4-6F175D3DCCD1}">
-              <a14:hiddenFill xmlns:a14="http://schemas.microsoft.com/office/drawing/2010/main">
-                <a:solidFill>
-                  <a:srgbClr val="FFFFFF"/>
-                </a:solidFill>
-              </a14:hiddenFill>
-            </a:ext>
-          </a:extLst>
-        </p:spPr>
-      </p:pic>
-      <p:sp>
-        <p:nvSpPr>
-          <p:cNvPr id="8" name="ZoneTexte 7">
-            <a:extLst>
-              <a:ext uri="{FF2B5EF4-FFF2-40B4-BE49-F238E27FC236}">
-                <a16:creationId xmlns:a16="http://schemas.microsoft.com/office/drawing/2014/main" id="{D569FAB4-CCCB-41F5-B295-B266C56B3489}"/>
-              </a:ext>
-            </a:extLst>
-          </p:cNvPr>
-          <p:cNvSpPr txBox="1"/>
-          <p:nvPr/>
-        </p:nvSpPr>
-        <p:spPr>
-          <a:xfrm>
-            <a:off x="1014862" y="4639361"/>
-            <a:ext cx="1597040" cy="369332"/>
-          </a:xfrm>
-          <a:prstGeom prst="rect">
-            <a:avLst/>
-          </a:prstGeom>
-          <a:noFill/>
-        </p:spPr>
-        <p:txBody>
-          <a:bodyPr wrap="none" rtlCol="0">
-            <a:spAutoFit/>
-          </a:bodyPr>
-          <a:lstStyle/>
-          <a:p>
-            <a:r>
-              <a:rPr lang="en-GB" dirty="0"/>
-              <a:t>ESS application</a:t>
-            </a:r>
-          </a:p>
-        </p:txBody>
-      </p:sp>
-      <p:sp>
-        <p:nvSpPr>
-          <p:cNvPr id="23" name="ZoneTexte 22">
-            <a:extLst>
-              <a:ext uri="{FF2B5EF4-FFF2-40B4-BE49-F238E27FC236}">
-                <a16:creationId xmlns:a16="http://schemas.microsoft.com/office/drawing/2014/main" id="{F3580105-63D3-4FEC-825D-031C68D8DBCB}"/>
-              </a:ext>
-            </a:extLst>
-          </p:cNvPr>
-          <p:cNvSpPr txBox="1"/>
-          <p:nvPr/>
-        </p:nvSpPr>
-        <p:spPr>
-          <a:xfrm>
-            <a:off x="4192752" y="4932218"/>
-            <a:ext cx="2030400" cy="646331"/>
-          </a:xfrm>
-          <a:prstGeom prst="rect">
-            <a:avLst/>
-          </a:prstGeom>
-          <a:noFill/>
-        </p:spPr>
-        <p:txBody>
-          <a:bodyPr wrap="square" rtlCol="0">
-            <a:spAutoFit/>
-          </a:bodyPr>
-          <a:lstStyle/>
-          <a:p>
-            <a:pPr algn="ctr"/>
-            <a:r>
-              <a:rPr lang="en-GB" dirty="0"/>
-              <a:t>HTTP Mock module</a:t>
-            </a:r>
-          </a:p>
-          <a:p>
-            <a:pPr algn="ctr"/>
-            <a:r>
-              <a:rPr lang="en-GB" dirty="0"/>
-              <a:t>Web module</a:t>
-            </a:r>
-          </a:p>
-        </p:txBody>
-      </p:sp>
-      <p:pic>
-        <p:nvPicPr>
-          <p:cNvPr id="2052" name="Picture 4">
-            <a:extLst>
-              <a:ext uri="{FF2B5EF4-FFF2-40B4-BE49-F238E27FC236}">
-                <a16:creationId xmlns:a16="http://schemas.microsoft.com/office/drawing/2014/main" id="{0DF0E0C8-3154-4695-928B-5ECE189C7061}"/>
-              </a:ext>
-            </a:extLst>
-          </p:cNvPr>
-          <p:cNvPicPr>
-            <a:picLocks noChangeAspect="1" noChangeArrowheads="1"/>
-          </p:cNvPicPr>
-          <p:nvPr/>
-        </p:nvPicPr>
-        <p:blipFill>
-          <a:blip r:embed="rId5" cstate="print">
             <a:extLst>
               <a:ext uri="{28A0092B-C50C-407E-A947-70E740481C1C}">
                 <a14:useLocalDpi xmlns:a14="http://schemas.microsoft.com/office/drawing/2010/main" val="0"/>
@@ -28894,7 +28853,7 @@
           <p:nvPr/>
         </p:nvPicPr>
         <p:blipFill>
-          <a:blip r:embed="rId6" cstate="print">
+          <a:blip r:embed="rId5" cstate="print">
             <a:extLst>
               <a:ext uri="{28A0092B-C50C-407E-A947-70E740481C1C}">
                 <a14:useLocalDpi xmlns:a14="http://schemas.microsoft.com/office/drawing/2010/main" val="0"/>
@@ -28941,7 +28900,7 @@
           <p:nvPr/>
         </p:nvPicPr>
         <p:blipFill>
-          <a:blip r:embed="rId7" cstate="print">
+          <a:blip r:embed="rId6" cstate="print">
             <a:extLst>
               <a:ext uri="{28A0092B-C50C-407E-A947-70E740481C1C}">
                 <a14:useLocalDpi xmlns:a14="http://schemas.microsoft.com/office/drawing/2010/main" val="0"/>
@@ -29124,6 +29083,36 @@
           </a:p>
         </p:txBody>
       </p:sp>
+      <p:pic>
+        <p:nvPicPr>
+          <p:cNvPr id="4" name="Image 3">
+            <a:extLst>
+              <a:ext uri="{FF2B5EF4-FFF2-40B4-BE49-F238E27FC236}">
+                <a16:creationId xmlns:a16="http://schemas.microsoft.com/office/drawing/2014/main" id="{38AA944C-91B6-0542-9F75-4FBD52F7CED6}"/>
+              </a:ext>
+            </a:extLst>
+          </p:cNvPr>
+          <p:cNvPicPr>
+            <a:picLocks noChangeAspect="1"/>
+          </p:cNvPicPr>
+          <p:nvPr/>
+        </p:nvPicPr>
+        <p:blipFill>
+          <a:blip r:embed="rId7"/>
+          <a:stretch>
+            <a:fillRect/>
+          </a:stretch>
+        </p:blipFill>
+        <p:spPr>
+          <a:xfrm>
+            <a:off x="573568" y="4119776"/>
+            <a:ext cx="1764335" cy="584459"/>
+          </a:xfrm>
+          <a:prstGeom prst="rect">
+            <a:avLst/>
+          </a:prstGeom>
+        </p:spPr>
+      </p:pic>
     </p:spTree>
     <p:extLst>
       <p:ext uri="{BB962C8B-B14F-4D97-AF65-F5344CB8AC3E}">
@@ -29576,7 +29565,7 @@
           <a:p>
             <a:r>
               <a:rPr lang="en-US" dirty="0"/>
-              <a:t>03/19/2021</a:t>
+              <a:t>07/08/2021</a:t>
             </a:r>
           </a:p>
         </p:txBody>
@@ -29840,7 +29829,7 @@
           <a:p>
             <a:r>
               <a:rPr lang="en-US" dirty="0"/>
-              <a:t>03/19/2021</a:t>
+              <a:t>07/08/2021</a:t>
             </a:r>
           </a:p>
         </p:txBody>
@@ -30101,12 +30090,141 @@
           </a:prstGeom>
         </p:spPr>
       </p:pic>
+      <p:sp>
+        <p:nvSpPr>
+          <p:cNvPr id="10" name="Footer Placeholder 3">
+            <a:extLst>
+              <a:ext uri="{FF2B5EF4-FFF2-40B4-BE49-F238E27FC236}">
+                <a16:creationId xmlns:a16="http://schemas.microsoft.com/office/drawing/2014/main" id="{6613E1CD-2637-4D30-8358-53E07CBD35C6}"/>
+              </a:ext>
+            </a:extLst>
+          </p:cNvPr>
+          <p:cNvSpPr txBox="1">
+            <a:spLocks/>
+          </p:cNvSpPr>
+          <p:nvPr/>
+        </p:nvSpPr>
+        <p:spPr>
+          <a:xfrm>
+            <a:off x="0" y="6303406"/>
+            <a:ext cx="10772773" cy="365125"/>
+          </a:xfrm>
+          <a:prstGeom prst="rect">
+            <a:avLst/>
+          </a:prstGeom>
+        </p:spPr>
+        <p:txBody>
+          <a:bodyPr/>
+          <a:lstStyle>
+            <a:defPPr>
+              <a:defRPr lang="en-US"/>
+            </a:defPPr>
+            <a:lvl1pPr marL="0" algn="l" defTabSz="914400" rtl="0" eaLnBrk="1" latinLnBrk="0" hangingPunct="1">
+              <a:defRPr sz="1800" kern="1200">
+                <a:solidFill>
+                  <a:schemeClr val="tx1"/>
+                </a:solidFill>
+                <a:latin typeface="+mn-lt"/>
+                <a:ea typeface="+mn-ea"/>
+                <a:cs typeface="+mn-cs"/>
+              </a:defRPr>
+            </a:lvl1pPr>
+            <a:lvl2pPr marL="457200" algn="l" defTabSz="914400" rtl="0" eaLnBrk="1" latinLnBrk="0" hangingPunct="1">
+              <a:defRPr sz="1800" kern="1200">
+                <a:solidFill>
+                  <a:schemeClr val="tx1"/>
+                </a:solidFill>
+                <a:latin typeface="+mn-lt"/>
+                <a:ea typeface="+mn-ea"/>
+                <a:cs typeface="+mn-cs"/>
+              </a:defRPr>
+            </a:lvl2pPr>
+            <a:lvl3pPr marL="914400" algn="l" defTabSz="914400" rtl="0" eaLnBrk="1" latinLnBrk="0" hangingPunct="1">
+              <a:defRPr sz="1800" kern="1200">
+                <a:solidFill>
+                  <a:schemeClr val="tx1"/>
+                </a:solidFill>
+                <a:latin typeface="+mn-lt"/>
+                <a:ea typeface="+mn-ea"/>
+                <a:cs typeface="+mn-cs"/>
+              </a:defRPr>
+            </a:lvl3pPr>
+            <a:lvl4pPr marL="1371600" algn="l" defTabSz="914400" rtl="0" eaLnBrk="1" latinLnBrk="0" hangingPunct="1">
+              <a:defRPr sz="1800" kern="1200">
+                <a:solidFill>
+                  <a:schemeClr val="tx1"/>
+                </a:solidFill>
+                <a:latin typeface="+mn-lt"/>
+                <a:ea typeface="+mn-ea"/>
+                <a:cs typeface="+mn-cs"/>
+              </a:defRPr>
+            </a:lvl4pPr>
+            <a:lvl5pPr marL="1828800" algn="l" defTabSz="914400" rtl="0" eaLnBrk="1" latinLnBrk="0" hangingPunct="1">
+              <a:defRPr sz="1800" kern="1200">
+                <a:solidFill>
+                  <a:schemeClr val="tx1"/>
+                </a:solidFill>
+                <a:latin typeface="+mn-lt"/>
+                <a:ea typeface="+mn-ea"/>
+                <a:cs typeface="+mn-cs"/>
+              </a:defRPr>
+            </a:lvl5pPr>
+            <a:lvl6pPr marL="2286000" algn="l" defTabSz="914400" rtl="0" eaLnBrk="1" latinLnBrk="0" hangingPunct="1">
+              <a:defRPr sz="1800" kern="1200">
+                <a:solidFill>
+                  <a:schemeClr val="tx1"/>
+                </a:solidFill>
+                <a:latin typeface="+mn-lt"/>
+                <a:ea typeface="+mn-ea"/>
+                <a:cs typeface="+mn-cs"/>
+              </a:defRPr>
+            </a:lvl6pPr>
+            <a:lvl7pPr marL="2743200" algn="l" defTabSz="914400" rtl="0" eaLnBrk="1" latinLnBrk="0" hangingPunct="1">
+              <a:defRPr sz="1800" kern="1200">
+                <a:solidFill>
+                  <a:schemeClr val="tx1"/>
+                </a:solidFill>
+                <a:latin typeface="+mn-lt"/>
+                <a:ea typeface="+mn-ea"/>
+                <a:cs typeface="+mn-cs"/>
+              </a:defRPr>
+            </a:lvl7pPr>
+            <a:lvl8pPr marL="3200400" algn="l" defTabSz="914400" rtl="0" eaLnBrk="1" latinLnBrk="0" hangingPunct="1">
+              <a:defRPr sz="1800" kern="1200">
+                <a:solidFill>
+                  <a:schemeClr val="tx1"/>
+                </a:solidFill>
+                <a:latin typeface="+mn-lt"/>
+                <a:ea typeface="+mn-ea"/>
+                <a:cs typeface="+mn-cs"/>
+              </a:defRPr>
+            </a:lvl8pPr>
+            <a:lvl9pPr marL="3657600" algn="l" defTabSz="914400" rtl="0" eaLnBrk="1" latinLnBrk="0" hangingPunct="1">
+              <a:defRPr sz="1800" kern="1200">
+                <a:solidFill>
+                  <a:schemeClr val="tx1"/>
+                </a:solidFill>
+                <a:latin typeface="+mn-lt"/>
+                <a:ea typeface="+mn-ea"/>
+                <a:cs typeface="+mn-cs"/>
+              </a:defRPr>
+            </a:lvl9pPr>
+          </a:lstStyle>
+          <a:p>
+            <a:pPr algn="ctr"/>
+            <a:r>
+              <a:rPr lang="en-US" b="1" dirty="0"/>
+              <a:t>https://github.com/rockintest/rocktest</a:t>
+            </a:r>
+          </a:p>
+        </p:txBody>
+      </p:sp>
       <p:pic>
         <p:nvPicPr>
-          <p:cNvPr id="9" name="Graphique 8">
+          <p:cNvPr id="3" name="Image 2">
             <a:extLst>
               <a:ext uri="{FF2B5EF4-FFF2-40B4-BE49-F238E27FC236}">
-                <a16:creationId xmlns:a16="http://schemas.microsoft.com/office/drawing/2014/main" id="{CFAD281C-3CC1-430F-8C9F-AEAF0D772600}"/>
+                <a16:creationId xmlns:a16="http://schemas.microsoft.com/office/drawing/2014/main" id="{66B4FF2D-5D01-9845-BCA7-62F1548FD1EF}"/>
               </a:ext>
             </a:extLst>
           </p:cNvPr>
@@ -30118,8 +30236,8 @@
         <p:blipFill>
           <a:blip r:embed="rId4">
             <a:extLst>
-              <a:ext uri="{96DAC541-7B7A-43D3-8B79-37D633B846F1}">
-                <asvg:svgBlip xmlns:asvg="http://schemas.microsoft.com/office/drawing/2016/SVG/main" r:embed="rId5"/>
+              <a:ext uri="{28A0092B-C50C-407E-A947-70E740481C1C}">
+                <a14:useLocalDpi xmlns:a14="http://schemas.microsoft.com/office/drawing/2010/main" val="0"/>
               </a:ext>
             </a:extLst>
           </a:blip>
@@ -30129,143 +30247,14 @@
         </p:blipFill>
         <p:spPr>
           <a:xfrm>
-            <a:off x="188912" y="942975"/>
-            <a:ext cx="3609975" cy="4743450"/>
+            <a:off x="467756" y="562304"/>
+            <a:ext cx="3362122" cy="4937348"/>
           </a:xfrm>
           <a:prstGeom prst="rect">
             <a:avLst/>
           </a:prstGeom>
         </p:spPr>
       </p:pic>
-      <p:sp>
-        <p:nvSpPr>
-          <p:cNvPr id="10" name="Footer Placeholder 3">
-            <a:extLst>
-              <a:ext uri="{FF2B5EF4-FFF2-40B4-BE49-F238E27FC236}">
-                <a16:creationId xmlns:a16="http://schemas.microsoft.com/office/drawing/2014/main" id="{6613E1CD-2637-4D30-8358-53E07CBD35C6}"/>
-              </a:ext>
-            </a:extLst>
-          </p:cNvPr>
-          <p:cNvSpPr txBox="1">
-            <a:spLocks/>
-          </p:cNvSpPr>
-          <p:nvPr/>
-        </p:nvSpPr>
-        <p:spPr>
-          <a:xfrm>
-            <a:off x="0" y="6303406"/>
-            <a:ext cx="10772773" cy="365125"/>
-          </a:xfrm>
-          <a:prstGeom prst="rect">
-            <a:avLst/>
-          </a:prstGeom>
-        </p:spPr>
-        <p:txBody>
-          <a:bodyPr/>
-          <a:lstStyle>
-            <a:defPPr>
-              <a:defRPr lang="en-US"/>
-            </a:defPPr>
-            <a:lvl1pPr marL="0" algn="l" defTabSz="914400" rtl="0" eaLnBrk="1" latinLnBrk="0" hangingPunct="1">
-              <a:defRPr sz="1800" kern="1200">
-                <a:solidFill>
-                  <a:schemeClr val="tx1"/>
-                </a:solidFill>
-                <a:latin typeface="+mn-lt"/>
-                <a:ea typeface="+mn-ea"/>
-                <a:cs typeface="+mn-cs"/>
-              </a:defRPr>
-            </a:lvl1pPr>
-            <a:lvl2pPr marL="457200" algn="l" defTabSz="914400" rtl="0" eaLnBrk="1" latinLnBrk="0" hangingPunct="1">
-              <a:defRPr sz="1800" kern="1200">
-                <a:solidFill>
-                  <a:schemeClr val="tx1"/>
-                </a:solidFill>
-                <a:latin typeface="+mn-lt"/>
-                <a:ea typeface="+mn-ea"/>
-                <a:cs typeface="+mn-cs"/>
-              </a:defRPr>
-            </a:lvl2pPr>
-            <a:lvl3pPr marL="914400" algn="l" defTabSz="914400" rtl="0" eaLnBrk="1" latinLnBrk="0" hangingPunct="1">
-              <a:defRPr sz="1800" kern="1200">
-                <a:solidFill>
-                  <a:schemeClr val="tx1"/>
-                </a:solidFill>
-                <a:latin typeface="+mn-lt"/>
-                <a:ea typeface="+mn-ea"/>
-                <a:cs typeface="+mn-cs"/>
-              </a:defRPr>
-            </a:lvl3pPr>
-            <a:lvl4pPr marL="1371600" algn="l" defTabSz="914400" rtl="0" eaLnBrk="1" latinLnBrk="0" hangingPunct="1">
-              <a:defRPr sz="1800" kern="1200">
-                <a:solidFill>
-                  <a:schemeClr val="tx1"/>
-                </a:solidFill>
-                <a:latin typeface="+mn-lt"/>
-                <a:ea typeface="+mn-ea"/>
-                <a:cs typeface="+mn-cs"/>
-              </a:defRPr>
-            </a:lvl4pPr>
-            <a:lvl5pPr marL="1828800" algn="l" defTabSz="914400" rtl="0" eaLnBrk="1" latinLnBrk="0" hangingPunct="1">
-              <a:defRPr sz="1800" kern="1200">
-                <a:solidFill>
-                  <a:schemeClr val="tx1"/>
-                </a:solidFill>
-                <a:latin typeface="+mn-lt"/>
-                <a:ea typeface="+mn-ea"/>
-                <a:cs typeface="+mn-cs"/>
-              </a:defRPr>
-            </a:lvl5pPr>
-            <a:lvl6pPr marL="2286000" algn="l" defTabSz="914400" rtl="0" eaLnBrk="1" latinLnBrk="0" hangingPunct="1">
-              <a:defRPr sz="1800" kern="1200">
-                <a:solidFill>
-                  <a:schemeClr val="tx1"/>
-                </a:solidFill>
-                <a:latin typeface="+mn-lt"/>
-                <a:ea typeface="+mn-ea"/>
-                <a:cs typeface="+mn-cs"/>
-              </a:defRPr>
-            </a:lvl6pPr>
-            <a:lvl7pPr marL="2743200" algn="l" defTabSz="914400" rtl="0" eaLnBrk="1" latinLnBrk="0" hangingPunct="1">
-              <a:defRPr sz="1800" kern="1200">
-                <a:solidFill>
-                  <a:schemeClr val="tx1"/>
-                </a:solidFill>
-                <a:latin typeface="+mn-lt"/>
-                <a:ea typeface="+mn-ea"/>
-                <a:cs typeface="+mn-cs"/>
-              </a:defRPr>
-            </a:lvl7pPr>
-            <a:lvl8pPr marL="3200400" algn="l" defTabSz="914400" rtl="0" eaLnBrk="1" latinLnBrk="0" hangingPunct="1">
-              <a:defRPr sz="1800" kern="1200">
-                <a:solidFill>
-                  <a:schemeClr val="tx1"/>
-                </a:solidFill>
-                <a:latin typeface="+mn-lt"/>
-                <a:ea typeface="+mn-ea"/>
-                <a:cs typeface="+mn-cs"/>
-              </a:defRPr>
-            </a:lvl8pPr>
-            <a:lvl9pPr marL="3657600" algn="l" defTabSz="914400" rtl="0" eaLnBrk="1" latinLnBrk="0" hangingPunct="1">
-              <a:defRPr sz="1800" kern="1200">
-                <a:solidFill>
-                  <a:schemeClr val="tx1"/>
-                </a:solidFill>
-                <a:latin typeface="+mn-lt"/>
-                <a:ea typeface="+mn-ea"/>
-                <a:cs typeface="+mn-cs"/>
-              </a:defRPr>
-            </a:lvl9pPr>
-          </a:lstStyle>
-          <a:p>
-            <a:pPr algn="ctr"/>
-            <a:r>
-              <a:rPr lang="en-US" b="1" dirty="0"/>
-              <a:t>https://github.com/rockintest/rocktest</a:t>
-            </a:r>
-          </a:p>
-        </p:txBody>
-      </p:sp>
     </p:spTree>
     <p:extLst>
       <p:ext uri="{BB962C8B-B14F-4D97-AF65-F5344CB8AC3E}">
@@ -30459,12 +30448,20 @@
           <a:p>
             <a:pPr algn="ctr" defTabSz="1097280"/>
             <a:r>
+              <a:rPr lang="pt-BR" sz="2150" b="1" dirty="0" err="1">
+                <a:latin typeface="Verdana"/>
+                <a:ea typeface="Verdana"/>
+                <a:cs typeface="Verdana"/>
+              </a:rPr>
+              <a:t>Cowork</a:t>
+            </a:r>
+            <a:r>
               <a:rPr lang="pt-BR" sz="2150" b="1" dirty="0">
                 <a:latin typeface="Verdana"/>
                 <a:ea typeface="Verdana"/>
                 <a:cs typeface="Verdana"/>
               </a:rPr>
-              <a:t>Testing &amp; Automation – 17/06/2021</a:t>
+              <a:t> Bordeaux – 07/08/2021</a:t>
             </a:r>
             <a:endParaRPr lang="pt-BR" sz="2160" b="1" dirty="0">
               <a:latin typeface="Verdana" panose="020B0604030504040204" pitchFamily="34" charset="0"/>
@@ -33621,7 +33618,7 @@
           <a:p>
             <a:r>
               <a:rPr lang="en-US" dirty="0"/>
-              <a:t>03/19/2021</a:t>
+              <a:t>07/08/2021</a:t>
             </a:r>
           </a:p>
         </p:txBody>
@@ -33956,7 +33953,7 @@
           <a:p>
             <a:r>
               <a:rPr lang="en-US" dirty="0"/>
-              <a:t>03/19/2021</a:t>
+              <a:t>07/08/2021</a:t>
             </a:r>
           </a:p>
         </p:txBody>
@@ -35131,7 +35128,7 @@
           <a:p>
             <a:r>
               <a:rPr lang="en-US" dirty="0"/>
-              <a:t>03/19/2021</a:t>
+              <a:t>07/08/2021</a:t>
             </a:r>
           </a:p>
         </p:txBody>
@@ -35592,7 +35589,7 @@
           <a:p>
             <a:r>
               <a:rPr lang="en-US" dirty="0"/>
-              <a:t>03/19/2021</a:t>
+              <a:t>07/08/2021</a:t>
             </a:r>
           </a:p>
         </p:txBody>
@@ -36989,7 +36986,7 @@
           <a:p>
             <a:r>
               <a:rPr lang="en-US" dirty="0"/>
-              <a:t>03/19/2021</a:t>
+              <a:t>07/08/2021</a:t>
             </a:r>
           </a:p>
         </p:txBody>
@@ -37242,10 +37239,10 @@
       </p:sp>
       <p:pic>
         <p:nvPicPr>
-          <p:cNvPr id="15" name="Graphique 14">
+          <p:cNvPr id="4" name="Image 3">
             <a:extLst>
               <a:ext uri="{FF2B5EF4-FFF2-40B4-BE49-F238E27FC236}">
-                <a16:creationId xmlns:a16="http://schemas.microsoft.com/office/drawing/2014/main" id="{42038486-C140-4388-9C96-DD841F84F1F1}"/>
+                <a16:creationId xmlns:a16="http://schemas.microsoft.com/office/drawing/2014/main" id="{6C31EA36-3119-E84F-BA0A-DA97E338AD76}"/>
               </a:ext>
             </a:extLst>
           </p:cNvPr>
@@ -37257,8 +37254,8 @@
         <p:blipFill>
           <a:blip r:embed="rId5">
             <a:extLst>
-              <a:ext uri="{96DAC541-7B7A-43D3-8B79-37D633B846F1}">
-                <asvg:svgBlip xmlns:asvg="http://schemas.microsoft.com/office/drawing/2016/SVG/main" r:embed="rId6"/>
+              <a:ext uri="{28A0092B-C50C-407E-A947-70E740481C1C}">
+                <a14:useLocalDpi xmlns:a14="http://schemas.microsoft.com/office/drawing/2010/main" val="0"/>
               </a:ext>
             </a:extLst>
           </a:blip>
@@ -37268,8 +37265,8 @@
         </p:blipFill>
         <p:spPr>
           <a:xfrm>
-            <a:off x="25104" y="1726421"/>
-            <a:ext cx="2705966" cy="3555597"/>
+            <a:off x="325820" y="1997845"/>
+            <a:ext cx="2099328" cy="2917986"/>
           </a:xfrm>
           <a:prstGeom prst="rect">
             <a:avLst/>
@@ -37337,7 +37334,7 @@
           <a:p>
             <a:r>
               <a:rPr lang="en-US" dirty="0"/>
-              <a:t>03/19/2021</a:t>
+              <a:t>07/08/2021</a:t>
             </a:r>
           </a:p>
         </p:txBody>
@@ -37865,7 +37862,7 @@
             <a:pPr algn="ctr"/>
             <a:r>
               <a:rPr lang="en-GB" dirty="0"/>
-              <a:t>Cool man. I love to test as much as possible, as often as possible, but I don’t know any programming language.</a:t>
+              <a:t>Cool man. I love to test as much as possible, as often as possible. I am a tech man, but I don’t know any programming language.</a:t>
             </a:r>
           </a:p>
         </p:txBody>
@@ -38131,7 +38128,7 @@
           <a:p>
             <a:r>
               <a:rPr lang="en-US" dirty="0"/>
-              <a:t>03/19/2021</a:t>
+              <a:t>07/08/2021</a:t>
             </a:r>
           </a:p>
         </p:txBody>
@@ -38444,10 +38441,10 @@
       </p:sp>
       <p:pic>
         <p:nvPicPr>
-          <p:cNvPr id="17" name="Graphique 16">
+          <p:cNvPr id="4" name="Image 3">
             <a:extLst>
               <a:ext uri="{FF2B5EF4-FFF2-40B4-BE49-F238E27FC236}">
-                <a16:creationId xmlns:a16="http://schemas.microsoft.com/office/drawing/2014/main" id="{EF17DE4D-4833-4420-98BB-0FE3153BE68C}"/>
+                <a16:creationId xmlns:a16="http://schemas.microsoft.com/office/drawing/2014/main" id="{12C88A48-BB6F-45C3-93B9-598AADF93712}"/>
               </a:ext>
             </a:extLst>
           </p:cNvPr>
@@ -38457,43 +38454,7 @@
           <p:nvPr/>
         </p:nvPicPr>
         <p:blipFill>
-          <a:blip r:embed="rId5">
-            <a:extLst>
-              <a:ext uri="{96DAC541-7B7A-43D3-8B79-37D633B846F1}">
-                <asvg:svgBlip xmlns:asvg="http://schemas.microsoft.com/office/drawing/2016/SVG/main" r:embed="rId6"/>
-              </a:ext>
-            </a:extLst>
-          </a:blip>
-          <a:stretch>
-            <a:fillRect/>
-          </a:stretch>
-        </p:blipFill>
-        <p:spPr>
-          <a:xfrm rot="21381883">
-            <a:off x="-101409" y="1129663"/>
-            <a:ext cx="1731698" cy="2275424"/>
-          </a:xfrm>
-          <a:prstGeom prst="rect">
-            <a:avLst/>
-          </a:prstGeom>
-        </p:spPr>
-      </p:pic>
-      <p:pic>
-        <p:nvPicPr>
-          <p:cNvPr id="4" name="Image 3">
-            <a:extLst>
-              <a:ext uri="{FF2B5EF4-FFF2-40B4-BE49-F238E27FC236}">
-                <a16:creationId xmlns:a16="http://schemas.microsoft.com/office/drawing/2014/main" id="{12C88A48-BB6F-45C3-93B9-598AADF93712}"/>
-              </a:ext>
-            </a:extLst>
-          </p:cNvPr>
-          <p:cNvPicPr>
-            <a:picLocks noChangeAspect="1"/>
-          </p:cNvPicPr>
-          <p:nvPr/>
-        </p:nvPicPr>
-        <p:blipFill>
-          <a:blip r:embed="rId7" cstate="print">
+          <a:blip r:embed="rId5" cstate="print">
             <a:extLst>
               <a:ext uri="{28A0092B-C50C-407E-A947-70E740481C1C}">
                 <a14:useLocalDpi xmlns:a14="http://schemas.microsoft.com/office/drawing/2010/main" val="0"/>
@@ -38584,7 +38545,7 @@
           <p:nvPr/>
         </p:nvPicPr>
         <p:blipFill>
-          <a:blip r:embed="rId8">
+          <a:blip r:embed="rId6">
             <a:extLst>
               <a:ext uri="{28A0092B-C50C-407E-A947-70E740481C1C}">
                 <a14:useLocalDpi xmlns:a14="http://schemas.microsoft.com/office/drawing/2010/main" val="0"/>
@@ -38672,6 +38633,42 @@
           </a:p>
         </p:txBody>
       </p:sp>
+      <p:pic>
+        <p:nvPicPr>
+          <p:cNvPr id="11" name="Image 10">
+            <a:extLst>
+              <a:ext uri="{FF2B5EF4-FFF2-40B4-BE49-F238E27FC236}">
+                <a16:creationId xmlns:a16="http://schemas.microsoft.com/office/drawing/2014/main" id="{1F49A517-5D44-484C-8FAA-D8FE44E22832}"/>
+              </a:ext>
+            </a:extLst>
+          </p:cNvPr>
+          <p:cNvPicPr>
+            <a:picLocks noChangeAspect="1"/>
+          </p:cNvPicPr>
+          <p:nvPr/>
+        </p:nvPicPr>
+        <p:blipFill>
+          <a:blip r:embed="rId7">
+            <a:extLst>
+              <a:ext uri="{28A0092B-C50C-407E-A947-70E740481C1C}">
+                <a14:useLocalDpi xmlns:a14="http://schemas.microsoft.com/office/drawing/2010/main" val="0"/>
+              </a:ext>
+            </a:extLst>
+          </a:blip>
+          <a:stretch>
+            <a:fillRect/>
+          </a:stretch>
+        </p:blipFill>
+        <p:spPr>
+          <a:xfrm rot="20976742">
+            <a:off x="131274" y="989759"/>
+            <a:ext cx="1621771" cy="2401975"/>
+          </a:xfrm>
+          <a:prstGeom prst="rect">
+            <a:avLst/>
+          </a:prstGeom>
+        </p:spPr>
+      </p:pic>
     </p:spTree>
     <p:extLst>
       <p:ext uri="{BB962C8B-B14F-4D97-AF65-F5344CB8AC3E}">
@@ -40536,6 +40533,15 @@
 </file>
 
 <file path=customXml/item1.xml><?xml version="1.0" encoding="utf-8"?>
+<?mso-contentType ?>
+<FormTemplates xmlns="http://schemas.microsoft.com/sharepoint/v3/contenttype/forms">
+  <Display>DocumentLibraryForm</Display>
+  <Edit>DocumentLibraryForm</Edit>
+  <New>DocumentLibraryForm</New>
+</FormTemplates>
+</file>
+
+<file path=customXml/item2.xml><?xml version="1.0" encoding="utf-8"?>
 <ct:contentTypeSchema xmlns:ct="http://schemas.microsoft.com/office/2006/metadata/contentType" xmlns:ma="http://schemas.microsoft.com/office/2006/metadata/properties/metaAttributes" ct:_="" ma:_="" ma:contentTypeName="Document" ma:contentTypeID="0x010100C308B59B21B0BD4B9759AEDACFE89B58" ma:contentTypeVersion="10" ma:contentTypeDescription="Create a new document." ma:contentTypeScope="" ma:versionID="e9e816e3620119aa8137295ae87b1e99">
   <xsd:schema xmlns:xsd="http://www.w3.org/2001/XMLSchema" xmlns:xs="http://www.w3.org/2001/XMLSchema" xmlns:p="http://schemas.microsoft.com/office/2006/metadata/properties" xmlns:ns3="20eac82b-eba3-49a5-bdfa-84267f330a76" xmlns:ns4="62617339-f9ac-480d-bcf1-09d69282c3eb" targetNamespace="http://schemas.microsoft.com/office/2006/metadata/properties" ma:root="true" ma:fieldsID="d2589c7b2e6433d5f20e2aa5fe0f0108" ns3:_="" ns4:_="">
     <xsd:import namespace="20eac82b-eba3-49a5-bdfa-84267f330a76"/>
@@ -40738,15 +40744,6 @@
 </ct:contentTypeSchema>
 </file>
 
-<file path=customXml/item2.xml><?xml version="1.0" encoding="utf-8"?>
-<?mso-contentType ?>
-<FormTemplates xmlns="http://schemas.microsoft.com/sharepoint/v3/contenttype/forms">
-  <Display>DocumentLibraryForm</Display>
-  <Edit>DocumentLibraryForm</Edit>
-  <New>DocumentLibraryForm</New>
-</FormTemplates>
-</file>
-
 <file path=customXml/item3.xml><?xml version="1.0" encoding="utf-8"?>
 <p:properties xmlns:p="http://schemas.microsoft.com/office/2006/metadata/properties" xmlns:xsi="http://www.w3.org/2001/XMLSchema-instance" xmlns:pc="http://schemas.microsoft.com/office/infopath/2007/PartnerControls">
   <documentManagement/>
@@ -40754,6 +40751,14 @@
 </file>
 
 <file path=customXml/itemProps1.xml><?xml version="1.0" encoding="utf-8"?>
+<ds:datastoreItem xmlns:ds="http://schemas.openxmlformats.org/officeDocument/2006/customXml" ds:itemID="{32BE121D-B26E-4CBF-B405-E028CEC273B1}">
+  <ds:schemaRefs>
+    <ds:schemaRef ds:uri="http://schemas.microsoft.com/sharepoint/v3/contenttype/forms"/>
+  </ds:schemaRefs>
+</ds:datastoreItem>
+</file>
+
+<file path=customXml/itemProps2.xml><?xml version="1.0" encoding="utf-8"?>
 <ds:datastoreItem xmlns:ds="http://schemas.openxmlformats.org/officeDocument/2006/customXml" ds:itemID="{40214B19-F8A3-42FD-AD29-76759055FAA1}">
   <ds:schemaRefs>
     <ds:schemaRef ds:uri="http://schemas.microsoft.com/office/2006/metadata/contentType"/>
@@ -40768,14 +40773,6 @@
     <ds:schemaRef ds:uri="http://purl.org/dc/elements/1.1/"/>
     <ds:schemaRef ds:uri="http://purl.org/dc/terms/"/>
     <ds:schemaRef ds:uri="http://schemas.microsoft.com/internal/obd"/>
-  </ds:schemaRefs>
-</ds:datastoreItem>
-</file>
-
-<file path=customXml/itemProps2.xml><?xml version="1.0" encoding="utf-8"?>
-<ds:datastoreItem xmlns:ds="http://schemas.openxmlformats.org/officeDocument/2006/customXml" ds:itemID="{32BE121D-B26E-4CBF-B405-E028CEC273B1}">
-  <ds:schemaRefs>
-    <ds:schemaRef ds:uri="http://schemas.microsoft.com/sharepoint/v3/contenttype/forms"/>
   </ds:schemaRefs>
 </ds:datastoreItem>
 </file>
